--- a/Study/13. SHA256.pptx
+++ b/Study/13. SHA256.pptx
@@ -5,12 +5,19 @@
     <p:sldMasterId id="2147483660" r:id="rId1"/>
   </p:sldMasterIdLst>
   <p:notesMasterIdLst>
-    <p:notesMasterId r:id="rId5"/>
+    <p:notesMasterId r:id="rId12"/>
   </p:notesMasterIdLst>
   <p:sldIdLst>
     <p:sldId id="256" r:id="rId2"/>
     <p:sldId id="292" r:id="rId3"/>
-    <p:sldId id="293" r:id="rId4"/>
+    <p:sldId id="294" r:id="rId4"/>
+    <p:sldId id="295" r:id="rId5"/>
+    <p:sldId id="296" r:id="rId6"/>
+    <p:sldId id="297" r:id="rId7"/>
+    <p:sldId id="299" r:id="rId8"/>
+    <p:sldId id="300" r:id="rId9"/>
+    <p:sldId id="301" r:id="rId10"/>
+    <p:sldId id="293" r:id="rId11"/>
   </p:sldIdLst>
   <p:sldSz cx="12192000" cy="6858000"/>
   <p:notesSz cx="6797675" cy="9926638"/>
@@ -199,7 +206,7 @@
           <a:p>
             <a:fld id="{8DD9E706-E0BA-4FBD-AF15-9E3682821587}" type="datetimeFigureOut">
               <a:rPr lang="ko-KR" altLang="en-US" smtClean="0"/>
-              <a:t>2018-12-28</a:t>
+              <a:t>2019-01-02</a:t>
             </a:fld>
             <a:endParaRPr lang="ko-KR" altLang="en-US"/>
           </a:p>
@@ -550,6 +557,101 @@
 </p:notes>
 </file>
 
+<file path=ppt/notesSlides/notesSlide10.xml><?xml version="1.0" encoding="utf-8"?>
+<p:notes xmlns:a="http://schemas.openxmlformats.org/drawingml/2006/main" xmlns:r="http://schemas.openxmlformats.org/officeDocument/2006/relationships" xmlns:p="http://schemas.openxmlformats.org/presentationml/2006/main">
+  <p:cSld>
+    <p:spTree>
+      <p:nvGrpSpPr>
+        <p:cNvPr id="1" name=""/>
+        <p:cNvGrpSpPr/>
+        <p:nvPr/>
+      </p:nvGrpSpPr>
+      <p:grpSpPr>
+        <a:xfrm>
+          <a:off x="0" y="0"/>
+          <a:ext cx="0" cy="0"/>
+          <a:chOff x="0" y="0"/>
+          <a:chExt cx="0" cy="0"/>
+        </a:xfrm>
+      </p:grpSpPr>
+      <p:sp>
+        <p:nvSpPr>
+          <p:cNvPr id="2" name="슬라이드 이미지 개체 틀 1"/>
+          <p:cNvSpPr>
+            <a:spLocks noGrp="1" noRot="1" noChangeAspect="1"/>
+          </p:cNvSpPr>
+          <p:nvPr>
+            <p:ph type="sldImg"/>
+          </p:nvPr>
+        </p:nvSpPr>
+        <p:spPr/>
+      </p:sp>
+      <p:sp>
+        <p:nvSpPr>
+          <p:cNvPr id="3" name="슬라이드 노트 개체 틀 2"/>
+          <p:cNvSpPr>
+            <a:spLocks noGrp="1"/>
+          </p:cNvSpPr>
+          <p:nvPr>
+            <p:ph type="body" idx="1"/>
+          </p:nvPr>
+        </p:nvSpPr>
+        <p:spPr/>
+        <p:txBody>
+          <a:bodyPr/>
+          <a:lstStyle/>
+          <a:p>
+            <a:pPr marL="0" indent="0">
+              <a:buNone/>
+            </a:pPr>
+            <a:endParaRPr lang="en-US" altLang="ko-KR" sz="1200" b="0" i="0" kern="1200" dirty="0">
+              <a:solidFill>
+                <a:schemeClr val="tx1"/>
+              </a:solidFill>
+              <a:effectLst/>
+              <a:latin typeface="+mn-lt"/>
+              <a:ea typeface="+mn-ea"/>
+              <a:cs typeface="+mn-cs"/>
+            </a:endParaRPr>
+          </a:p>
+        </p:txBody>
+      </p:sp>
+      <p:sp>
+        <p:nvSpPr>
+          <p:cNvPr id="4" name="슬라이드 번호 개체 틀 3"/>
+          <p:cNvSpPr>
+            <a:spLocks noGrp="1"/>
+          </p:cNvSpPr>
+          <p:nvPr>
+            <p:ph type="sldNum" sz="quarter" idx="5"/>
+          </p:nvPr>
+        </p:nvSpPr>
+        <p:spPr/>
+        <p:txBody>
+          <a:bodyPr/>
+          <a:lstStyle/>
+          <a:p>
+            <a:fld id="{AF4B4130-2D9F-4E6D-9707-8718AD09D43C}" type="slidenum">
+              <a:rPr lang="ko-KR" altLang="en-US" smtClean="0"/>
+              <a:t>10</a:t>
+            </a:fld>
+            <a:endParaRPr lang="ko-KR" altLang="en-US"/>
+          </a:p>
+        </p:txBody>
+      </p:sp>
+    </p:spTree>
+    <p:extLst>
+      <p:ext uri="{BB962C8B-B14F-4D97-AF65-F5344CB8AC3E}">
+        <p14:creationId xmlns:p14="http://schemas.microsoft.com/office/powerpoint/2010/main" val="587670746"/>
+      </p:ext>
+    </p:extLst>
+  </p:cSld>
+  <p:clrMapOvr>
+    <a:masterClrMapping/>
+  </p:clrMapOvr>
+</p:notes>
+</file>
+
 <file path=ppt/notesSlides/notesSlide2.xml><?xml version="1.0" encoding="utf-8"?>
 <p:notes xmlns:a="http://schemas.openxmlformats.org/drawingml/2006/main" xmlns:r="http://schemas.openxmlformats.org/officeDocument/2006/relationships" xmlns:p="http://schemas.openxmlformats.org/presentationml/2006/main">
   <p:cSld>
@@ -730,7 +832,965 @@
     </p:spTree>
     <p:extLst>
       <p:ext uri="{BB962C8B-B14F-4D97-AF65-F5344CB8AC3E}">
-        <p14:creationId xmlns:p14="http://schemas.microsoft.com/office/powerpoint/2010/main" val="587670746"/>
+        <p14:creationId xmlns:p14="http://schemas.microsoft.com/office/powerpoint/2010/main" val="4034179088"/>
+      </p:ext>
+    </p:extLst>
+  </p:cSld>
+  <p:clrMapOvr>
+    <a:masterClrMapping/>
+  </p:clrMapOvr>
+</p:notes>
+</file>
+
+<file path=ppt/notesSlides/notesSlide4.xml><?xml version="1.0" encoding="utf-8"?>
+<p:notes xmlns:a="http://schemas.openxmlformats.org/drawingml/2006/main" xmlns:r="http://schemas.openxmlformats.org/officeDocument/2006/relationships" xmlns:p="http://schemas.openxmlformats.org/presentationml/2006/main">
+  <p:cSld>
+    <p:spTree>
+      <p:nvGrpSpPr>
+        <p:cNvPr id="1" name=""/>
+        <p:cNvGrpSpPr/>
+        <p:nvPr/>
+      </p:nvGrpSpPr>
+      <p:grpSpPr>
+        <a:xfrm>
+          <a:off x="0" y="0"/>
+          <a:ext cx="0" cy="0"/>
+          <a:chOff x="0" y="0"/>
+          <a:chExt cx="0" cy="0"/>
+        </a:xfrm>
+      </p:grpSpPr>
+      <p:sp>
+        <p:nvSpPr>
+          <p:cNvPr id="2" name="슬라이드 이미지 개체 틀 1"/>
+          <p:cNvSpPr>
+            <a:spLocks noGrp="1" noRot="1" noChangeAspect="1"/>
+          </p:cNvSpPr>
+          <p:nvPr>
+            <p:ph type="sldImg"/>
+          </p:nvPr>
+        </p:nvSpPr>
+        <p:spPr/>
+      </p:sp>
+      <p:sp>
+        <p:nvSpPr>
+          <p:cNvPr id="3" name="슬라이드 노트 개체 틀 2"/>
+          <p:cNvSpPr>
+            <a:spLocks noGrp="1"/>
+          </p:cNvSpPr>
+          <p:nvPr>
+            <p:ph type="body" idx="1"/>
+          </p:nvPr>
+        </p:nvSpPr>
+        <p:spPr/>
+        <p:txBody>
+          <a:bodyPr/>
+          <a:lstStyle/>
+          <a:p>
+            <a:pPr marL="0" indent="0">
+              <a:buNone/>
+            </a:pPr>
+            <a:endParaRPr lang="en-US" altLang="ko-KR" sz="1200" b="0" i="0" kern="1200" dirty="0">
+              <a:solidFill>
+                <a:schemeClr val="tx1"/>
+              </a:solidFill>
+              <a:effectLst/>
+              <a:latin typeface="+mn-lt"/>
+              <a:ea typeface="+mn-ea"/>
+              <a:cs typeface="+mn-cs"/>
+            </a:endParaRPr>
+          </a:p>
+        </p:txBody>
+      </p:sp>
+      <p:sp>
+        <p:nvSpPr>
+          <p:cNvPr id="4" name="슬라이드 번호 개체 틀 3"/>
+          <p:cNvSpPr>
+            <a:spLocks noGrp="1"/>
+          </p:cNvSpPr>
+          <p:nvPr>
+            <p:ph type="sldNum" sz="quarter" idx="5"/>
+          </p:nvPr>
+        </p:nvSpPr>
+        <p:spPr/>
+        <p:txBody>
+          <a:bodyPr/>
+          <a:lstStyle/>
+          <a:p>
+            <a:fld id="{AF4B4130-2D9F-4E6D-9707-8718AD09D43C}" type="slidenum">
+              <a:rPr lang="ko-KR" altLang="en-US" smtClean="0"/>
+              <a:t>4</a:t>
+            </a:fld>
+            <a:endParaRPr lang="ko-KR" altLang="en-US"/>
+          </a:p>
+        </p:txBody>
+      </p:sp>
+    </p:spTree>
+    <p:extLst>
+      <p:ext uri="{BB962C8B-B14F-4D97-AF65-F5344CB8AC3E}">
+        <p14:creationId xmlns:p14="http://schemas.microsoft.com/office/powerpoint/2010/main" val="4171945411"/>
+      </p:ext>
+    </p:extLst>
+  </p:cSld>
+  <p:clrMapOvr>
+    <a:masterClrMapping/>
+  </p:clrMapOvr>
+</p:notes>
+</file>
+
+<file path=ppt/notesSlides/notesSlide5.xml><?xml version="1.0" encoding="utf-8"?>
+<p:notes xmlns:a="http://schemas.openxmlformats.org/drawingml/2006/main" xmlns:r="http://schemas.openxmlformats.org/officeDocument/2006/relationships" xmlns:p="http://schemas.openxmlformats.org/presentationml/2006/main">
+  <p:cSld>
+    <p:spTree>
+      <p:nvGrpSpPr>
+        <p:cNvPr id="1" name=""/>
+        <p:cNvGrpSpPr/>
+        <p:nvPr/>
+      </p:nvGrpSpPr>
+      <p:grpSpPr>
+        <a:xfrm>
+          <a:off x="0" y="0"/>
+          <a:ext cx="0" cy="0"/>
+          <a:chOff x="0" y="0"/>
+          <a:chExt cx="0" cy="0"/>
+        </a:xfrm>
+      </p:grpSpPr>
+      <p:sp>
+        <p:nvSpPr>
+          <p:cNvPr id="2" name="슬라이드 이미지 개체 틀 1"/>
+          <p:cNvSpPr>
+            <a:spLocks noGrp="1" noRot="1" noChangeAspect="1"/>
+          </p:cNvSpPr>
+          <p:nvPr>
+            <p:ph type="sldImg"/>
+          </p:nvPr>
+        </p:nvSpPr>
+        <p:spPr/>
+      </p:sp>
+      <p:sp>
+        <p:nvSpPr>
+          <p:cNvPr id="3" name="슬라이드 노트 개체 틀 2"/>
+          <p:cNvSpPr>
+            <a:spLocks noGrp="1"/>
+          </p:cNvSpPr>
+          <p:nvPr>
+            <p:ph type="body" idx="1"/>
+          </p:nvPr>
+        </p:nvSpPr>
+        <p:spPr/>
+        <p:txBody>
+          <a:bodyPr/>
+          <a:lstStyle/>
+          <a:p>
+            <a:pPr marL="0" indent="0">
+              <a:buNone/>
+            </a:pPr>
+            <a:endParaRPr lang="en-US" altLang="ko-KR" sz="1200" b="0" i="0" kern="1200" dirty="0">
+              <a:solidFill>
+                <a:schemeClr val="tx1"/>
+              </a:solidFill>
+              <a:effectLst/>
+              <a:latin typeface="+mn-lt"/>
+              <a:ea typeface="+mn-ea"/>
+              <a:cs typeface="+mn-cs"/>
+            </a:endParaRPr>
+          </a:p>
+        </p:txBody>
+      </p:sp>
+      <p:sp>
+        <p:nvSpPr>
+          <p:cNvPr id="4" name="슬라이드 번호 개체 틀 3"/>
+          <p:cNvSpPr>
+            <a:spLocks noGrp="1"/>
+          </p:cNvSpPr>
+          <p:nvPr>
+            <p:ph type="sldNum" sz="quarter" idx="5"/>
+          </p:nvPr>
+        </p:nvSpPr>
+        <p:spPr/>
+        <p:txBody>
+          <a:bodyPr/>
+          <a:lstStyle/>
+          <a:p>
+            <a:fld id="{AF4B4130-2D9F-4E6D-9707-8718AD09D43C}" type="slidenum">
+              <a:rPr lang="ko-KR" altLang="en-US" smtClean="0"/>
+              <a:t>5</a:t>
+            </a:fld>
+            <a:endParaRPr lang="ko-KR" altLang="en-US"/>
+          </a:p>
+        </p:txBody>
+      </p:sp>
+    </p:spTree>
+    <p:extLst>
+      <p:ext uri="{BB962C8B-B14F-4D97-AF65-F5344CB8AC3E}">
+        <p14:creationId xmlns:p14="http://schemas.microsoft.com/office/powerpoint/2010/main" val="457198240"/>
+      </p:ext>
+    </p:extLst>
+  </p:cSld>
+  <p:clrMapOvr>
+    <a:masterClrMapping/>
+  </p:clrMapOvr>
+</p:notes>
+</file>
+
+<file path=ppt/notesSlides/notesSlide6.xml><?xml version="1.0" encoding="utf-8"?>
+<p:notes xmlns:a="http://schemas.openxmlformats.org/drawingml/2006/main" xmlns:r="http://schemas.openxmlformats.org/officeDocument/2006/relationships" xmlns:p="http://schemas.openxmlformats.org/presentationml/2006/main">
+  <p:cSld>
+    <p:spTree>
+      <p:nvGrpSpPr>
+        <p:cNvPr id="1" name=""/>
+        <p:cNvGrpSpPr/>
+        <p:nvPr/>
+      </p:nvGrpSpPr>
+      <p:grpSpPr>
+        <a:xfrm>
+          <a:off x="0" y="0"/>
+          <a:ext cx="0" cy="0"/>
+          <a:chOff x="0" y="0"/>
+          <a:chExt cx="0" cy="0"/>
+        </a:xfrm>
+      </p:grpSpPr>
+      <p:sp>
+        <p:nvSpPr>
+          <p:cNvPr id="2" name="슬라이드 이미지 개체 틀 1"/>
+          <p:cNvSpPr>
+            <a:spLocks noGrp="1" noRot="1" noChangeAspect="1"/>
+          </p:cNvSpPr>
+          <p:nvPr>
+            <p:ph type="sldImg"/>
+          </p:nvPr>
+        </p:nvSpPr>
+        <p:spPr/>
+      </p:sp>
+      <p:sp>
+        <p:nvSpPr>
+          <p:cNvPr id="3" name="슬라이드 노트 개체 틀 2"/>
+          <p:cNvSpPr>
+            <a:spLocks noGrp="1"/>
+          </p:cNvSpPr>
+          <p:nvPr>
+            <p:ph type="body" idx="1"/>
+          </p:nvPr>
+        </p:nvSpPr>
+        <p:spPr/>
+        <p:txBody>
+          <a:bodyPr/>
+          <a:lstStyle/>
+          <a:p>
+            <a:pPr marL="0" indent="0">
+              <a:buNone/>
+            </a:pPr>
+            <a:endParaRPr lang="en-US" altLang="ko-KR" sz="1200" b="0" i="0" kern="1200" dirty="0">
+              <a:solidFill>
+                <a:schemeClr val="tx1"/>
+              </a:solidFill>
+              <a:effectLst/>
+              <a:latin typeface="+mn-lt"/>
+              <a:ea typeface="+mn-ea"/>
+              <a:cs typeface="+mn-cs"/>
+            </a:endParaRPr>
+          </a:p>
+        </p:txBody>
+      </p:sp>
+      <p:sp>
+        <p:nvSpPr>
+          <p:cNvPr id="4" name="슬라이드 번호 개체 틀 3"/>
+          <p:cNvSpPr>
+            <a:spLocks noGrp="1"/>
+          </p:cNvSpPr>
+          <p:nvPr>
+            <p:ph type="sldNum" sz="quarter" idx="5"/>
+          </p:nvPr>
+        </p:nvSpPr>
+        <p:spPr/>
+        <p:txBody>
+          <a:bodyPr/>
+          <a:lstStyle/>
+          <a:p>
+            <a:fld id="{AF4B4130-2D9F-4E6D-9707-8718AD09D43C}" type="slidenum">
+              <a:rPr lang="ko-KR" altLang="en-US" smtClean="0"/>
+              <a:t>6</a:t>
+            </a:fld>
+            <a:endParaRPr lang="ko-KR" altLang="en-US"/>
+          </a:p>
+        </p:txBody>
+      </p:sp>
+    </p:spTree>
+    <p:extLst>
+      <p:ext uri="{BB962C8B-B14F-4D97-AF65-F5344CB8AC3E}">
+        <p14:creationId xmlns:p14="http://schemas.microsoft.com/office/powerpoint/2010/main" val="203497024"/>
+      </p:ext>
+    </p:extLst>
+  </p:cSld>
+  <p:clrMapOvr>
+    <a:masterClrMapping/>
+  </p:clrMapOvr>
+</p:notes>
+</file>
+
+<file path=ppt/notesSlides/notesSlide7.xml><?xml version="1.0" encoding="utf-8"?>
+<p:notes xmlns:a="http://schemas.openxmlformats.org/drawingml/2006/main" xmlns:r="http://schemas.openxmlformats.org/officeDocument/2006/relationships" xmlns:p="http://schemas.openxmlformats.org/presentationml/2006/main">
+  <p:cSld>
+    <p:spTree>
+      <p:nvGrpSpPr>
+        <p:cNvPr id="1" name=""/>
+        <p:cNvGrpSpPr/>
+        <p:nvPr/>
+      </p:nvGrpSpPr>
+      <p:grpSpPr>
+        <a:xfrm>
+          <a:off x="0" y="0"/>
+          <a:ext cx="0" cy="0"/>
+          <a:chOff x="0" y="0"/>
+          <a:chExt cx="0" cy="0"/>
+        </a:xfrm>
+      </p:grpSpPr>
+      <p:sp>
+        <p:nvSpPr>
+          <p:cNvPr id="2" name="슬라이드 이미지 개체 틀 1"/>
+          <p:cNvSpPr>
+            <a:spLocks noGrp="1" noRot="1" noChangeAspect="1"/>
+          </p:cNvSpPr>
+          <p:nvPr>
+            <p:ph type="sldImg"/>
+          </p:nvPr>
+        </p:nvSpPr>
+        <p:spPr/>
+      </p:sp>
+      <p:sp>
+        <p:nvSpPr>
+          <p:cNvPr id="3" name="슬라이드 노트 개체 틀 2"/>
+          <p:cNvSpPr>
+            <a:spLocks noGrp="1"/>
+          </p:cNvSpPr>
+          <p:nvPr>
+            <p:ph type="body" idx="1"/>
+          </p:nvPr>
+        </p:nvSpPr>
+        <p:spPr/>
+        <p:txBody>
+          <a:bodyPr/>
+          <a:lstStyle/>
+          <a:p>
+            <a:pPr marL="0" indent="0">
+              <a:buNone/>
+            </a:pPr>
+            <a:r>
+              <a:rPr lang="ko-KR" altLang="en-US" sz="1200" b="0" i="0" kern="1200" dirty="0">
+                <a:solidFill>
+                  <a:schemeClr val="tx1"/>
+                </a:solidFill>
+                <a:effectLst/>
+                <a:latin typeface="+mn-lt"/>
+                <a:ea typeface="+mn-ea"/>
+                <a:cs typeface="+mn-cs"/>
+              </a:rPr>
+              <a:t>해시는 </a:t>
+            </a:r>
+            <a:r>
+              <a:rPr lang="en-US" altLang="ko-KR" sz="1200" b="0" i="0" kern="1200" dirty="0">
+                <a:solidFill>
+                  <a:schemeClr val="tx1"/>
+                </a:solidFill>
+                <a:effectLst/>
+                <a:latin typeface="+mn-lt"/>
+                <a:ea typeface="+mn-ea"/>
+                <a:cs typeface="+mn-cs"/>
+              </a:rPr>
+              <a:t>‘</a:t>
+            </a:r>
+            <a:r>
+              <a:rPr lang="ko-KR" altLang="en-US" sz="1200" b="0" i="0" kern="1200" dirty="0">
+                <a:solidFill>
+                  <a:schemeClr val="tx1"/>
+                </a:solidFill>
+                <a:effectLst/>
+                <a:latin typeface="+mn-lt"/>
+                <a:ea typeface="+mn-ea"/>
+                <a:cs typeface="+mn-cs"/>
+              </a:rPr>
+              <a:t>압축＇ 기술이 아니다</a:t>
+            </a:r>
+            <a:r>
+              <a:rPr lang="en-US" altLang="ko-KR" sz="1200" b="0" i="0" kern="1200" dirty="0">
+                <a:solidFill>
+                  <a:schemeClr val="tx1"/>
+                </a:solidFill>
+                <a:effectLst/>
+                <a:latin typeface="+mn-lt"/>
+                <a:ea typeface="+mn-ea"/>
+                <a:cs typeface="+mn-cs"/>
+              </a:rPr>
+              <a:t>.</a:t>
+            </a:r>
+          </a:p>
+          <a:p>
+            <a:pPr marL="0" indent="0">
+              <a:buNone/>
+            </a:pPr>
+            <a:r>
+              <a:rPr lang="ko-KR" altLang="en-US" sz="1200" b="0" i="0" kern="1200" dirty="0">
+                <a:solidFill>
+                  <a:schemeClr val="tx1"/>
+                </a:solidFill>
+                <a:effectLst/>
+                <a:latin typeface="+mn-lt"/>
+                <a:ea typeface="+mn-ea"/>
+                <a:cs typeface="+mn-cs"/>
+              </a:rPr>
+              <a:t>암호화와 복호화가 이루어지는게 아닌 </a:t>
+            </a:r>
+            <a:r>
+              <a:rPr lang="en-US" altLang="ko-KR" sz="1200" b="0" i="0" kern="1200" dirty="0">
+                <a:solidFill>
+                  <a:schemeClr val="tx1"/>
+                </a:solidFill>
+                <a:effectLst/>
+                <a:latin typeface="+mn-lt"/>
+                <a:ea typeface="+mn-ea"/>
+                <a:cs typeface="+mn-cs"/>
+              </a:rPr>
+              <a:t>‘</a:t>
+            </a:r>
+            <a:r>
+              <a:rPr lang="ko-KR" altLang="en-US" sz="1200" b="0" i="0" kern="1200" dirty="0">
+                <a:solidFill>
+                  <a:schemeClr val="tx1"/>
+                </a:solidFill>
+                <a:effectLst/>
+                <a:latin typeface="+mn-lt"/>
+                <a:ea typeface="+mn-ea"/>
+                <a:cs typeface="+mn-cs"/>
+              </a:rPr>
+              <a:t>암호화＇ 뿐</a:t>
+            </a:r>
+            <a:r>
+              <a:rPr lang="en-US" altLang="ko-KR" sz="1200" b="0" i="0" kern="1200" dirty="0">
+                <a:solidFill>
+                  <a:schemeClr val="tx1"/>
+                </a:solidFill>
+                <a:effectLst/>
+                <a:latin typeface="+mn-lt"/>
+                <a:ea typeface="+mn-ea"/>
+                <a:cs typeface="+mn-cs"/>
+              </a:rPr>
+              <a:t>.</a:t>
+            </a:r>
+          </a:p>
+          <a:p>
+            <a:pPr marL="0" indent="0">
+              <a:buNone/>
+            </a:pPr>
+            <a:endParaRPr lang="en-US" altLang="ko-KR" sz="1200" b="0" i="0" kern="1200" dirty="0">
+              <a:solidFill>
+                <a:schemeClr val="tx1"/>
+              </a:solidFill>
+              <a:effectLst/>
+              <a:latin typeface="+mn-lt"/>
+              <a:ea typeface="+mn-ea"/>
+              <a:cs typeface="+mn-cs"/>
+            </a:endParaRPr>
+          </a:p>
+          <a:p>
+            <a:pPr marL="0" indent="0">
+              <a:buNone/>
+            </a:pPr>
+            <a:r>
+              <a:rPr lang="ko-KR" altLang="en-US" sz="1200" b="0" i="0" kern="1200" dirty="0">
+                <a:solidFill>
+                  <a:schemeClr val="tx1"/>
+                </a:solidFill>
+                <a:effectLst/>
+                <a:latin typeface="+mn-lt"/>
+                <a:ea typeface="+mn-ea"/>
+                <a:cs typeface="+mn-cs"/>
+              </a:rPr>
+              <a:t>해시는 데이터 검증에 이뤄진다</a:t>
+            </a:r>
+            <a:r>
+              <a:rPr lang="en-US" altLang="ko-KR" sz="1200" b="0" i="0" kern="1200" dirty="0">
+                <a:solidFill>
+                  <a:schemeClr val="tx1"/>
+                </a:solidFill>
+                <a:effectLst/>
+                <a:latin typeface="+mn-lt"/>
+                <a:ea typeface="+mn-ea"/>
+                <a:cs typeface="+mn-cs"/>
+              </a:rPr>
+              <a:t>.</a:t>
+            </a:r>
+          </a:p>
+          <a:p>
+            <a:pPr marL="0" indent="0">
+              <a:buNone/>
+            </a:pPr>
+            <a:r>
+              <a:rPr lang="ko-KR" altLang="en-US" sz="1200" b="0" i="0" kern="1200" dirty="0">
+                <a:solidFill>
+                  <a:schemeClr val="tx1"/>
+                </a:solidFill>
+                <a:effectLst/>
+                <a:latin typeface="+mn-lt"/>
+                <a:ea typeface="+mn-ea"/>
+                <a:cs typeface="+mn-cs"/>
+              </a:rPr>
+              <a:t>블록체인에서 </a:t>
+            </a:r>
+            <a:r>
+              <a:rPr lang="en-US" altLang="ko-KR" sz="1200" b="0" i="0" kern="1200" dirty="0">
+                <a:solidFill>
+                  <a:schemeClr val="tx1"/>
+                </a:solidFill>
+                <a:effectLst/>
+                <a:latin typeface="+mn-lt"/>
+                <a:ea typeface="+mn-ea"/>
+                <a:cs typeface="+mn-cs"/>
+              </a:rPr>
+              <a:t>n</a:t>
+            </a:r>
+            <a:r>
+              <a:rPr lang="ko-KR" altLang="en-US" sz="1200" b="0" i="0" kern="1200" dirty="0">
+                <a:solidFill>
+                  <a:schemeClr val="tx1"/>
+                </a:solidFill>
+                <a:effectLst/>
+                <a:latin typeface="+mn-lt"/>
+                <a:ea typeface="+mn-ea"/>
+                <a:cs typeface="+mn-cs"/>
+              </a:rPr>
+              <a:t>번째블록이 </a:t>
+            </a:r>
+            <a:r>
+              <a:rPr lang="en-US" altLang="ko-KR" sz="1200" b="0" i="0" kern="1200" dirty="0">
+                <a:solidFill>
+                  <a:schemeClr val="tx1"/>
+                </a:solidFill>
+                <a:effectLst/>
+                <a:latin typeface="+mn-lt"/>
+                <a:ea typeface="+mn-ea"/>
+                <a:cs typeface="+mn-cs"/>
+              </a:rPr>
+              <a:t>n-1</a:t>
+            </a:r>
+            <a:r>
+              <a:rPr lang="ko-KR" altLang="en-US" sz="1200" b="0" i="0" kern="1200" dirty="0">
+                <a:solidFill>
+                  <a:schemeClr val="tx1"/>
+                </a:solidFill>
+                <a:effectLst/>
+                <a:latin typeface="+mn-lt"/>
+                <a:ea typeface="+mn-ea"/>
+                <a:cs typeface="+mn-cs"/>
+              </a:rPr>
+              <a:t>번째 블록의 </a:t>
+            </a:r>
+            <a:r>
+              <a:rPr lang="ko-KR" altLang="en-US" sz="1200" b="0" i="0" kern="1200" dirty="0" err="1">
+                <a:solidFill>
+                  <a:schemeClr val="tx1"/>
+                </a:solidFill>
+                <a:effectLst/>
+                <a:latin typeface="+mn-lt"/>
+                <a:ea typeface="+mn-ea"/>
+                <a:cs typeface="+mn-cs"/>
+              </a:rPr>
+              <a:t>해시값을</a:t>
+            </a:r>
+            <a:r>
+              <a:rPr lang="ko-KR" altLang="en-US" sz="1200" b="0" i="0" kern="1200" dirty="0">
+                <a:solidFill>
+                  <a:schemeClr val="tx1"/>
+                </a:solidFill>
+                <a:effectLst/>
+                <a:latin typeface="+mn-lt"/>
+                <a:ea typeface="+mn-ea"/>
+                <a:cs typeface="+mn-cs"/>
+              </a:rPr>
+              <a:t> 갖고 있는 이유가 이것이다</a:t>
+            </a:r>
+            <a:r>
+              <a:rPr lang="en-US" altLang="ko-KR" sz="1200" b="0" i="0" kern="1200" dirty="0">
+                <a:solidFill>
+                  <a:schemeClr val="tx1"/>
+                </a:solidFill>
+                <a:effectLst/>
+                <a:latin typeface="+mn-lt"/>
+                <a:ea typeface="+mn-ea"/>
+                <a:cs typeface="+mn-cs"/>
+              </a:rPr>
+              <a:t>.</a:t>
+            </a:r>
+          </a:p>
+          <a:p>
+            <a:pPr marL="0" indent="0">
+              <a:buNone/>
+            </a:pPr>
+            <a:r>
+              <a:rPr lang="ko-KR" altLang="en-US" sz="1200" b="0" i="0" kern="1200" dirty="0">
+                <a:solidFill>
+                  <a:schemeClr val="tx1"/>
+                </a:solidFill>
+                <a:effectLst/>
+                <a:latin typeface="+mn-lt"/>
+                <a:ea typeface="+mn-ea"/>
+                <a:cs typeface="+mn-cs"/>
+              </a:rPr>
+              <a:t>모든 블록의 </a:t>
+            </a:r>
+            <a:r>
+              <a:rPr lang="ko-KR" altLang="en-US" sz="1200" b="0" i="0" kern="1200" dirty="0" err="1">
+                <a:solidFill>
+                  <a:schemeClr val="tx1"/>
+                </a:solidFill>
+                <a:effectLst/>
+                <a:latin typeface="+mn-lt"/>
+                <a:ea typeface="+mn-ea"/>
+                <a:cs typeface="+mn-cs"/>
+              </a:rPr>
+              <a:t>해시값을</a:t>
+            </a:r>
+            <a:r>
+              <a:rPr lang="ko-KR" altLang="en-US" sz="1200" b="0" i="0" kern="1200" dirty="0">
+                <a:solidFill>
+                  <a:schemeClr val="tx1"/>
+                </a:solidFill>
+                <a:effectLst/>
+                <a:latin typeface="+mn-lt"/>
+                <a:ea typeface="+mn-ea"/>
+                <a:cs typeface="+mn-cs"/>
+              </a:rPr>
+              <a:t> </a:t>
+            </a:r>
+            <a:r>
+              <a:rPr lang="en-US" altLang="ko-KR" sz="1200" b="0" i="0" kern="1200" dirty="0">
+                <a:solidFill>
+                  <a:schemeClr val="tx1"/>
+                </a:solidFill>
+                <a:effectLst/>
+                <a:latin typeface="+mn-lt"/>
+                <a:ea typeface="+mn-ea"/>
+                <a:cs typeface="+mn-cs"/>
+              </a:rPr>
+              <a:t>‘</a:t>
+            </a:r>
+            <a:r>
+              <a:rPr lang="ko-KR" altLang="en-US" sz="1200" b="0" i="0" kern="1200" dirty="0" err="1">
+                <a:solidFill>
+                  <a:schemeClr val="tx1"/>
+                </a:solidFill>
+                <a:effectLst/>
+                <a:latin typeface="+mn-lt"/>
+                <a:ea typeface="+mn-ea"/>
+                <a:cs typeface="+mn-cs"/>
+              </a:rPr>
+              <a:t>검증＇하여</a:t>
+            </a:r>
+            <a:r>
+              <a:rPr lang="ko-KR" altLang="en-US" sz="1200" b="0" i="0" kern="1200" dirty="0">
+                <a:solidFill>
+                  <a:schemeClr val="tx1"/>
+                </a:solidFill>
+                <a:effectLst/>
+                <a:latin typeface="+mn-lt"/>
+                <a:ea typeface="+mn-ea"/>
+                <a:cs typeface="+mn-cs"/>
+              </a:rPr>
+              <a:t>  데이터가 원본인지 판단</a:t>
+            </a:r>
+            <a:r>
+              <a:rPr lang="en-US" altLang="ko-KR" sz="1200" b="0" i="0" kern="1200" dirty="0">
+                <a:solidFill>
+                  <a:schemeClr val="tx1"/>
+                </a:solidFill>
+                <a:effectLst/>
+                <a:latin typeface="+mn-lt"/>
+                <a:ea typeface="+mn-ea"/>
+                <a:cs typeface="+mn-cs"/>
+              </a:rPr>
+              <a:t>. </a:t>
+            </a:r>
+            <a:r>
+              <a:rPr lang="ko-KR" altLang="en-US" sz="1200" b="0" i="0" kern="1200" dirty="0">
+                <a:solidFill>
+                  <a:schemeClr val="tx1"/>
+                </a:solidFill>
+                <a:effectLst/>
+                <a:latin typeface="+mn-lt"/>
+                <a:ea typeface="+mn-ea"/>
+                <a:cs typeface="+mn-cs"/>
+              </a:rPr>
+              <a:t>즉 위</a:t>
+            </a:r>
+            <a:r>
+              <a:rPr lang="en-US" altLang="ko-KR" sz="1200" b="0" i="0" kern="1200" dirty="0">
+                <a:solidFill>
+                  <a:schemeClr val="tx1"/>
+                </a:solidFill>
+                <a:effectLst/>
+                <a:latin typeface="+mn-lt"/>
+                <a:ea typeface="+mn-ea"/>
+                <a:cs typeface="+mn-cs"/>
+              </a:rPr>
+              <a:t>,</a:t>
+            </a:r>
+            <a:r>
+              <a:rPr lang="ko-KR" altLang="en-US" sz="1200" b="0" i="0" kern="1200" dirty="0">
+                <a:solidFill>
+                  <a:schemeClr val="tx1"/>
+                </a:solidFill>
+                <a:effectLst/>
+                <a:latin typeface="+mn-lt"/>
+                <a:ea typeface="+mn-ea"/>
+                <a:cs typeface="+mn-cs"/>
+              </a:rPr>
+              <a:t>변조를 감지하기 위해서</a:t>
+            </a:r>
+            <a:r>
+              <a:rPr lang="en-US" altLang="ko-KR" sz="1200" b="0" i="0" kern="1200" dirty="0">
+                <a:solidFill>
+                  <a:schemeClr val="tx1"/>
+                </a:solidFill>
+                <a:effectLst/>
+                <a:latin typeface="+mn-lt"/>
+                <a:ea typeface="+mn-ea"/>
+                <a:cs typeface="+mn-cs"/>
+              </a:rPr>
+              <a:t>.</a:t>
+            </a:r>
+          </a:p>
+        </p:txBody>
+      </p:sp>
+      <p:sp>
+        <p:nvSpPr>
+          <p:cNvPr id="4" name="슬라이드 번호 개체 틀 3"/>
+          <p:cNvSpPr>
+            <a:spLocks noGrp="1"/>
+          </p:cNvSpPr>
+          <p:nvPr>
+            <p:ph type="sldNum" sz="quarter" idx="5"/>
+          </p:nvPr>
+        </p:nvSpPr>
+        <p:spPr/>
+        <p:txBody>
+          <a:bodyPr/>
+          <a:lstStyle/>
+          <a:p>
+            <a:fld id="{AF4B4130-2D9F-4E6D-9707-8718AD09D43C}" type="slidenum">
+              <a:rPr lang="ko-KR" altLang="en-US" smtClean="0"/>
+              <a:t>7</a:t>
+            </a:fld>
+            <a:endParaRPr lang="ko-KR" altLang="en-US"/>
+          </a:p>
+        </p:txBody>
+      </p:sp>
+    </p:spTree>
+    <p:extLst>
+      <p:ext uri="{BB962C8B-B14F-4D97-AF65-F5344CB8AC3E}">
+        <p14:creationId xmlns:p14="http://schemas.microsoft.com/office/powerpoint/2010/main" val="1623028616"/>
+      </p:ext>
+    </p:extLst>
+  </p:cSld>
+  <p:clrMapOvr>
+    <a:masterClrMapping/>
+  </p:clrMapOvr>
+</p:notes>
+</file>
+
+<file path=ppt/notesSlides/notesSlide8.xml><?xml version="1.0" encoding="utf-8"?>
+<p:notes xmlns:a="http://schemas.openxmlformats.org/drawingml/2006/main" xmlns:r="http://schemas.openxmlformats.org/officeDocument/2006/relationships" xmlns:p="http://schemas.openxmlformats.org/presentationml/2006/main">
+  <p:cSld>
+    <p:spTree>
+      <p:nvGrpSpPr>
+        <p:cNvPr id="1" name=""/>
+        <p:cNvGrpSpPr/>
+        <p:nvPr/>
+      </p:nvGrpSpPr>
+      <p:grpSpPr>
+        <a:xfrm>
+          <a:off x="0" y="0"/>
+          <a:ext cx="0" cy="0"/>
+          <a:chOff x="0" y="0"/>
+          <a:chExt cx="0" cy="0"/>
+        </a:xfrm>
+      </p:grpSpPr>
+      <p:sp>
+        <p:nvSpPr>
+          <p:cNvPr id="2" name="슬라이드 이미지 개체 틀 1"/>
+          <p:cNvSpPr>
+            <a:spLocks noGrp="1" noRot="1" noChangeAspect="1"/>
+          </p:cNvSpPr>
+          <p:nvPr>
+            <p:ph type="sldImg"/>
+          </p:nvPr>
+        </p:nvSpPr>
+        <p:spPr/>
+      </p:sp>
+      <p:sp>
+        <p:nvSpPr>
+          <p:cNvPr id="3" name="슬라이드 노트 개체 틀 2"/>
+          <p:cNvSpPr>
+            <a:spLocks noGrp="1"/>
+          </p:cNvSpPr>
+          <p:nvPr>
+            <p:ph type="body" idx="1"/>
+          </p:nvPr>
+        </p:nvSpPr>
+        <p:spPr/>
+        <p:txBody>
+          <a:bodyPr/>
+          <a:lstStyle/>
+          <a:p>
+            <a:pPr marL="0" indent="0">
+              <a:buNone/>
+            </a:pPr>
+            <a:endParaRPr lang="en-US" altLang="ko-KR" sz="1200" b="0" i="0" kern="1200" dirty="0">
+              <a:solidFill>
+                <a:schemeClr val="tx1"/>
+              </a:solidFill>
+              <a:effectLst/>
+              <a:latin typeface="+mn-lt"/>
+              <a:ea typeface="+mn-ea"/>
+              <a:cs typeface="+mn-cs"/>
+            </a:endParaRPr>
+          </a:p>
+        </p:txBody>
+      </p:sp>
+      <p:sp>
+        <p:nvSpPr>
+          <p:cNvPr id="4" name="슬라이드 번호 개체 틀 3"/>
+          <p:cNvSpPr>
+            <a:spLocks noGrp="1"/>
+          </p:cNvSpPr>
+          <p:nvPr>
+            <p:ph type="sldNum" sz="quarter" idx="5"/>
+          </p:nvPr>
+        </p:nvSpPr>
+        <p:spPr/>
+        <p:txBody>
+          <a:bodyPr/>
+          <a:lstStyle/>
+          <a:p>
+            <a:fld id="{AF4B4130-2D9F-4E6D-9707-8718AD09D43C}" type="slidenum">
+              <a:rPr lang="ko-KR" altLang="en-US" smtClean="0"/>
+              <a:t>8</a:t>
+            </a:fld>
+            <a:endParaRPr lang="ko-KR" altLang="en-US"/>
+          </a:p>
+        </p:txBody>
+      </p:sp>
+    </p:spTree>
+    <p:extLst>
+      <p:ext uri="{BB962C8B-B14F-4D97-AF65-F5344CB8AC3E}">
+        <p14:creationId xmlns:p14="http://schemas.microsoft.com/office/powerpoint/2010/main" val="1157771261"/>
+      </p:ext>
+    </p:extLst>
+  </p:cSld>
+  <p:clrMapOvr>
+    <a:masterClrMapping/>
+  </p:clrMapOvr>
+</p:notes>
+</file>
+
+<file path=ppt/notesSlides/notesSlide9.xml><?xml version="1.0" encoding="utf-8"?>
+<p:notes xmlns:a="http://schemas.openxmlformats.org/drawingml/2006/main" xmlns:r="http://schemas.openxmlformats.org/officeDocument/2006/relationships" xmlns:p="http://schemas.openxmlformats.org/presentationml/2006/main">
+  <p:cSld>
+    <p:spTree>
+      <p:nvGrpSpPr>
+        <p:cNvPr id="1" name=""/>
+        <p:cNvGrpSpPr/>
+        <p:nvPr/>
+      </p:nvGrpSpPr>
+      <p:grpSpPr>
+        <a:xfrm>
+          <a:off x="0" y="0"/>
+          <a:ext cx="0" cy="0"/>
+          <a:chOff x="0" y="0"/>
+          <a:chExt cx="0" cy="0"/>
+        </a:xfrm>
+      </p:grpSpPr>
+      <p:sp>
+        <p:nvSpPr>
+          <p:cNvPr id="2" name="슬라이드 이미지 개체 틀 1"/>
+          <p:cNvSpPr>
+            <a:spLocks noGrp="1" noRot="1" noChangeAspect="1"/>
+          </p:cNvSpPr>
+          <p:nvPr>
+            <p:ph type="sldImg"/>
+          </p:nvPr>
+        </p:nvSpPr>
+        <p:spPr/>
+      </p:sp>
+      <p:sp>
+        <p:nvSpPr>
+          <p:cNvPr id="3" name="슬라이드 노트 개체 틀 2"/>
+          <p:cNvSpPr>
+            <a:spLocks noGrp="1"/>
+          </p:cNvSpPr>
+          <p:nvPr>
+            <p:ph type="body" idx="1"/>
+          </p:nvPr>
+        </p:nvSpPr>
+        <p:spPr/>
+        <p:txBody>
+          <a:bodyPr/>
+          <a:lstStyle/>
+          <a:p>
+            <a:pPr marL="0" indent="0">
+              <a:buNone/>
+            </a:pPr>
+            <a:r>
+              <a:rPr lang="en-US" altLang="ko-KR" dirty="0">
+                <a:effectLst/>
+              </a:rPr>
+              <a:t>+,</a:t>
+            </a:r>
+            <a:r>
+              <a:rPr lang="en-US" altLang="ko-KR" dirty="0" err="1">
+                <a:effectLst/>
+              </a:rPr>
+              <a:t>and,or,xor,shr,rotr</a:t>
+            </a:r>
+            <a:br>
+              <a:rPr lang="en-US" altLang="ko-KR" dirty="0"/>
+            </a:br>
+            <a:endParaRPr lang="en-US" altLang="ko-KR" sz="1200" b="0" i="0" kern="1200" dirty="0">
+              <a:solidFill>
+                <a:schemeClr val="tx1"/>
+              </a:solidFill>
+              <a:effectLst/>
+              <a:latin typeface="+mn-lt"/>
+              <a:ea typeface="+mn-ea"/>
+              <a:cs typeface="+mn-cs"/>
+            </a:endParaRPr>
+          </a:p>
+        </p:txBody>
+      </p:sp>
+      <p:sp>
+        <p:nvSpPr>
+          <p:cNvPr id="4" name="슬라이드 번호 개체 틀 3"/>
+          <p:cNvSpPr>
+            <a:spLocks noGrp="1"/>
+          </p:cNvSpPr>
+          <p:nvPr>
+            <p:ph type="sldNum" sz="quarter" idx="5"/>
+          </p:nvPr>
+        </p:nvSpPr>
+        <p:spPr/>
+        <p:txBody>
+          <a:bodyPr/>
+          <a:lstStyle/>
+          <a:p>
+            <a:fld id="{AF4B4130-2D9F-4E6D-9707-8718AD09D43C}" type="slidenum">
+              <a:rPr lang="ko-KR" altLang="en-US" smtClean="0"/>
+              <a:t>9</a:t>
+            </a:fld>
+            <a:endParaRPr lang="ko-KR" altLang="en-US"/>
+          </a:p>
+        </p:txBody>
+      </p:sp>
+    </p:spTree>
+    <p:extLst>
+      <p:ext uri="{BB962C8B-B14F-4D97-AF65-F5344CB8AC3E}">
+        <p14:creationId xmlns:p14="http://schemas.microsoft.com/office/powerpoint/2010/main" val="208592229"/>
       </p:ext>
     </p:extLst>
   </p:cSld>
@@ -871,7 +1931,7 @@
           <a:p>
             <a:fld id="{46A2558D-9475-4DD4-8F32-96381613298F}" type="datetimeFigureOut">
               <a:rPr lang="ko-KR" altLang="en-US" smtClean="0"/>
-              <a:t>2018-12-28</a:t>
+              <a:t>2019-01-02</a:t>
             </a:fld>
             <a:endParaRPr lang="ko-KR" altLang="en-US"/>
           </a:p>
@@ -1041,7 +2101,7 @@
           <a:p>
             <a:fld id="{46A2558D-9475-4DD4-8F32-96381613298F}" type="datetimeFigureOut">
               <a:rPr lang="ko-KR" altLang="en-US" smtClean="0"/>
-              <a:t>2018-12-28</a:t>
+              <a:t>2019-01-02</a:t>
             </a:fld>
             <a:endParaRPr lang="ko-KR" altLang="en-US"/>
           </a:p>
@@ -1221,7 +2281,7 @@
           <a:p>
             <a:fld id="{46A2558D-9475-4DD4-8F32-96381613298F}" type="datetimeFigureOut">
               <a:rPr lang="ko-KR" altLang="en-US" smtClean="0"/>
-              <a:t>2018-12-28</a:t>
+              <a:t>2019-01-02</a:t>
             </a:fld>
             <a:endParaRPr lang="ko-KR" altLang="en-US"/>
           </a:p>
@@ -1391,7 +2451,7 @@
           <a:p>
             <a:fld id="{46A2558D-9475-4DD4-8F32-96381613298F}" type="datetimeFigureOut">
               <a:rPr lang="ko-KR" altLang="en-US" smtClean="0"/>
-              <a:t>2018-12-28</a:t>
+              <a:t>2019-01-02</a:t>
             </a:fld>
             <a:endParaRPr lang="ko-KR" altLang="en-US"/>
           </a:p>
@@ -1637,7 +2697,7 @@
           <a:p>
             <a:fld id="{46A2558D-9475-4DD4-8F32-96381613298F}" type="datetimeFigureOut">
               <a:rPr lang="ko-KR" altLang="en-US" smtClean="0"/>
-              <a:t>2018-12-28</a:t>
+              <a:t>2019-01-02</a:t>
             </a:fld>
             <a:endParaRPr lang="ko-KR" altLang="en-US"/>
           </a:p>
@@ -1869,7 +2929,7 @@
           <a:p>
             <a:fld id="{46A2558D-9475-4DD4-8F32-96381613298F}" type="datetimeFigureOut">
               <a:rPr lang="ko-KR" altLang="en-US" smtClean="0"/>
-              <a:t>2018-12-28</a:t>
+              <a:t>2019-01-02</a:t>
             </a:fld>
             <a:endParaRPr lang="ko-KR" altLang="en-US"/>
           </a:p>
@@ -2236,7 +3296,7 @@
           <a:p>
             <a:fld id="{46A2558D-9475-4DD4-8F32-96381613298F}" type="datetimeFigureOut">
               <a:rPr lang="ko-KR" altLang="en-US" smtClean="0"/>
-              <a:t>2018-12-28</a:t>
+              <a:t>2019-01-02</a:t>
             </a:fld>
             <a:endParaRPr lang="ko-KR" altLang="en-US"/>
           </a:p>
@@ -2354,7 +3414,7 @@
           <a:p>
             <a:fld id="{46A2558D-9475-4DD4-8F32-96381613298F}" type="datetimeFigureOut">
               <a:rPr lang="ko-KR" altLang="en-US" smtClean="0"/>
-              <a:t>2018-12-28</a:t>
+              <a:t>2019-01-02</a:t>
             </a:fld>
             <a:endParaRPr lang="ko-KR" altLang="en-US"/>
           </a:p>
@@ -2449,7 +3509,7 @@
           <a:p>
             <a:fld id="{46A2558D-9475-4DD4-8F32-96381613298F}" type="datetimeFigureOut">
               <a:rPr lang="ko-KR" altLang="en-US" smtClean="0"/>
-              <a:t>2018-12-28</a:t>
+              <a:t>2019-01-02</a:t>
             </a:fld>
             <a:endParaRPr lang="ko-KR" altLang="en-US"/>
           </a:p>
@@ -2726,7 +3786,7 @@
           <a:p>
             <a:fld id="{46A2558D-9475-4DD4-8F32-96381613298F}" type="datetimeFigureOut">
               <a:rPr lang="ko-KR" altLang="en-US" smtClean="0"/>
-              <a:t>2018-12-28</a:t>
+              <a:t>2019-01-02</a:t>
             </a:fld>
             <a:endParaRPr lang="ko-KR" altLang="en-US"/>
           </a:p>
@@ -2983,7 +4043,7 @@
           <a:p>
             <a:fld id="{46A2558D-9475-4DD4-8F32-96381613298F}" type="datetimeFigureOut">
               <a:rPr lang="ko-KR" altLang="en-US" smtClean="0"/>
-              <a:t>2018-12-28</a:t>
+              <a:t>2019-01-02</a:t>
             </a:fld>
             <a:endParaRPr lang="ko-KR" altLang="en-US"/>
           </a:p>
@@ -3196,7 +4256,7 @@
           <a:p>
             <a:fld id="{46A2558D-9475-4DD4-8F32-96381613298F}" type="datetimeFigureOut">
               <a:rPr lang="ko-KR" altLang="en-US" smtClean="0"/>
-              <a:t>2018-12-28</a:t>
+              <a:t>2019-01-02</a:t>
             </a:fld>
             <a:endParaRPr lang="ko-KR" altLang="en-US"/>
           </a:p>
@@ -3731,6 +4791,200 @@
 </p:sld>
 </file>
 
+<file path=ppt/slides/slide10.xml><?xml version="1.0" encoding="utf-8"?>
+<p:sld xmlns:a="http://schemas.openxmlformats.org/drawingml/2006/main" xmlns:r="http://schemas.openxmlformats.org/officeDocument/2006/relationships" xmlns:p="http://schemas.openxmlformats.org/presentationml/2006/main">
+  <p:cSld>
+    <p:spTree>
+      <p:nvGrpSpPr>
+        <p:cNvPr id="1" name=""/>
+        <p:cNvGrpSpPr/>
+        <p:nvPr/>
+      </p:nvGrpSpPr>
+      <p:grpSpPr>
+        <a:xfrm>
+          <a:off x="0" y="0"/>
+          <a:ext cx="0" cy="0"/>
+          <a:chOff x="0" y="0"/>
+          <a:chExt cx="0" cy="0"/>
+        </a:xfrm>
+      </p:grpSpPr>
+      <p:sp>
+        <p:nvSpPr>
+          <p:cNvPr id="10" name="직사각형 9">
+            <a:extLst>
+              <a:ext uri="{FF2B5EF4-FFF2-40B4-BE49-F238E27FC236}">
+                <a16:creationId xmlns:a16="http://schemas.microsoft.com/office/drawing/2014/main" id="{72422AE4-B2BC-47F4-A55A-7923EBDB55ED}"/>
+              </a:ext>
+            </a:extLst>
+          </p:cNvPr>
+          <p:cNvSpPr/>
+          <p:nvPr/>
+        </p:nvSpPr>
+        <p:spPr>
+          <a:xfrm>
+            <a:off x="1586143" y="1020932"/>
+            <a:ext cx="9268287" cy="45719"/>
+          </a:xfrm>
+          <a:prstGeom prst="rect">
+            <a:avLst/>
+          </a:prstGeom>
+        </p:spPr>
+        <p:style>
+          <a:lnRef idx="2">
+            <a:schemeClr val="accent1">
+              <a:shade val="50000"/>
+            </a:schemeClr>
+          </a:lnRef>
+          <a:fillRef idx="1">
+            <a:schemeClr val="accent1"/>
+          </a:fillRef>
+          <a:effectRef idx="0">
+            <a:schemeClr val="accent1"/>
+          </a:effectRef>
+          <a:fontRef idx="minor">
+            <a:schemeClr val="lt1"/>
+          </a:fontRef>
+        </p:style>
+        <p:txBody>
+          <a:bodyPr rtlCol="0" anchor="ctr"/>
+          <a:lstStyle/>
+          <a:p>
+            <a:pPr algn="ctr"/>
+            <a:endParaRPr lang="ko-KR" altLang="en-US"/>
+          </a:p>
+        </p:txBody>
+      </p:sp>
+      <p:sp>
+        <p:nvSpPr>
+          <p:cNvPr id="11" name="직사각형 10">
+            <a:extLst>
+              <a:ext uri="{FF2B5EF4-FFF2-40B4-BE49-F238E27FC236}">
+                <a16:creationId xmlns:a16="http://schemas.microsoft.com/office/drawing/2014/main" id="{88C624B5-9431-4451-97AF-3F26F9D86089}"/>
+              </a:ext>
+            </a:extLst>
+          </p:cNvPr>
+          <p:cNvSpPr/>
+          <p:nvPr/>
+        </p:nvSpPr>
+        <p:spPr>
+          <a:xfrm flipV="1">
+            <a:off x="1586143" y="6174982"/>
+            <a:ext cx="9268287" cy="45719"/>
+          </a:xfrm>
+          <a:prstGeom prst="rect">
+            <a:avLst/>
+          </a:prstGeom>
+        </p:spPr>
+        <p:style>
+          <a:lnRef idx="2">
+            <a:schemeClr val="accent1">
+              <a:shade val="50000"/>
+            </a:schemeClr>
+          </a:lnRef>
+          <a:fillRef idx="1">
+            <a:schemeClr val="accent1"/>
+          </a:fillRef>
+          <a:effectRef idx="0">
+            <a:schemeClr val="accent1"/>
+          </a:effectRef>
+          <a:fontRef idx="minor">
+            <a:schemeClr val="lt1"/>
+          </a:fontRef>
+        </p:style>
+        <p:txBody>
+          <a:bodyPr rtlCol="0" anchor="ctr"/>
+          <a:lstStyle/>
+          <a:p>
+            <a:pPr algn="ctr"/>
+            <a:endParaRPr lang="ko-KR" altLang="en-US"/>
+          </a:p>
+        </p:txBody>
+      </p:sp>
+      <p:sp>
+        <p:nvSpPr>
+          <p:cNvPr id="9" name="TextBox 8">
+            <a:extLst>
+              <a:ext uri="{FF2B5EF4-FFF2-40B4-BE49-F238E27FC236}">
+                <a16:creationId xmlns:a16="http://schemas.microsoft.com/office/drawing/2014/main" id="{892C5DDA-40EE-4B50-9C05-6AFC7089F348}"/>
+              </a:ext>
+            </a:extLst>
+          </p:cNvPr>
+          <p:cNvSpPr txBox="1"/>
+          <p:nvPr/>
+        </p:nvSpPr>
+        <p:spPr>
+          <a:xfrm>
+            <a:off x="1704513" y="620822"/>
+            <a:ext cx="954107" cy="400110"/>
+          </a:xfrm>
+          <a:prstGeom prst="rect">
+            <a:avLst/>
+          </a:prstGeom>
+          <a:noFill/>
+        </p:spPr>
+        <p:txBody>
+          <a:bodyPr wrap="none" rtlCol="0">
+            <a:spAutoFit/>
+          </a:bodyPr>
+          <a:lstStyle/>
+          <a:p>
+            <a:r>
+              <a:rPr lang="ko-KR" altLang="en-US" sz="2000" dirty="0"/>
+              <a:t>마무리</a:t>
+            </a:r>
+            <a:endParaRPr lang="en-US" altLang="ko-KR" sz="2000" dirty="0"/>
+          </a:p>
+        </p:txBody>
+      </p:sp>
+      <p:pic>
+        <p:nvPicPr>
+          <p:cNvPr id="3" name="그림 2">
+            <a:extLst>
+              <a:ext uri="{FF2B5EF4-FFF2-40B4-BE49-F238E27FC236}">
+                <a16:creationId xmlns:a16="http://schemas.microsoft.com/office/drawing/2014/main" id="{2CAB3B27-5B54-4403-8D1E-75E85403C908}"/>
+              </a:ext>
+            </a:extLst>
+          </p:cNvPr>
+          <p:cNvPicPr>
+            <a:picLocks noChangeAspect="1"/>
+          </p:cNvPicPr>
+          <p:nvPr/>
+        </p:nvPicPr>
+        <p:blipFill>
+          <a:blip r:embed="rId3">
+            <a:extLst>
+              <a:ext uri="{28A0092B-C50C-407E-A947-70E740481C1C}">
+                <a14:useLocalDpi xmlns:a14="http://schemas.microsoft.com/office/drawing/2010/main" val="0"/>
+              </a:ext>
+            </a:extLst>
+          </a:blip>
+          <a:stretch>
+            <a:fillRect/>
+          </a:stretch>
+        </p:blipFill>
+        <p:spPr>
+          <a:xfrm>
+            <a:off x="4309470" y="1647771"/>
+            <a:ext cx="3821631" cy="3946090"/>
+          </a:xfrm>
+          <a:prstGeom prst="rect">
+            <a:avLst/>
+          </a:prstGeom>
+        </p:spPr>
+      </p:pic>
+    </p:spTree>
+    <p:extLst>
+      <p:ext uri="{BB962C8B-B14F-4D97-AF65-F5344CB8AC3E}">
+        <p14:creationId xmlns:p14="http://schemas.microsoft.com/office/powerpoint/2010/main" val="651079879"/>
+      </p:ext>
+    </p:extLst>
+  </p:cSld>
+  <p:clrMapOvr>
+    <a:masterClrMapping/>
+  </p:clrMapOvr>
+</p:sld>
+</file>
+
 <file path=ppt/slides/slide2.xml><?xml version="1.0" encoding="utf-8"?>
 <p:sld xmlns:a="http://schemas.openxmlformats.org/drawingml/2006/main" xmlns:r="http://schemas.openxmlformats.org/officeDocument/2006/relationships" xmlns:p="http://schemas.openxmlformats.org/presentationml/2006/main">
   <p:cSld>
@@ -3855,7 +5109,7 @@
         <p:spPr>
           <a:xfrm>
             <a:off x="1704513" y="620822"/>
-            <a:ext cx="1257075" cy="400110"/>
+            <a:ext cx="1716624" cy="400110"/>
           </a:xfrm>
           <a:prstGeom prst="rect">
             <a:avLst/>
@@ -3870,17 +5124,17 @@
           <a:p>
             <a:r>
               <a:rPr lang="en-US" altLang="ko-KR" sz="2000" dirty="0"/>
-              <a:t>SHA-256 ?</a:t>
-            </a:r>
-          </a:p>
-        </p:txBody>
-      </p:sp>
-      <p:sp>
-        <p:nvSpPr>
-          <p:cNvPr id="13" name="TextBox 12">
+              <a:t>SHA256? SHA?</a:t>
+            </a:r>
+          </a:p>
+        </p:txBody>
+      </p:sp>
+      <p:sp>
+        <p:nvSpPr>
+          <p:cNvPr id="6" name="TextBox 5">
             <a:extLst>
               <a:ext uri="{FF2B5EF4-FFF2-40B4-BE49-F238E27FC236}">
-                <a16:creationId xmlns:a16="http://schemas.microsoft.com/office/drawing/2014/main" id="{772E19F6-DC0E-48F7-860F-DCC53F033253}"/>
+                <a16:creationId xmlns:a16="http://schemas.microsoft.com/office/drawing/2014/main" id="{B1F6B73A-C2D7-49F1-9022-78D94643C050}"/>
               </a:ext>
             </a:extLst>
           </p:cNvPr>
@@ -3889,8 +5143,8 @@
         </p:nvSpPr>
         <p:spPr>
           <a:xfrm>
-            <a:off x="5852027" y="3444962"/>
-            <a:ext cx="736548" cy="400110"/>
+            <a:off x="4467627" y="3243701"/>
+            <a:ext cx="3505319" cy="523220"/>
           </a:xfrm>
           <a:prstGeom prst="rect">
             <a:avLst/>
@@ -3905,10 +5159,150 @@
           <a:p>
             <a:pPr algn="ctr"/>
             <a:r>
-              <a:rPr lang="en-US" altLang="ko-KR" sz="2000" dirty="0"/>
-              <a:t>temp</a:t>
-            </a:r>
-            <a:endParaRPr lang="ko-KR" altLang="en-US" sz="2000" dirty="0"/>
+              <a:rPr lang="en-US" altLang="ko-KR" sz="2800" dirty="0">
+                <a:solidFill>
+                  <a:srgbClr val="FF0000"/>
+                </a:solidFill>
+              </a:rPr>
+              <a:t>S</a:t>
+            </a:r>
+            <a:r>
+              <a:rPr lang="en-US" altLang="ko-KR" sz="2800" dirty="0"/>
+              <a:t>ecure </a:t>
+            </a:r>
+            <a:r>
+              <a:rPr lang="en-US" altLang="ko-KR" sz="2800" dirty="0">
+                <a:solidFill>
+                  <a:srgbClr val="FF0000"/>
+                </a:solidFill>
+              </a:rPr>
+              <a:t>H</a:t>
+            </a:r>
+            <a:r>
+              <a:rPr lang="en-US" altLang="ko-KR" sz="2800" dirty="0"/>
+              <a:t>ash </a:t>
+            </a:r>
+            <a:r>
+              <a:rPr lang="en-US" altLang="ko-KR" sz="2800" dirty="0">
+                <a:solidFill>
+                  <a:srgbClr val="FF0000"/>
+                </a:solidFill>
+              </a:rPr>
+              <a:t>A</a:t>
+            </a:r>
+            <a:r>
+              <a:rPr lang="en-US" altLang="ko-KR" sz="2800" dirty="0"/>
+              <a:t>lgorithm</a:t>
+            </a:r>
+            <a:endParaRPr lang="ko-KR" altLang="en-US" sz="2800" dirty="0"/>
+          </a:p>
+        </p:txBody>
+      </p:sp>
+      <p:sp>
+        <p:nvSpPr>
+          <p:cNvPr id="7" name="TextBox 6">
+            <a:extLst>
+              <a:ext uri="{FF2B5EF4-FFF2-40B4-BE49-F238E27FC236}">
+                <a16:creationId xmlns:a16="http://schemas.microsoft.com/office/drawing/2014/main" id="{A33E25FF-5B19-413A-9A5E-F012CED28B00}"/>
+              </a:ext>
+            </a:extLst>
+          </p:cNvPr>
+          <p:cNvSpPr txBox="1"/>
+          <p:nvPr/>
+        </p:nvSpPr>
+        <p:spPr>
+          <a:xfrm>
+            <a:off x="5345634" y="2344087"/>
+            <a:ext cx="1500732" cy="1015663"/>
+          </a:xfrm>
+          <a:prstGeom prst="rect">
+            <a:avLst/>
+          </a:prstGeom>
+          <a:noFill/>
+        </p:spPr>
+        <p:txBody>
+          <a:bodyPr wrap="none" rtlCol="0">
+            <a:spAutoFit/>
+          </a:bodyPr>
+          <a:lstStyle/>
+          <a:p>
+            <a:pPr algn="ctr"/>
+            <a:r>
+              <a:rPr lang="en-US" altLang="ko-KR" sz="6000" b="1" dirty="0"/>
+              <a:t>SHA</a:t>
+            </a:r>
+            <a:endParaRPr lang="ko-KR" altLang="en-US" sz="6000" b="1" dirty="0"/>
+          </a:p>
+        </p:txBody>
+      </p:sp>
+      <p:sp>
+        <p:nvSpPr>
+          <p:cNvPr id="8" name="TextBox 7">
+            <a:extLst>
+              <a:ext uri="{FF2B5EF4-FFF2-40B4-BE49-F238E27FC236}">
+                <a16:creationId xmlns:a16="http://schemas.microsoft.com/office/drawing/2014/main" id="{9F571454-3C74-4F0A-AF00-C97559BEDC9E}"/>
+              </a:ext>
+            </a:extLst>
+          </p:cNvPr>
+          <p:cNvSpPr txBox="1"/>
+          <p:nvPr/>
+        </p:nvSpPr>
+        <p:spPr>
+          <a:xfrm>
+            <a:off x="1704513" y="4667278"/>
+            <a:ext cx="8787983" cy="369332"/>
+          </a:xfrm>
+          <a:prstGeom prst="rect">
+            <a:avLst/>
+          </a:prstGeom>
+          <a:noFill/>
+        </p:spPr>
+        <p:txBody>
+          <a:bodyPr wrap="none" rtlCol="0">
+            <a:spAutoFit/>
+          </a:bodyPr>
+          <a:lstStyle/>
+          <a:p>
+            <a:pPr algn="ctr"/>
+            <a:r>
+              <a:rPr lang="ko-KR" altLang="en-US" dirty="0">
+                <a:latin typeface="+mn-ea"/>
+              </a:rPr>
+              <a:t>해시 함수들의 모음이며 </a:t>
+            </a:r>
+            <a:r>
+              <a:rPr lang="en-US" altLang="ko-KR" dirty="0">
+                <a:latin typeface="+mn-ea"/>
+              </a:rPr>
+              <a:t>SHA-256</a:t>
+            </a:r>
+            <a:r>
+              <a:rPr lang="ko-KR" altLang="en-US" dirty="0">
+                <a:latin typeface="+mn-ea"/>
+              </a:rPr>
+              <a:t>은 해시 알고리즘의 한 종류이면서 </a:t>
+            </a:r>
+            <a:r>
+              <a:rPr lang="en-US" altLang="ko-KR" dirty="0">
+                <a:latin typeface="+mn-ea"/>
+              </a:rPr>
+              <a:t>SHA-2</a:t>
+            </a:r>
+            <a:r>
+              <a:rPr lang="ko-KR" altLang="en-US" dirty="0">
+                <a:latin typeface="+mn-ea"/>
+              </a:rPr>
+              <a:t>로 구분</a:t>
+            </a:r>
+            <a:r>
+              <a:rPr lang="en-US" altLang="ko-KR" dirty="0">
+                <a:latin typeface="+mn-ea"/>
+              </a:rPr>
+              <a:t>.</a:t>
+            </a:r>
+            <a:endParaRPr lang="ko-KR" altLang="en-US" dirty="0">
+              <a:latin typeface="+mn-ea"/>
+            </a:endParaRPr>
           </a:p>
         </p:txBody>
       </p:sp>
@@ -4049,7 +5443,7 @@
         <p:spPr>
           <a:xfrm>
             <a:off x="1704513" y="620822"/>
-            <a:ext cx="954107" cy="400110"/>
+            <a:ext cx="704039" cy="400110"/>
           </a:xfrm>
           <a:prstGeom prst="rect">
             <a:avLst/>
@@ -4063,23 +5457,5454 @@
           <a:lstStyle/>
           <a:p>
             <a:r>
-              <a:rPr lang="ko-KR" altLang="en-US" sz="2000" dirty="0"/>
-              <a:t>마무리</a:t>
-            </a:r>
-            <a:endParaRPr lang="en-US" altLang="ko-KR" sz="2000" dirty="0"/>
+              <a:rPr lang="en-US" altLang="ko-KR" sz="2000" dirty="0"/>
+              <a:t>Hash</a:t>
+            </a:r>
+          </a:p>
+        </p:txBody>
+      </p:sp>
+      <p:pic>
+        <p:nvPicPr>
+          <p:cNvPr id="13" name="그림 12">
+            <a:extLst>
+              <a:ext uri="{FF2B5EF4-FFF2-40B4-BE49-F238E27FC236}">
+                <a16:creationId xmlns:a16="http://schemas.microsoft.com/office/drawing/2014/main" id="{C61D2B3B-C3B2-4987-BF40-E412EAC25A04}"/>
+              </a:ext>
+            </a:extLst>
+          </p:cNvPr>
+          <p:cNvPicPr>
+            <a:picLocks noChangeAspect="1"/>
+          </p:cNvPicPr>
+          <p:nvPr/>
+        </p:nvPicPr>
+        <p:blipFill>
+          <a:blip r:embed="rId3">
+            <a:extLst>
+              <a:ext uri="{28A0092B-C50C-407E-A947-70E740481C1C}">
+                <a14:useLocalDpi xmlns:a14="http://schemas.microsoft.com/office/drawing/2010/main" val="0"/>
+              </a:ext>
+            </a:extLst>
+          </a:blip>
+          <a:stretch>
+            <a:fillRect/>
+          </a:stretch>
+        </p:blipFill>
+        <p:spPr>
+          <a:xfrm>
+            <a:off x="2408552" y="2578197"/>
+            <a:ext cx="7644485" cy="1261004"/>
+          </a:xfrm>
+          <a:prstGeom prst="rect">
+            <a:avLst/>
+          </a:prstGeom>
+        </p:spPr>
+      </p:pic>
+      <p:cxnSp>
+        <p:nvCxnSpPr>
+          <p:cNvPr id="19" name="직선 화살표 연결선 18">
+            <a:extLst>
+              <a:ext uri="{FF2B5EF4-FFF2-40B4-BE49-F238E27FC236}">
+                <a16:creationId xmlns:a16="http://schemas.microsoft.com/office/drawing/2014/main" id="{CF18A62A-3A86-4140-8A6C-3A32F6755BFB}"/>
+              </a:ext>
+            </a:extLst>
+          </p:cNvPr>
+          <p:cNvCxnSpPr>
+            <a:cxnSpLocks/>
+          </p:cNvCxnSpPr>
+          <p:nvPr/>
+        </p:nvCxnSpPr>
+        <p:spPr>
+          <a:xfrm flipH="1">
+            <a:off x="2916497" y="4467833"/>
+            <a:ext cx="6266046" cy="0"/>
+          </a:xfrm>
+          <a:prstGeom prst="straightConnector1">
+            <a:avLst/>
+          </a:prstGeom>
+          <a:ln w="57150">
+            <a:solidFill>
+              <a:schemeClr val="tx1">
+                <a:lumMod val="95000"/>
+                <a:lumOff val="5000"/>
+              </a:schemeClr>
+            </a:solidFill>
+            <a:tailEnd type="triangle"/>
+          </a:ln>
+        </p:spPr>
+        <p:style>
+          <a:lnRef idx="1">
+            <a:schemeClr val="accent1"/>
+          </a:lnRef>
+          <a:fillRef idx="0">
+            <a:schemeClr val="accent1"/>
+          </a:fillRef>
+          <a:effectRef idx="0">
+            <a:schemeClr val="accent1"/>
+          </a:effectRef>
+          <a:fontRef idx="minor">
+            <a:schemeClr val="tx1"/>
+          </a:fontRef>
+        </p:style>
+      </p:cxnSp>
+      <p:sp>
+        <p:nvSpPr>
+          <p:cNvPr id="20" name="곱하기 기호 19">
+            <a:extLst>
+              <a:ext uri="{FF2B5EF4-FFF2-40B4-BE49-F238E27FC236}">
+                <a16:creationId xmlns:a16="http://schemas.microsoft.com/office/drawing/2014/main" id="{B40A95EC-3CE7-4596-B9F6-FC71CAECF773}"/>
+              </a:ext>
+            </a:extLst>
+          </p:cNvPr>
+          <p:cNvSpPr/>
+          <p:nvPr/>
+        </p:nvSpPr>
+        <p:spPr>
+          <a:xfrm>
+            <a:off x="5266860" y="3775294"/>
+            <a:ext cx="1441947" cy="1441947"/>
+          </a:xfrm>
+          <a:prstGeom prst="mathMultiply">
+            <a:avLst/>
+          </a:prstGeom>
+          <a:solidFill>
+            <a:srgbClr val="FF0000"/>
+          </a:solidFill>
+        </p:spPr>
+        <p:style>
+          <a:lnRef idx="2">
+            <a:schemeClr val="accent1">
+              <a:shade val="50000"/>
+            </a:schemeClr>
+          </a:lnRef>
+          <a:fillRef idx="1">
+            <a:schemeClr val="accent1"/>
+          </a:fillRef>
+          <a:effectRef idx="0">
+            <a:schemeClr val="accent1"/>
+          </a:effectRef>
+          <a:fontRef idx="minor">
+            <a:schemeClr val="lt1"/>
+          </a:fontRef>
+        </p:style>
+        <p:txBody>
+          <a:bodyPr rtlCol="0" anchor="ctr"/>
+          <a:lstStyle/>
+          <a:p>
+            <a:pPr algn="ctr"/>
+            <a:endParaRPr lang="ko-KR" altLang="en-US"/>
+          </a:p>
+        </p:txBody>
+      </p:sp>
+      <p:sp>
+        <p:nvSpPr>
+          <p:cNvPr id="23" name="직사각형 22">
+            <a:extLst>
+              <a:ext uri="{FF2B5EF4-FFF2-40B4-BE49-F238E27FC236}">
+                <a16:creationId xmlns:a16="http://schemas.microsoft.com/office/drawing/2014/main" id="{1E66498C-3F63-4BB9-91EF-5CC9DA94E94E}"/>
+              </a:ext>
+            </a:extLst>
+          </p:cNvPr>
+          <p:cNvSpPr/>
+          <p:nvPr/>
+        </p:nvSpPr>
+        <p:spPr>
+          <a:xfrm>
+            <a:off x="3455470" y="2283138"/>
+            <a:ext cx="3965608" cy="1717616"/>
+          </a:xfrm>
+          <a:prstGeom prst="rect">
+            <a:avLst/>
+          </a:prstGeom>
+          <a:solidFill>
+            <a:schemeClr val="bg1"/>
+          </a:solidFill>
+          <a:ln>
+            <a:solidFill>
+              <a:schemeClr val="bg1"/>
+            </a:solidFill>
+          </a:ln>
+        </p:spPr>
+        <p:style>
+          <a:lnRef idx="2">
+            <a:schemeClr val="accent1">
+              <a:shade val="50000"/>
+            </a:schemeClr>
+          </a:lnRef>
+          <a:fillRef idx="1">
+            <a:schemeClr val="accent1"/>
+          </a:fillRef>
+          <a:effectRef idx="0">
+            <a:schemeClr val="accent1"/>
+          </a:effectRef>
+          <a:fontRef idx="minor">
+            <a:schemeClr val="lt1"/>
+          </a:fontRef>
+        </p:style>
+        <p:txBody>
+          <a:bodyPr rtlCol="0" anchor="ctr"/>
+          <a:lstStyle/>
+          <a:p>
+            <a:pPr algn="ctr"/>
+            <a:endParaRPr lang="ko-KR" altLang="en-US"/>
+          </a:p>
+        </p:txBody>
+      </p:sp>
+      <p:sp>
+        <p:nvSpPr>
+          <p:cNvPr id="24" name="직사각형 23">
+            <a:extLst>
+              <a:ext uri="{FF2B5EF4-FFF2-40B4-BE49-F238E27FC236}">
+                <a16:creationId xmlns:a16="http://schemas.microsoft.com/office/drawing/2014/main" id="{3950EB24-3EB1-4C8F-A820-ED51FF226944}"/>
+              </a:ext>
+            </a:extLst>
+          </p:cNvPr>
+          <p:cNvSpPr/>
+          <p:nvPr/>
+        </p:nvSpPr>
+        <p:spPr>
+          <a:xfrm>
+            <a:off x="7421078" y="2284969"/>
+            <a:ext cx="3965608" cy="1717616"/>
+          </a:xfrm>
+          <a:prstGeom prst="rect">
+            <a:avLst/>
+          </a:prstGeom>
+          <a:solidFill>
+            <a:schemeClr val="bg1"/>
+          </a:solidFill>
+          <a:ln>
+            <a:solidFill>
+              <a:schemeClr val="bg1"/>
+            </a:solidFill>
+          </a:ln>
+        </p:spPr>
+        <p:style>
+          <a:lnRef idx="2">
+            <a:schemeClr val="accent1">
+              <a:shade val="50000"/>
+            </a:schemeClr>
+          </a:lnRef>
+          <a:fillRef idx="1">
+            <a:schemeClr val="accent1"/>
+          </a:fillRef>
+          <a:effectRef idx="0">
+            <a:schemeClr val="accent1"/>
+          </a:effectRef>
+          <a:fontRef idx="minor">
+            <a:schemeClr val="lt1"/>
+          </a:fontRef>
+        </p:style>
+        <p:txBody>
+          <a:bodyPr rtlCol="0" anchor="ctr"/>
+          <a:lstStyle/>
+          <a:p>
+            <a:pPr algn="ctr"/>
+            <a:endParaRPr lang="ko-KR" altLang="en-US"/>
+          </a:p>
+        </p:txBody>
+      </p:sp>
+      <p:sp>
+        <p:nvSpPr>
+          <p:cNvPr id="26" name="직사각형 25">
+            <a:extLst>
+              <a:ext uri="{FF2B5EF4-FFF2-40B4-BE49-F238E27FC236}">
+                <a16:creationId xmlns:a16="http://schemas.microsoft.com/office/drawing/2014/main" id="{75259D01-E1FF-4486-BEA9-0EFB79FE36C7}"/>
+              </a:ext>
+            </a:extLst>
+          </p:cNvPr>
+          <p:cNvSpPr/>
+          <p:nvPr/>
+        </p:nvSpPr>
+        <p:spPr>
+          <a:xfrm>
+            <a:off x="2598821" y="5177017"/>
+            <a:ext cx="7247823" cy="369332"/>
+          </a:xfrm>
+          <a:prstGeom prst="rect">
+            <a:avLst/>
+          </a:prstGeom>
+        </p:spPr>
+        <p:txBody>
+          <a:bodyPr wrap="square">
+            <a:spAutoFit/>
+          </a:bodyPr>
+          <a:lstStyle/>
+          <a:p>
+            <a:pPr algn="ctr"/>
+            <a:r>
+              <a:rPr lang="en-US" altLang="ko-KR" dirty="0"/>
+              <a:t>Hash</a:t>
+            </a:r>
+            <a:r>
+              <a:rPr lang="ko-KR" altLang="en-US" dirty="0"/>
+              <a:t>는 단방향으로 암호화된다</a:t>
+            </a:r>
+            <a:r>
+              <a:rPr lang="en-US" altLang="ko-KR" dirty="0"/>
+              <a:t>.</a:t>
+            </a:r>
+            <a:endParaRPr lang="ko-KR" altLang="en-US" dirty="0"/>
           </a:p>
         </p:txBody>
       </p:sp>
     </p:spTree>
     <p:extLst>
       <p:ext uri="{BB962C8B-B14F-4D97-AF65-F5344CB8AC3E}">
-        <p14:creationId xmlns:p14="http://schemas.microsoft.com/office/powerpoint/2010/main" val="651079879"/>
+        <p14:creationId xmlns:p14="http://schemas.microsoft.com/office/powerpoint/2010/main" val="3829105212"/>
       </p:ext>
     </p:extLst>
   </p:cSld>
   <p:clrMapOvr>
     <a:masterClrMapping/>
   </p:clrMapOvr>
+  <p:timing>
+    <p:tnLst>
+      <p:par>
+        <p:cTn id="1" dur="indefinite" restart="never" nodeType="tmRoot">
+          <p:childTnLst>
+            <p:seq concurrent="1" nextAc="seek">
+              <p:cTn id="2" dur="indefinite" nodeType="mainSeq">
+                <p:childTnLst>
+                  <p:par>
+                    <p:cTn id="3" fill="hold">
+                      <p:stCondLst>
+                        <p:cond delay="indefinite"/>
+                      </p:stCondLst>
+                      <p:childTnLst>
+                        <p:par>
+                          <p:cTn id="4" fill="hold">
+                            <p:stCondLst>
+                              <p:cond delay="0"/>
+                            </p:stCondLst>
+                            <p:childTnLst>
+                              <p:par>
+                                <p:cTn id="5" presetID="10" presetClass="exit" presetSubtype="0" fill="hold" grpId="0" nodeType="clickEffect">
+                                  <p:stCondLst>
+                                    <p:cond delay="0"/>
+                                  </p:stCondLst>
+                                  <p:childTnLst>
+                                    <p:animEffect transition="out" filter="fade">
+                                      <p:cBhvr>
+                                        <p:cTn id="6" dur="500"/>
+                                        <p:tgtEl>
+                                          <p:spTgt spid="23"/>
+                                        </p:tgtEl>
+                                      </p:cBhvr>
+                                    </p:animEffect>
+                                    <p:set>
+                                      <p:cBhvr>
+                                        <p:cTn id="7" dur="1" fill="hold">
+                                          <p:stCondLst>
+                                            <p:cond delay="499"/>
+                                          </p:stCondLst>
+                                        </p:cTn>
+                                        <p:tgtEl>
+                                          <p:spTgt spid="23"/>
+                                        </p:tgtEl>
+                                        <p:attrNameLst>
+                                          <p:attrName>style.visibility</p:attrName>
+                                        </p:attrNameLst>
+                                      </p:cBhvr>
+                                      <p:to>
+                                        <p:strVal val="hidden"/>
+                                      </p:to>
+                                    </p:set>
+                                  </p:childTnLst>
+                                </p:cTn>
+                              </p:par>
+                            </p:childTnLst>
+                          </p:cTn>
+                        </p:par>
+                      </p:childTnLst>
+                    </p:cTn>
+                  </p:par>
+                  <p:par>
+                    <p:cTn id="8" fill="hold">
+                      <p:stCondLst>
+                        <p:cond delay="indefinite"/>
+                      </p:stCondLst>
+                      <p:childTnLst>
+                        <p:par>
+                          <p:cTn id="9" fill="hold">
+                            <p:stCondLst>
+                              <p:cond delay="0"/>
+                            </p:stCondLst>
+                            <p:childTnLst>
+                              <p:par>
+                                <p:cTn id="10" presetID="10" presetClass="exit" presetSubtype="0" fill="hold" grpId="0" nodeType="clickEffect">
+                                  <p:stCondLst>
+                                    <p:cond delay="0"/>
+                                  </p:stCondLst>
+                                  <p:childTnLst>
+                                    <p:animEffect transition="out" filter="fade">
+                                      <p:cBhvr>
+                                        <p:cTn id="11" dur="500"/>
+                                        <p:tgtEl>
+                                          <p:spTgt spid="24"/>
+                                        </p:tgtEl>
+                                      </p:cBhvr>
+                                    </p:animEffect>
+                                    <p:set>
+                                      <p:cBhvr>
+                                        <p:cTn id="12" dur="1" fill="hold">
+                                          <p:stCondLst>
+                                            <p:cond delay="499"/>
+                                          </p:stCondLst>
+                                        </p:cTn>
+                                        <p:tgtEl>
+                                          <p:spTgt spid="24"/>
+                                        </p:tgtEl>
+                                        <p:attrNameLst>
+                                          <p:attrName>style.visibility</p:attrName>
+                                        </p:attrNameLst>
+                                      </p:cBhvr>
+                                      <p:to>
+                                        <p:strVal val="hidden"/>
+                                      </p:to>
+                                    </p:set>
+                                  </p:childTnLst>
+                                </p:cTn>
+                              </p:par>
+                            </p:childTnLst>
+                          </p:cTn>
+                        </p:par>
+                      </p:childTnLst>
+                    </p:cTn>
+                  </p:par>
+                  <p:par>
+                    <p:cTn id="13" fill="hold">
+                      <p:stCondLst>
+                        <p:cond delay="indefinite"/>
+                      </p:stCondLst>
+                      <p:childTnLst>
+                        <p:par>
+                          <p:cTn id="14" fill="hold">
+                            <p:stCondLst>
+                              <p:cond delay="0"/>
+                            </p:stCondLst>
+                            <p:childTnLst>
+                              <p:par>
+                                <p:cTn id="15" presetID="10" presetClass="entr" presetSubtype="0" fill="hold" nodeType="clickEffect">
+                                  <p:stCondLst>
+                                    <p:cond delay="0"/>
+                                  </p:stCondLst>
+                                  <p:childTnLst>
+                                    <p:set>
+                                      <p:cBhvr>
+                                        <p:cTn id="16" dur="1" fill="hold">
+                                          <p:stCondLst>
+                                            <p:cond delay="0"/>
+                                          </p:stCondLst>
+                                        </p:cTn>
+                                        <p:tgtEl>
+                                          <p:spTgt spid="19"/>
+                                        </p:tgtEl>
+                                        <p:attrNameLst>
+                                          <p:attrName>style.visibility</p:attrName>
+                                        </p:attrNameLst>
+                                      </p:cBhvr>
+                                      <p:to>
+                                        <p:strVal val="visible"/>
+                                      </p:to>
+                                    </p:set>
+                                    <p:animEffect transition="in" filter="fade">
+                                      <p:cBhvr>
+                                        <p:cTn id="17" dur="500"/>
+                                        <p:tgtEl>
+                                          <p:spTgt spid="19"/>
+                                        </p:tgtEl>
+                                      </p:cBhvr>
+                                    </p:animEffect>
+                                  </p:childTnLst>
+                                </p:cTn>
+                              </p:par>
+                            </p:childTnLst>
+                          </p:cTn>
+                        </p:par>
+                      </p:childTnLst>
+                    </p:cTn>
+                  </p:par>
+                  <p:par>
+                    <p:cTn id="18" fill="hold">
+                      <p:stCondLst>
+                        <p:cond delay="indefinite"/>
+                      </p:stCondLst>
+                      <p:childTnLst>
+                        <p:par>
+                          <p:cTn id="19" fill="hold">
+                            <p:stCondLst>
+                              <p:cond delay="0"/>
+                            </p:stCondLst>
+                            <p:childTnLst>
+                              <p:par>
+                                <p:cTn id="20" presetID="10" presetClass="entr" presetSubtype="0" fill="hold" grpId="0" nodeType="clickEffect">
+                                  <p:stCondLst>
+                                    <p:cond delay="0"/>
+                                  </p:stCondLst>
+                                  <p:childTnLst>
+                                    <p:set>
+                                      <p:cBhvr>
+                                        <p:cTn id="21" dur="1" fill="hold">
+                                          <p:stCondLst>
+                                            <p:cond delay="0"/>
+                                          </p:stCondLst>
+                                        </p:cTn>
+                                        <p:tgtEl>
+                                          <p:spTgt spid="20"/>
+                                        </p:tgtEl>
+                                        <p:attrNameLst>
+                                          <p:attrName>style.visibility</p:attrName>
+                                        </p:attrNameLst>
+                                      </p:cBhvr>
+                                      <p:to>
+                                        <p:strVal val="visible"/>
+                                      </p:to>
+                                    </p:set>
+                                    <p:animEffect transition="in" filter="fade">
+                                      <p:cBhvr>
+                                        <p:cTn id="22" dur="500"/>
+                                        <p:tgtEl>
+                                          <p:spTgt spid="20"/>
+                                        </p:tgtEl>
+                                      </p:cBhvr>
+                                    </p:animEffect>
+                                  </p:childTnLst>
+                                </p:cTn>
+                              </p:par>
+                            </p:childTnLst>
+                          </p:cTn>
+                        </p:par>
+                      </p:childTnLst>
+                    </p:cTn>
+                  </p:par>
+                  <p:par>
+                    <p:cTn id="23" fill="hold">
+                      <p:stCondLst>
+                        <p:cond delay="indefinite"/>
+                      </p:stCondLst>
+                      <p:childTnLst>
+                        <p:par>
+                          <p:cTn id="24" fill="hold">
+                            <p:stCondLst>
+                              <p:cond delay="0"/>
+                            </p:stCondLst>
+                            <p:childTnLst>
+                              <p:par>
+                                <p:cTn id="25" presetID="10" presetClass="entr" presetSubtype="0" fill="hold" grpId="0" nodeType="clickEffect">
+                                  <p:stCondLst>
+                                    <p:cond delay="0"/>
+                                  </p:stCondLst>
+                                  <p:childTnLst>
+                                    <p:set>
+                                      <p:cBhvr>
+                                        <p:cTn id="26" dur="1" fill="hold">
+                                          <p:stCondLst>
+                                            <p:cond delay="0"/>
+                                          </p:stCondLst>
+                                        </p:cTn>
+                                        <p:tgtEl>
+                                          <p:spTgt spid="26"/>
+                                        </p:tgtEl>
+                                        <p:attrNameLst>
+                                          <p:attrName>style.visibility</p:attrName>
+                                        </p:attrNameLst>
+                                      </p:cBhvr>
+                                      <p:to>
+                                        <p:strVal val="visible"/>
+                                      </p:to>
+                                    </p:set>
+                                    <p:animEffect transition="in" filter="fade">
+                                      <p:cBhvr>
+                                        <p:cTn id="27" dur="500"/>
+                                        <p:tgtEl>
+                                          <p:spTgt spid="26"/>
+                                        </p:tgtEl>
+                                      </p:cBhvr>
+                                    </p:animEffect>
+                                  </p:childTnLst>
+                                </p:cTn>
+                              </p:par>
+                            </p:childTnLst>
+                          </p:cTn>
+                        </p:par>
+                      </p:childTnLst>
+                    </p:cTn>
+                  </p:par>
+                </p:childTnLst>
+              </p:cTn>
+              <p:prevCondLst>
+                <p:cond evt="onPrev" delay="0">
+                  <p:tgtEl>
+                    <p:sldTgt/>
+                  </p:tgtEl>
+                </p:cond>
+              </p:prevCondLst>
+              <p:nextCondLst>
+                <p:cond evt="onNext" delay="0">
+                  <p:tgtEl>
+                    <p:sldTgt/>
+                  </p:tgtEl>
+                </p:cond>
+              </p:nextCondLst>
+            </p:seq>
+          </p:childTnLst>
+        </p:cTn>
+      </p:par>
+    </p:tnLst>
+    <p:bldLst>
+      <p:bldP spid="20" grpId="0" animBg="1"/>
+      <p:bldP spid="23" grpId="0" animBg="1"/>
+      <p:bldP spid="24" grpId="0" animBg="1"/>
+      <p:bldP spid="26" grpId="0"/>
+    </p:bldLst>
+  </p:timing>
+</p:sld>
+</file>
+
+<file path=ppt/slides/slide4.xml><?xml version="1.0" encoding="utf-8"?>
+<p:sld xmlns:a="http://schemas.openxmlformats.org/drawingml/2006/main" xmlns:r="http://schemas.openxmlformats.org/officeDocument/2006/relationships" xmlns:p="http://schemas.openxmlformats.org/presentationml/2006/main">
+  <p:cSld>
+    <p:spTree>
+      <p:nvGrpSpPr>
+        <p:cNvPr id="1" name=""/>
+        <p:cNvGrpSpPr/>
+        <p:nvPr/>
+      </p:nvGrpSpPr>
+      <p:grpSpPr>
+        <a:xfrm>
+          <a:off x="0" y="0"/>
+          <a:ext cx="0" cy="0"/>
+          <a:chOff x="0" y="0"/>
+          <a:chExt cx="0" cy="0"/>
+        </a:xfrm>
+      </p:grpSpPr>
+      <p:sp>
+        <p:nvSpPr>
+          <p:cNvPr id="10" name="직사각형 9">
+            <a:extLst>
+              <a:ext uri="{FF2B5EF4-FFF2-40B4-BE49-F238E27FC236}">
+                <a16:creationId xmlns:a16="http://schemas.microsoft.com/office/drawing/2014/main" id="{72422AE4-B2BC-47F4-A55A-7923EBDB55ED}"/>
+              </a:ext>
+            </a:extLst>
+          </p:cNvPr>
+          <p:cNvSpPr/>
+          <p:nvPr/>
+        </p:nvSpPr>
+        <p:spPr>
+          <a:xfrm>
+            <a:off x="1586143" y="1020932"/>
+            <a:ext cx="9268287" cy="45719"/>
+          </a:xfrm>
+          <a:prstGeom prst="rect">
+            <a:avLst/>
+          </a:prstGeom>
+        </p:spPr>
+        <p:style>
+          <a:lnRef idx="2">
+            <a:schemeClr val="accent1">
+              <a:shade val="50000"/>
+            </a:schemeClr>
+          </a:lnRef>
+          <a:fillRef idx="1">
+            <a:schemeClr val="accent1"/>
+          </a:fillRef>
+          <a:effectRef idx="0">
+            <a:schemeClr val="accent1"/>
+          </a:effectRef>
+          <a:fontRef idx="minor">
+            <a:schemeClr val="lt1"/>
+          </a:fontRef>
+        </p:style>
+        <p:txBody>
+          <a:bodyPr rtlCol="0" anchor="ctr"/>
+          <a:lstStyle/>
+          <a:p>
+            <a:pPr algn="ctr"/>
+            <a:endParaRPr lang="ko-KR" altLang="en-US"/>
+          </a:p>
+        </p:txBody>
+      </p:sp>
+      <p:sp>
+        <p:nvSpPr>
+          <p:cNvPr id="11" name="직사각형 10">
+            <a:extLst>
+              <a:ext uri="{FF2B5EF4-FFF2-40B4-BE49-F238E27FC236}">
+                <a16:creationId xmlns:a16="http://schemas.microsoft.com/office/drawing/2014/main" id="{88C624B5-9431-4451-97AF-3F26F9D86089}"/>
+              </a:ext>
+            </a:extLst>
+          </p:cNvPr>
+          <p:cNvSpPr/>
+          <p:nvPr/>
+        </p:nvSpPr>
+        <p:spPr>
+          <a:xfrm flipV="1">
+            <a:off x="1586143" y="6174982"/>
+            <a:ext cx="9268287" cy="45719"/>
+          </a:xfrm>
+          <a:prstGeom prst="rect">
+            <a:avLst/>
+          </a:prstGeom>
+        </p:spPr>
+        <p:style>
+          <a:lnRef idx="2">
+            <a:schemeClr val="accent1">
+              <a:shade val="50000"/>
+            </a:schemeClr>
+          </a:lnRef>
+          <a:fillRef idx="1">
+            <a:schemeClr val="accent1"/>
+          </a:fillRef>
+          <a:effectRef idx="0">
+            <a:schemeClr val="accent1"/>
+          </a:effectRef>
+          <a:fontRef idx="minor">
+            <a:schemeClr val="lt1"/>
+          </a:fontRef>
+        </p:style>
+        <p:txBody>
+          <a:bodyPr rtlCol="0" anchor="ctr"/>
+          <a:lstStyle/>
+          <a:p>
+            <a:pPr algn="ctr"/>
+            <a:endParaRPr lang="ko-KR" altLang="en-US"/>
+          </a:p>
+        </p:txBody>
+      </p:sp>
+      <p:sp>
+        <p:nvSpPr>
+          <p:cNvPr id="9" name="TextBox 8">
+            <a:extLst>
+              <a:ext uri="{FF2B5EF4-FFF2-40B4-BE49-F238E27FC236}">
+                <a16:creationId xmlns:a16="http://schemas.microsoft.com/office/drawing/2014/main" id="{892C5DDA-40EE-4B50-9C05-6AFC7089F348}"/>
+              </a:ext>
+            </a:extLst>
+          </p:cNvPr>
+          <p:cNvSpPr txBox="1"/>
+          <p:nvPr/>
+        </p:nvSpPr>
+        <p:spPr>
+          <a:xfrm>
+            <a:off x="1704513" y="620822"/>
+            <a:ext cx="704039" cy="400110"/>
+          </a:xfrm>
+          <a:prstGeom prst="rect">
+            <a:avLst/>
+          </a:prstGeom>
+          <a:noFill/>
+        </p:spPr>
+        <p:txBody>
+          <a:bodyPr wrap="none" rtlCol="0">
+            <a:spAutoFit/>
+          </a:bodyPr>
+          <a:lstStyle/>
+          <a:p>
+            <a:r>
+              <a:rPr lang="en-US" altLang="ko-KR" sz="2000" dirty="0"/>
+              <a:t>Hash</a:t>
+            </a:r>
+          </a:p>
+        </p:txBody>
+      </p:sp>
+      <p:pic>
+        <p:nvPicPr>
+          <p:cNvPr id="15" name="그림 14">
+            <a:extLst>
+              <a:ext uri="{FF2B5EF4-FFF2-40B4-BE49-F238E27FC236}">
+                <a16:creationId xmlns:a16="http://schemas.microsoft.com/office/drawing/2014/main" id="{2424CE73-89F5-4F64-A380-D4EA0ECB311B}"/>
+              </a:ext>
+            </a:extLst>
+          </p:cNvPr>
+          <p:cNvPicPr>
+            <a:picLocks noChangeAspect="1"/>
+          </p:cNvPicPr>
+          <p:nvPr/>
+        </p:nvPicPr>
+        <p:blipFill>
+          <a:blip r:embed="rId3">
+            <a:extLst>
+              <a:ext uri="{28A0092B-C50C-407E-A947-70E740481C1C}">
+                <a14:useLocalDpi xmlns:a14="http://schemas.microsoft.com/office/drawing/2010/main" val="0"/>
+              </a:ext>
+            </a:extLst>
+          </a:blip>
+          <a:stretch>
+            <a:fillRect/>
+          </a:stretch>
+        </p:blipFill>
+        <p:spPr>
+          <a:xfrm>
+            <a:off x="4282641" y="1466761"/>
+            <a:ext cx="3626718" cy="2720039"/>
+          </a:xfrm>
+          <a:prstGeom prst="rect">
+            <a:avLst/>
+          </a:prstGeom>
+        </p:spPr>
+      </p:pic>
+      <p:sp>
+        <p:nvSpPr>
+          <p:cNvPr id="22" name="직사각형 21">
+            <a:extLst>
+              <a:ext uri="{FF2B5EF4-FFF2-40B4-BE49-F238E27FC236}">
+                <a16:creationId xmlns:a16="http://schemas.microsoft.com/office/drawing/2014/main" id="{5C625A80-1EA4-4D2D-BEE2-D2F22526C77F}"/>
+              </a:ext>
+            </a:extLst>
+          </p:cNvPr>
+          <p:cNvSpPr/>
+          <p:nvPr/>
+        </p:nvSpPr>
+        <p:spPr>
+          <a:xfrm>
+            <a:off x="5323953" y="4263718"/>
+            <a:ext cx="1544093" cy="646331"/>
+          </a:xfrm>
+          <a:prstGeom prst="rect">
+            <a:avLst/>
+          </a:prstGeom>
+        </p:spPr>
+        <p:txBody>
+          <a:bodyPr wrap="square">
+            <a:spAutoFit/>
+          </a:bodyPr>
+          <a:lstStyle/>
+          <a:p>
+            <a:r>
+              <a:rPr lang="en-US" altLang="ko-KR" dirty="0"/>
+              <a:t>‘</a:t>
+            </a:r>
+            <a:r>
+              <a:rPr lang="ko-KR" altLang="en-US" dirty="0"/>
+              <a:t>눈사태 효과</a:t>
+            </a:r>
+            <a:r>
+              <a:rPr lang="en-US" altLang="ko-KR" dirty="0"/>
+              <a:t>’</a:t>
+            </a:r>
+            <a:br>
+              <a:rPr lang="ko-KR" altLang="en-US" dirty="0"/>
+            </a:br>
+            <a:endParaRPr lang="ko-KR" altLang="en-US" dirty="0"/>
+          </a:p>
+        </p:txBody>
+      </p:sp>
+      <p:sp>
+        <p:nvSpPr>
+          <p:cNvPr id="12" name="직사각형 11">
+            <a:extLst>
+              <a:ext uri="{FF2B5EF4-FFF2-40B4-BE49-F238E27FC236}">
+                <a16:creationId xmlns:a16="http://schemas.microsoft.com/office/drawing/2014/main" id="{2E438BDD-E9E9-4385-A3D6-9334F2D7CFA0}"/>
+              </a:ext>
+            </a:extLst>
+          </p:cNvPr>
+          <p:cNvSpPr/>
+          <p:nvPr/>
+        </p:nvSpPr>
+        <p:spPr>
+          <a:xfrm>
+            <a:off x="1896177" y="5267067"/>
+            <a:ext cx="8958253" cy="369332"/>
+          </a:xfrm>
+          <a:prstGeom prst="rect">
+            <a:avLst/>
+          </a:prstGeom>
+        </p:spPr>
+        <p:txBody>
+          <a:bodyPr wrap="square">
+            <a:spAutoFit/>
+          </a:bodyPr>
+          <a:lstStyle/>
+          <a:p>
+            <a:r>
+              <a:rPr lang="ko-KR" altLang="en-US" dirty="0"/>
+              <a:t>아주 작은 변화에도 값이 완전히 달라진다</a:t>
+            </a:r>
+            <a:r>
+              <a:rPr lang="en-US" altLang="ko-KR" dirty="0"/>
+              <a:t>. (</a:t>
+            </a:r>
+            <a:r>
+              <a:rPr lang="ko-KR" altLang="en-US" dirty="0"/>
+              <a:t>같은 값에 대한 </a:t>
+            </a:r>
+            <a:r>
+              <a:rPr lang="en-US" altLang="ko-KR" dirty="0"/>
+              <a:t>Digest</a:t>
+            </a:r>
+            <a:r>
+              <a:rPr lang="ko-KR" altLang="en-US" dirty="0"/>
+              <a:t>는 대부분 같다</a:t>
+            </a:r>
+            <a:r>
+              <a:rPr lang="en-US" altLang="ko-KR" dirty="0"/>
+              <a:t>.)</a:t>
+            </a:r>
+            <a:endParaRPr lang="ko-KR" altLang="en-US" dirty="0"/>
+          </a:p>
+        </p:txBody>
+      </p:sp>
+    </p:spTree>
+    <p:extLst>
+      <p:ext uri="{BB962C8B-B14F-4D97-AF65-F5344CB8AC3E}">
+        <p14:creationId xmlns:p14="http://schemas.microsoft.com/office/powerpoint/2010/main" val="1247887378"/>
+      </p:ext>
+    </p:extLst>
+  </p:cSld>
+  <p:clrMapOvr>
+    <a:masterClrMapping/>
+  </p:clrMapOvr>
+</p:sld>
+</file>
+
+<file path=ppt/slides/slide5.xml><?xml version="1.0" encoding="utf-8"?>
+<p:sld xmlns:a="http://schemas.openxmlformats.org/drawingml/2006/main" xmlns:r="http://schemas.openxmlformats.org/officeDocument/2006/relationships" xmlns:p="http://schemas.openxmlformats.org/presentationml/2006/main">
+  <p:cSld>
+    <p:spTree>
+      <p:nvGrpSpPr>
+        <p:cNvPr id="1" name=""/>
+        <p:cNvGrpSpPr/>
+        <p:nvPr/>
+      </p:nvGrpSpPr>
+      <p:grpSpPr>
+        <a:xfrm>
+          <a:off x="0" y="0"/>
+          <a:ext cx="0" cy="0"/>
+          <a:chOff x="0" y="0"/>
+          <a:chExt cx="0" cy="0"/>
+        </a:xfrm>
+      </p:grpSpPr>
+      <p:sp>
+        <p:nvSpPr>
+          <p:cNvPr id="10" name="직사각형 9">
+            <a:extLst>
+              <a:ext uri="{FF2B5EF4-FFF2-40B4-BE49-F238E27FC236}">
+                <a16:creationId xmlns:a16="http://schemas.microsoft.com/office/drawing/2014/main" id="{72422AE4-B2BC-47F4-A55A-7923EBDB55ED}"/>
+              </a:ext>
+            </a:extLst>
+          </p:cNvPr>
+          <p:cNvSpPr/>
+          <p:nvPr/>
+        </p:nvSpPr>
+        <p:spPr>
+          <a:xfrm>
+            <a:off x="1586143" y="1020932"/>
+            <a:ext cx="9268287" cy="45719"/>
+          </a:xfrm>
+          <a:prstGeom prst="rect">
+            <a:avLst/>
+          </a:prstGeom>
+        </p:spPr>
+        <p:style>
+          <a:lnRef idx="2">
+            <a:schemeClr val="accent1">
+              <a:shade val="50000"/>
+            </a:schemeClr>
+          </a:lnRef>
+          <a:fillRef idx="1">
+            <a:schemeClr val="accent1"/>
+          </a:fillRef>
+          <a:effectRef idx="0">
+            <a:schemeClr val="accent1"/>
+          </a:effectRef>
+          <a:fontRef idx="minor">
+            <a:schemeClr val="lt1"/>
+          </a:fontRef>
+        </p:style>
+        <p:txBody>
+          <a:bodyPr rtlCol="0" anchor="ctr"/>
+          <a:lstStyle/>
+          <a:p>
+            <a:pPr algn="ctr"/>
+            <a:endParaRPr lang="ko-KR" altLang="en-US"/>
+          </a:p>
+        </p:txBody>
+      </p:sp>
+      <p:sp>
+        <p:nvSpPr>
+          <p:cNvPr id="11" name="직사각형 10">
+            <a:extLst>
+              <a:ext uri="{FF2B5EF4-FFF2-40B4-BE49-F238E27FC236}">
+                <a16:creationId xmlns:a16="http://schemas.microsoft.com/office/drawing/2014/main" id="{88C624B5-9431-4451-97AF-3F26F9D86089}"/>
+              </a:ext>
+            </a:extLst>
+          </p:cNvPr>
+          <p:cNvSpPr/>
+          <p:nvPr/>
+        </p:nvSpPr>
+        <p:spPr>
+          <a:xfrm flipV="1">
+            <a:off x="1586143" y="6174982"/>
+            <a:ext cx="9268287" cy="45719"/>
+          </a:xfrm>
+          <a:prstGeom prst="rect">
+            <a:avLst/>
+          </a:prstGeom>
+        </p:spPr>
+        <p:style>
+          <a:lnRef idx="2">
+            <a:schemeClr val="accent1">
+              <a:shade val="50000"/>
+            </a:schemeClr>
+          </a:lnRef>
+          <a:fillRef idx="1">
+            <a:schemeClr val="accent1"/>
+          </a:fillRef>
+          <a:effectRef idx="0">
+            <a:schemeClr val="accent1"/>
+          </a:effectRef>
+          <a:fontRef idx="minor">
+            <a:schemeClr val="lt1"/>
+          </a:fontRef>
+        </p:style>
+        <p:txBody>
+          <a:bodyPr rtlCol="0" anchor="ctr"/>
+          <a:lstStyle/>
+          <a:p>
+            <a:pPr algn="ctr"/>
+            <a:endParaRPr lang="ko-KR" altLang="en-US"/>
+          </a:p>
+        </p:txBody>
+      </p:sp>
+      <p:sp>
+        <p:nvSpPr>
+          <p:cNvPr id="9" name="TextBox 8">
+            <a:extLst>
+              <a:ext uri="{FF2B5EF4-FFF2-40B4-BE49-F238E27FC236}">
+                <a16:creationId xmlns:a16="http://schemas.microsoft.com/office/drawing/2014/main" id="{892C5DDA-40EE-4B50-9C05-6AFC7089F348}"/>
+              </a:ext>
+            </a:extLst>
+          </p:cNvPr>
+          <p:cNvSpPr txBox="1"/>
+          <p:nvPr/>
+        </p:nvSpPr>
+        <p:spPr>
+          <a:xfrm>
+            <a:off x="1704513" y="620822"/>
+            <a:ext cx="1784463" cy="400110"/>
+          </a:xfrm>
+          <a:prstGeom prst="rect">
+            <a:avLst/>
+          </a:prstGeom>
+          <a:noFill/>
+        </p:spPr>
+        <p:txBody>
+          <a:bodyPr wrap="none" rtlCol="0">
+            <a:spAutoFit/>
+          </a:bodyPr>
+          <a:lstStyle/>
+          <a:p>
+            <a:r>
+              <a:rPr lang="en-US" altLang="ko-KR" sz="2000" dirty="0"/>
+              <a:t>Hash : SHA-256</a:t>
+            </a:r>
+          </a:p>
+        </p:txBody>
+      </p:sp>
+      <p:sp>
+        <p:nvSpPr>
+          <p:cNvPr id="21" name="직사각형 20">
+            <a:extLst>
+              <a:ext uri="{FF2B5EF4-FFF2-40B4-BE49-F238E27FC236}">
+                <a16:creationId xmlns:a16="http://schemas.microsoft.com/office/drawing/2014/main" id="{ACC5C6FB-8396-4995-AA6E-9712DED36E77}"/>
+              </a:ext>
+            </a:extLst>
+          </p:cNvPr>
+          <p:cNvSpPr/>
+          <p:nvPr/>
+        </p:nvSpPr>
+        <p:spPr>
+          <a:xfrm>
+            <a:off x="2226644" y="4964753"/>
+            <a:ext cx="7738712" cy="369332"/>
+          </a:xfrm>
+          <a:prstGeom prst="rect">
+            <a:avLst/>
+          </a:prstGeom>
+        </p:spPr>
+        <p:txBody>
+          <a:bodyPr wrap="square">
+            <a:spAutoFit/>
+          </a:bodyPr>
+          <a:lstStyle/>
+          <a:p>
+            <a:pPr algn="ctr"/>
+            <a:r>
+              <a:rPr lang="ko-KR" altLang="en-US" dirty="0">
+                <a:solidFill>
+                  <a:srgbClr val="333333"/>
+                </a:solidFill>
+                <a:latin typeface="Source Serif Pro"/>
+              </a:rPr>
+              <a:t>메시지의 오류나 변조를 탐지할 수 있음 </a:t>
+            </a:r>
+            <a:r>
+              <a:rPr lang="en-US" altLang="ko-KR" dirty="0">
+                <a:solidFill>
+                  <a:srgbClr val="333333"/>
+                </a:solidFill>
+                <a:latin typeface="Source Serif Pro"/>
+              </a:rPr>
+              <a:t>(</a:t>
+            </a:r>
+            <a:r>
+              <a:rPr lang="ko-KR" altLang="en-US" dirty="0">
+                <a:solidFill>
+                  <a:srgbClr val="333333"/>
+                </a:solidFill>
+                <a:latin typeface="Source Serif Pro"/>
+              </a:rPr>
+              <a:t>무결성</a:t>
+            </a:r>
+            <a:r>
+              <a:rPr lang="en-US" altLang="ko-KR" dirty="0">
+                <a:solidFill>
+                  <a:srgbClr val="333333"/>
+                </a:solidFill>
+                <a:latin typeface="Source Serif Pro"/>
+              </a:rPr>
+              <a:t>)</a:t>
+            </a:r>
+            <a:endParaRPr lang="ko-KR" altLang="en-US" dirty="0"/>
+          </a:p>
+        </p:txBody>
+      </p:sp>
+      <p:pic>
+        <p:nvPicPr>
+          <p:cNvPr id="5" name="그림 4">
+            <a:extLst>
+              <a:ext uri="{FF2B5EF4-FFF2-40B4-BE49-F238E27FC236}">
+                <a16:creationId xmlns:a16="http://schemas.microsoft.com/office/drawing/2014/main" id="{94BE2480-2B3E-463B-B3C1-EE362406CA64}"/>
+              </a:ext>
+            </a:extLst>
+          </p:cNvPr>
+          <p:cNvPicPr>
+            <a:picLocks noChangeAspect="1"/>
+          </p:cNvPicPr>
+          <p:nvPr/>
+        </p:nvPicPr>
+        <p:blipFill>
+          <a:blip r:embed="rId3">
+            <a:extLst>
+              <a:ext uri="{28A0092B-C50C-407E-A947-70E740481C1C}">
+                <a14:useLocalDpi xmlns:a14="http://schemas.microsoft.com/office/drawing/2010/main" val="0"/>
+              </a:ext>
+            </a:extLst>
+          </a:blip>
+          <a:stretch>
+            <a:fillRect/>
+          </a:stretch>
+        </p:blipFill>
+        <p:spPr>
+          <a:xfrm>
+            <a:off x="6220286" y="1523915"/>
+            <a:ext cx="5687219" cy="2200582"/>
+          </a:xfrm>
+          <a:prstGeom prst="rect">
+            <a:avLst/>
+          </a:prstGeom>
+        </p:spPr>
+      </p:pic>
+      <p:pic>
+        <p:nvPicPr>
+          <p:cNvPr id="7" name="그림 6">
+            <a:extLst>
+              <a:ext uri="{FF2B5EF4-FFF2-40B4-BE49-F238E27FC236}">
+                <a16:creationId xmlns:a16="http://schemas.microsoft.com/office/drawing/2014/main" id="{B8DE7D31-521E-49EF-B727-663067D0CD61}"/>
+              </a:ext>
+            </a:extLst>
+          </p:cNvPr>
+          <p:cNvPicPr>
+            <a:picLocks noChangeAspect="1"/>
+          </p:cNvPicPr>
+          <p:nvPr/>
+        </p:nvPicPr>
+        <p:blipFill>
+          <a:blip r:embed="rId4">
+            <a:extLst>
+              <a:ext uri="{28A0092B-C50C-407E-A947-70E740481C1C}">
+                <a14:useLocalDpi xmlns:a14="http://schemas.microsoft.com/office/drawing/2010/main" val="0"/>
+              </a:ext>
+            </a:extLst>
+          </a:blip>
+          <a:stretch>
+            <a:fillRect/>
+          </a:stretch>
+        </p:blipFill>
+        <p:spPr>
+          <a:xfrm>
+            <a:off x="408781" y="1534515"/>
+            <a:ext cx="5687219" cy="2238687"/>
+          </a:xfrm>
+          <a:prstGeom prst="rect">
+            <a:avLst/>
+          </a:prstGeom>
+        </p:spPr>
+      </p:pic>
+    </p:spTree>
+    <p:extLst>
+      <p:ext uri="{BB962C8B-B14F-4D97-AF65-F5344CB8AC3E}">
+        <p14:creationId xmlns:p14="http://schemas.microsoft.com/office/powerpoint/2010/main" val="3500032761"/>
+      </p:ext>
+    </p:extLst>
+  </p:cSld>
+  <p:clrMapOvr>
+    <a:masterClrMapping/>
+  </p:clrMapOvr>
+  <p:timing>
+    <p:tnLst>
+      <p:par>
+        <p:cTn id="1" dur="indefinite" restart="never" nodeType="tmRoot">
+          <p:childTnLst>
+            <p:seq concurrent="1" nextAc="seek">
+              <p:cTn id="2" dur="indefinite" nodeType="mainSeq">
+                <p:childTnLst>
+                  <p:par>
+                    <p:cTn id="3" fill="hold">
+                      <p:stCondLst>
+                        <p:cond delay="indefinite"/>
+                      </p:stCondLst>
+                      <p:childTnLst>
+                        <p:par>
+                          <p:cTn id="4" fill="hold">
+                            <p:stCondLst>
+                              <p:cond delay="0"/>
+                            </p:stCondLst>
+                            <p:childTnLst>
+                              <p:par>
+                                <p:cTn id="5" presetID="10" presetClass="entr" presetSubtype="0" fill="hold" nodeType="clickEffect">
+                                  <p:stCondLst>
+                                    <p:cond delay="0"/>
+                                  </p:stCondLst>
+                                  <p:childTnLst>
+                                    <p:set>
+                                      <p:cBhvr>
+                                        <p:cTn id="6" dur="1" fill="hold">
+                                          <p:stCondLst>
+                                            <p:cond delay="0"/>
+                                          </p:stCondLst>
+                                        </p:cTn>
+                                        <p:tgtEl>
+                                          <p:spTgt spid="7"/>
+                                        </p:tgtEl>
+                                        <p:attrNameLst>
+                                          <p:attrName>style.visibility</p:attrName>
+                                        </p:attrNameLst>
+                                      </p:cBhvr>
+                                      <p:to>
+                                        <p:strVal val="visible"/>
+                                      </p:to>
+                                    </p:set>
+                                    <p:animEffect transition="in" filter="fade">
+                                      <p:cBhvr>
+                                        <p:cTn id="7" dur="500"/>
+                                        <p:tgtEl>
+                                          <p:spTgt spid="7"/>
+                                        </p:tgtEl>
+                                      </p:cBhvr>
+                                    </p:animEffect>
+                                  </p:childTnLst>
+                                </p:cTn>
+                              </p:par>
+                            </p:childTnLst>
+                          </p:cTn>
+                        </p:par>
+                      </p:childTnLst>
+                    </p:cTn>
+                  </p:par>
+                  <p:par>
+                    <p:cTn id="8" fill="hold">
+                      <p:stCondLst>
+                        <p:cond delay="indefinite"/>
+                      </p:stCondLst>
+                      <p:childTnLst>
+                        <p:par>
+                          <p:cTn id="9" fill="hold">
+                            <p:stCondLst>
+                              <p:cond delay="0"/>
+                            </p:stCondLst>
+                            <p:childTnLst>
+                              <p:par>
+                                <p:cTn id="10" presetID="10" presetClass="entr" presetSubtype="0" fill="hold" nodeType="clickEffect">
+                                  <p:stCondLst>
+                                    <p:cond delay="0"/>
+                                  </p:stCondLst>
+                                  <p:childTnLst>
+                                    <p:set>
+                                      <p:cBhvr>
+                                        <p:cTn id="11" dur="1" fill="hold">
+                                          <p:stCondLst>
+                                            <p:cond delay="0"/>
+                                          </p:stCondLst>
+                                        </p:cTn>
+                                        <p:tgtEl>
+                                          <p:spTgt spid="5"/>
+                                        </p:tgtEl>
+                                        <p:attrNameLst>
+                                          <p:attrName>style.visibility</p:attrName>
+                                        </p:attrNameLst>
+                                      </p:cBhvr>
+                                      <p:to>
+                                        <p:strVal val="visible"/>
+                                      </p:to>
+                                    </p:set>
+                                    <p:animEffect transition="in" filter="fade">
+                                      <p:cBhvr>
+                                        <p:cTn id="12" dur="500"/>
+                                        <p:tgtEl>
+                                          <p:spTgt spid="5"/>
+                                        </p:tgtEl>
+                                      </p:cBhvr>
+                                    </p:animEffect>
+                                  </p:childTnLst>
+                                </p:cTn>
+                              </p:par>
+                            </p:childTnLst>
+                          </p:cTn>
+                        </p:par>
+                      </p:childTnLst>
+                    </p:cTn>
+                  </p:par>
+                </p:childTnLst>
+              </p:cTn>
+              <p:prevCondLst>
+                <p:cond evt="onPrev" delay="0">
+                  <p:tgtEl>
+                    <p:sldTgt/>
+                  </p:tgtEl>
+                </p:cond>
+              </p:prevCondLst>
+              <p:nextCondLst>
+                <p:cond evt="onNext" delay="0">
+                  <p:tgtEl>
+                    <p:sldTgt/>
+                  </p:tgtEl>
+                </p:cond>
+              </p:nextCondLst>
+            </p:seq>
+          </p:childTnLst>
+        </p:cTn>
+      </p:par>
+    </p:tnLst>
+  </p:timing>
+</p:sld>
+</file>
+
+<file path=ppt/slides/slide6.xml><?xml version="1.0" encoding="utf-8"?>
+<p:sld xmlns:a="http://schemas.openxmlformats.org/drawingml/2006/main" xmlns:r="http://schemas.openxmlformats.org/officeDocument/2006/relationships" xmlns:p="http://schemas.openxmlformats.org/presentationml/2006/main">
+  <p:cSld>
+    <p:spTree>
+      <p:nvGrpSpPr>
+        <p:cNvPr id="1" name=""/>
+        <p:cNvGrpSpPr/>
+        <p:nvPr/>
+      </p:nvGrpSpPr>
+      <p:grpSpPr>
+        <a:xfrm>
+          <a:off x="0" y="0"/>
+          <a:ext cx="0" cy="0"/>
+          <a:chOff x="0" y="0"/>
+          <a:chExt cx="0" cy="0"/>
+        </a:xfrm>
+      </p:grpSpPr>
+      <p:sp>
+        <p:nvSpPr>
+          <p:cNvPr id="10" name="직사각형 9">
+            <a:extLst>
+              <a:ext uri="{FF2B5EF4-FFF2-40B4-BE49-F238E27FC236}">
+                <a16:creationId xmlns:a16="http://schemas.microsoft.com/office/drawing/2014/main" id="{72422AE4-B2BC-47F4-A55A-7923EBDB55ED}"/>
+              </a:ext>
+            </a:extLst>
+          </p:cNvPr>
+          <p:cNvSpPr/>
+          <p:nvPr/>
+        </p:nvSpPr>
+        <p:spPr>
+          <a:xfrm>
+            <a:off x="1586143" y="1020932"/>
+            <a:ext cx="9268287" cy="45719"/>
+          </a:xfrm>
+          <a:prstGeom prst="rect">
+            <a:avLst/>
+          </a:prstGeom>
+        </p:spPr>
+        <p:style>
+          <a:lnRef idx="2">
+            <a:schemeClr val="accent1">
+              <a:shade val="50000"/>
+            </a:schemeClr>
+          </a:lnRef>
+          <a:fillRef idx="1">
+            <a:schemeClr val="accent1"/>
+          </a:fillRef>
+          <a:effectRef idx="0">
+            <a:schemeClr val="accent1"/>
+          </a:effectRef>
+          <a:fontRef idx="minor">
+            <a:schemeClr val="lt1"/>
+          </a:fontRef>
+        </p:style>
+        <p:txBody>
+          <a:bodyPr rtlCol="0" anchor="ctr"/>
+          <a:lstStyle/>
+          <a:p>
+            <a:pPr algn="ctr"/>
+            <a:endParaRPr lang="ko-KR" altLang="en-US"/>
+          </a:p>
+        </p:txBody>
+      </p:sp>
+      <p:sp>
+        <p:nvSpPr>
+          <p:cNvPr id="11" name="직사각형 10">
+            <a:extLst>
+              <a:ext uri="{FF2B5EF4-FFF2-40B4-BE49-F238E27FC236}">
+                <a16:creationId xmlns:a16="http://schemas.microsoft.com/office/drawing/2014/main" id="{88C624B5-9431-4451-97AF-3F26F9D86089}"/>
+              </a:ext>
+            </a:extLst>
+          </p:cNvPr>
+          <p:cNvSpPr/>
+          <p:nvPr/>
+        </p:nvSpPr>
+        <p:spPr>
+          <a:xfrm flipV="1">
+            <a:off x="1586143" y="6174982"/>
+            <a:ext cx="9268287" cy="45719"/>
+          </a:xfrm>
+          <a:prstGeom prst="rect">
+            <a:avLst/>
+          </a:prstGeom>
+        </p:spPr>
+        <p:style>
+          <a:lnRef idx="2">
+            <a:schemeClr val="accent1">
+              <a:shade val="50000"/>
+            </a:schemeClr>
+          </a:lnRef>
+          <a:fillRef idx="1">
+            <a:schemeClr val="accent1"/>
+          </a:fillRef>
+          <a:effectRef idx="0">
+            <a:schemeClr val="accent1"/>
+          </a:effectRef>
+          <a:fontRef idx="minor">
+            <a:schemeClr val="lt1"/>
+          </a:fontRef>
+        </p:style>
+        <p:txBody>
+          <a:bodyPr rtlCol="0" anchor="ctr"/>
+          <a:lstStyle/>
+          <a:p>
+            <a:pPr algn="ctr"/>
+            <a:endParaRPr lang="ko-KR" altLang="en-US"/>
+          </a:p>
+        </p:txBody>
+      </p:sp>
+      <p:sp>
+        <p:nvSpPr>
+          <p:cNvPr id="9" name="TextBox 8">
+            <a:extLst>
+              <a:ext uri="{FF2B5EF4-FFF2-40B4-BE49-F238E27FC236}">
+                <a16:creationId xmlns:a16="http://schemas.microsoft.com/office/drawing/2014/main" id="{892C5DDA-40EE-4B50-9C05-6AFC7089F348}"/>
+              </a:ext>
+            </a:extLst>
+          </p:cNvPr>
+          <p:cNvSpPr txBox="1"/>
+          <p:nvPr/>
+        </p:nvSpPr>
+        <p:spPr>
+          <a:xfrm>
+            <a:off x="1704513" y="620822"/>
+            <a:ext cx="1784463" cy="400110"/>
+          </a:xfrm>
+          <a:prstGeom prst="rect">
+            <a:avLst/>
+          </a:prstGeom>
+          <a:noFill/>
+        </p:spPr>
+        <p:txBody>
+          <a:bodyPr wrap="none" rtlCol="0">
+            <a:spAutoFit/>
+          </a:bodyPr>
+          <a:lstStyle/>
+          <a:p>
+            <a:r>
+              <a:rPr lang="en-US" altLang="ko-KR" sz="2000" dirty="0"/>
+              <a:t>Hash : SHA-256</a:t>
+            </a:r>
+          </a:p>
+        </p:txBody>
+      </p:sp>
+      <p:sp>
+        <p:nvSpPr>
+          <p:cNvPr id="14" name="직사각형 13">
+            <a:extLst>
+              <a:ext uri="{FF2B5EF4-FFF2-40B4-BE49-F238E27FC236}">
+                <a16:creationId xmlns:a16="http://schemas.microsoft.com/office/drawing/2014/main" id="{D69E1E93-CEB0-48A9-8D6F-B4D8593D4264}"/>
+              </a:ext>
+            </a:extLst>
+          </p:cNvPr>
+          <p:cNvSpPr/>
+          <p:nvPr/>
+        </p:nvSpPr>
+        <p:spPr>
+          <a:xfrm>
+            <a:off x="2531444" y="5156548"/>
+            <a:ext cx="7218948" cy="369332"/>
+          </a:xfrm>
+          <a:prstGeom prst="rect">
+            <a:avLst/>
+          </a:prstGeom>
+        </p:spPr>
+        <p:txBody>
+          <a:bodyPr wrap="square">
+            <a:spAutoFit/>
+          </a:bodyPr>
+          <a:lstStyle/>
+          <a:p>
+            <a:r>
+              <a:rPr lang="ko-KR" altLang="en-US" dirty="0">
+                <a:solidFill>
+                  <a:srgbClr val="333333"/>
+                </a:solidFill>
+                <a:latin typeface="Source Serif Pro"/>
+              </a:rPr>
+              <a:t>어떤 입력 값에도 항상 고정된 길이의 해시 값</a:t>
+            </a:r>
+            <a:r>
+              <a:rPr lang="en-US" altLang="ko-KR" dirty="0">
+                <a:solidFill>
+                  <a:srgbClr val="333333"/>
+                </a:solidFill>
+                <a:latin typeface="Source Serif Pro"/>
+              </a:rPr>
+              <a:t>(Digest)</a:t>
+            </a:r>
+            <a:r>
+              <a:rPr lang="ko-KR" altLang="en-US" dirty="0">
+                <a:solidFill>
+                  <a:srgbClr val="333333"/>
+                </a:solidFill>
+                <a:latin typeface="Source Serif Pro"/>
+              </a:rPr>
+              <a:t>을 반환한다</a:t>
+            </a:r>
+            <a:r>
+              <a:rPr lang="en-US" altLang="ko-KR" dirty="0">
+                <a:solidFill>
+                  <a:srgbClr val="333333"/>
+                </a:solidFill>
+                <a:latin typeface="Source Serif Pro"/>
+              </a:rPr>
+              <a:t>.</a:t>
+            </a:r>
+          </a:p>
+        </p:txBody>
+      </p:sp>
+      <p:pic>
+        <p:nvPicPr>
+          <p:cNvPr id="3" name="그림 2">
+            <a:extLst>
+              <a:ext uri="{FF2B5EF4-FFF2-40B4-BE49-F238E27FC236}">
+                <a16:creationId xmlns:a16="http://schemas.microsoft.com/office/drawing/2014/main" id="{8B4BD6FD-80FC-435A-B0AB-B664EB310758}"/>
+              </a:ext>
+            </a:extLst>
+          </p:cNvPr>
+          <p:cNvPicPr>
+            <a:picLocks noChangeAspect="1"/>
+          </p:cNvPicPr>
+          <p:nvPr/>
+        </p:nvPicPr>
+        <p:blipFill>
+          <a:blip r:embed="rId3">
+            <a:extLst>
+              <a:ext uri="{28A0092B-C50C-407E-A947-70E740481C1C}">
+                <a14:useLocalDpi xmlns:a14="http://schemas.microsoft.com/office/drawing/2010/main" val="0"/>
+              </a:ext>
+            </a:extLst>
+          </a:blip>
+          <a:stretch>
+            <a:fillRect/>
+          </a:stretch>
+        </p:blipFill>
+        <p:spPr>
+          <a:xfrm>
+            <a:off x="287711" y="1643605"/>
+            <a:ext cx="5668166" cy="2238687"/>
+          </a:xfrm>
+          <a:prstGeom prst="rect">
+            <a:avLst/>
+          </a:prstGeom>
+        </p:spPr>
+      </p:pic>
+      <p:pic>
+        <p:nvPicPr>
+          <p:cNvPr id="6" name="그림 5">
+            <a:extLst>
+              <a:ext uri="{FF2B5EF4-FFF2-40B4-BE49-F238E27FC236}">
+                <a16:creationId xmlns:a16="http://schemas.microsoft.com/office/drawing/2014/main" id="{9BEA3937-2C46-432A-B683-82FFEE5250A7}"/>
+              </a:ext>
+            </a:extLst>
+          </p:cNvPr>
+          <p:cNvPicPr>
+            <a:picLocks noChangeAspect="1"/>
+          </p:cNvPicPr>
+          <p:nvPr/>
+        </p:nvPicPr>
+        <p:blipFill>
+          <a:blip r:embed="rId4">
+            <a:extLst>
+              <a:ext uri="{28A0092B-C50C-407E-A947-70E740481C1C}">
+                <a14:useLocalDpi xmlns:a14="http://schemas.microsoft.com/office/drawing/2010/main" val="0"/>
+              </a:ext>
+            </a:extLst>
+          </a:blip>
+          <a:stretch>
+            <a:fillRect/>
+          </a:stretch>
+        </p:blipFill>
+        <p:spPr>
+          <a:xfrm>
+            <a:off x="5955877" y="1643605"/>
+            <a:ext cx="5687219" cy="2562583"/>
+          </a:xfrm>
+          <a:prstGeom prst="rect">
+            <a:avLst/>
+          </a:prstGeom>
+        </p:spPr>
+      </p:pic>
+    </p:spTree>
+    <p:extLst>
+      <p:ext uri="{BB962C8B-B14F-4D97-AF65-F5344CB8AC3E}">
+        <p14:creationId xmlns:p14="http://schemas.microsoft.com/office/powerpoint/2010/main" val="1423765880"/>
+      </p:ext>
+    </p:extLst>
+  </p:cSld>
+  <p:clrMapOvr>
+    <a:masterClrMapping/>
+  </p:clrMapOvr>
+  <p:timing>
+    <p:tnLst>
+      <p:par>
+        <p:cTn id="1" dur="indefinite" restart="never" nodeType="tmRoot">
+          <p:childTnLst>
+            <p:seq concurrent="1" nextAc="seek">
+              <p:cTn id="2" dur="indefinite" nodeType="mainSeq">
+                <p:childTnLst>
+                  <p:par>
+                    <p:cTn id="3" fill="hold">
+                      <p:stCondLst>
+                        <p:cond delay="indefinite"/>
+                      </p:stCondLst>
+                      <p:childTnLst>
+                        <p:par>
+                          <p:cTn id="4" fill="hold">
+                            <p:stCondLst>
+                              <p:cond delay="0"/>
+                            </p:stCondLst>
+                            <p:childTnLst>
+                              <p:par>
+                                <p:cTn id="5" presetID="10" presetClass="entr" presetSubtype="0" fill="hold" nodeType="clickEffect">
+                                  <p:stCondLst>
+                                    <p:cond delay="0"/>
+                                  </p:stCondLst>
+                                  <p:childTnLst>
+                                    <p:set>
+                                      <p:cBhvr>
+                                        <p:cTn id="6" dur="1" fill="hold">
+                                          <p:stCondLst>
+                                            <p:cond delay="0"/>
+                                          </p:stCondLst>
+                                        </p:cTn>
+                                        <p:tgtEl>
+                                          <p:spTgt spid="6"/>
+                                        </p:tgtEl>
+                                        <p:attrNameLst>
+                                          <p:attrName>style.visibility</p:attrName>
+                                        </p:attrNameLst>
+                                      </p:cBhvr>
+                                      <p:to>
+                                        <p:strVal val="visible"/>
+                                      </p:to>
+                                    </p:set>
+                                    <p:animEffect transition="in" filter="fade">
+                                      <p:cBhvr>
+                                        <p:cTn id="7" dur="500"/>
+                                        <p:tgtEl>
+                                          <p:spTgt spid="6"/>
+                                        </p:tgtEl>
+                                      </p:cBhvr>
+                                    </p:animEffect>
+                                  </p:childTnLst>
+                                </p:cTn>
+                              </p:par>
+                              <p:par>
+                                <p:cTn id="8" presetID="10" presetClass="entr" presetSubtype="0" fill="hold" nodeType="withEffect">
+                                  <p:stCondLst>
+                                    <p:cond delay="0"/>
+                                  </p:stCondLst>
+                                  <p:childTnLst>
+                                    <p:set>
+                                      <p:cBhvr>
+                                        <p:cTn id="9" dur="1" fill="hold">
+                                          <p:stCondLst>
+                                            <p:cond delay="0"/>
+                                          </p:stCondLst>
+                                        </p:cTn>
+                                        <p:tgtEl>
+                                          <p:spTgt spid="3"/>
+                                        </p:tgtEl>
+                                        <p:attrNameLst>
+                                          <p:attrName>style.visibility</p:attrName>
+                                        </p:attrNameLst>
+                                      </p:cBhvr>
+                                      <p:to>
+                                        <p:strVal val="visible"/>
+                                      </p:to>
+                                    </p:set>
+                                    <p:animEffect transition="in" filter="fade">
+                                      <p:cBhvr>
+                                        <p:cTn id="10" dur="500"/>
+                                        <p:tgtEl>
+                                          <p:spTgt spid="3"/>
+                                        </p:tgtEl>
+                                      </p:cBhvr>
+                                    </p:animEffect>
+                                  </p:childTnLst>
+                                </p:cTn>
+                              </p:par>
+                            </p:childTnLst>
+                          </p:cTn>
+                        </p:par>
+                      </p:childTnLst>
+                    </p:cTn>
+                  </p:par>
+                  <p:par>
+                    <p:cTn id="11" fill="hold">
+                      <p:stCondLst>
+                        <p:cond delay="indefinite"/>
+                      </p:stCondLst>
+                      <p:childTnLst>
+                        <p:par>
+                          <p:cTn id="12" fill="hold">
+                            <p:stCondLst>
+                              <p:cond delay="0"/>
+                            </p:stCondLst>
+                            <p:childTnLst>
+                              <p:par>
+                                <p:cTn id="13" presetID="10" presetClass="entr" presetSubtype="0" fill="hold" grpId="0" nodeType="clickEffect">
+                                  <p:stCondLst>
+                                    <p:cond delay="0"/>
+                                  </p:stCondLst>
+                                  <p:childTnLst>
+                                    <p:set>
+                                      <p:cBhvr>
+                                        <p:cTn id="14" dur="1" fill="hold">
+                                          <p:stCondLst>
+                                            <p:cond delay="0"/>
+                                          </p:stCondLst>
+                                        </p:cTn>
+                                        <p:tgtEl>
+                                          <p:spTgt spid="14"/>
+                                        </p:tgtEl>
+                                        <p:attrNameLst>
+                                          <p:attrName>style.visibility</p:attrName>
+                                        </p:attrNameLst>
+                                      </p:cBhvr>
+                                      <p:to>
+                                        <p:strVal val="visible"/>
+                                      </p:to>
+                                    </p:set>
+                                    <p:animEffect transition="in" filter="fade">
+                                      <p:cBhvr>
+                                        <p:cTn id="15" dur="500"/>
+                                        <p:tgtEl>
+                                          <p:spTgt spid="14"/>
+                                        </p:tgtEl>
+                                      </p:cBhvr>
+                                    </p:animEffect>
+                                  </p:childTnLst>
+                                </p:cTn>
+                              </p:par>
+                            </p:childTnLst>
+                          </p:cTn>
+                        </p:par>
+                      </p:childTnLst>
+                    </p:cTn>
+                  </p:par>
+                </p:childTnLst>
+              </p:cTn>
+              <p:prevCondLst>
+                <p:cond evt="onPrev" delay="0">
+                  <p:tgtEl>
+                    <p:sldTgt/>
+                  </p:tgtEl>
+                </p:cond>
+              </p:prevCondLst>
+              <p:nextCondLst>
+                <p:cond evt="onNext" delay="0">
+                  <p:tgtEl>
+                    <p:sldTgt/>
+                  </p:tgtEl>
+                </p:cond>
+              </p:nextCondLst>
+            </p:seq>
+          </p:childTnLst>
+        </p:cTn>
+      </p:par>
+    </p:tnLst>
+    <p:bldLst>
+      <p:bldP spid="14" grpId="0"/>
+    </p:bldLst>
+  </p:timing>
+</p:sld>
+</file>
+
+<file path=ppt/slides/slide7.xml><?xml version="1.0" encoding="utf-8"?>
+<p:sld xmlns:a="http://schemas.openxmlformats.org/drawingml/2006/main" xmlns:r="http://schemas.openxmlformats.org/officeDocument/2006/relationships" xmlns:p="http://schemas.openxmlformats.org/presentationml/2006/main">
+  <p:cSld>
+    <p:spTree>
+      <p:nvGrpSpPr>
+        <p:cNvPr id="1" name=""/>
+        <p:cNvGrpSpPr/>
+        <p:nvPr/>
+      </p:nvGrpSpPr>
+      <p:grpSpPr>
+        <a:xfrm>
+          <a:off x="0" y="0"/>
+          <a:ext cx="0" cy="0"/>
+          <a:chOff x="0" y="0"/>
+          <a:chExt cx="0" cy="0"/>
+        </a:xfrm>
+      </p:grpSpPr>
+      <p:sp>
+        <p:nvSpPr>
+          <p:cNvPr id="10" name="직사각형 9">
+            <a:extLst>
+              <a:ext uri="{FF2B5EF4-FFF2-40B4-BE49-F238E27FC236}">
+                <a16:creationId xmlns:a16="http://schemas.microsoft.com/office/drawing/2014/main" id="{72422AE4-B2BC-47F4-A55A-7923EBDB55ED}"/>
+              </a:ext>
+            </a:extLst>
+          </p:cNvPr>
+          <p:cNvSpPr/>
+          <p:nvPr/>
+        </p:nvSpPr>
+        <p:spPr>
+          <a:xfrm>
+            <a:off x="1586143" y="1020932"/>
+            <a:ext cx="9268287" cy="45719"/>
+          </a:xfrm>
+          <a:prstGeom prst="rect">
+            <a:avLst/>
+          </a:prstGeom>
+        </p:spPr>
+        <p:style>
+          <a:lnRef idx="2">
+            <a:schemeClr val="accent1">
+              <a:shade val="50000"/>
+            </a:schemeClr>
+          </a:lnRef>
+          <a:fillRef idx="1">
+            <a:schemeClr val="accent1"/>
+          </a:fillRef>
+          <a:effectRef idx="0">
+            <a:schemeClr val="accent1"/>
+          </a:effectRef>
+          <a:fontRef idx="minor">
+            <a:schemeClr val="lt1"/>
+          </a:fontRef>
+        </p:style>
+        <p:txBody>
+          <a:bodyPr rtlCol="0" anchor="ctr"/>
+          <a:lstStyle/>
+          <a:p>
+            <a:pPr algn="ctr"/>
+            <a:endParaRPr lang="ko-KR" altLang="en-US"/>
+          </a:p>
+        </p:txBody>
+      </p:sp>
+      <p:sp>
+        <p:nvSpPr>
+          <p:cNvPr id="11" name="직사각형 10">
+            <a:extLst>
+              <a:ext uri="{FF2B5EF4-FFF2-40B4-BE49-F238E27FC236}">
+                <a16:creationId xmlns:a16="http://schemas.microsoft.com/office/drawing/2014/main" id="{88C624B5-9431-4451-97AF-3F26F9D86089}"/>
+              </a:ext>
+            </a:extLst>
+          </p:cNvPr>
+          <p:cNvSpPr/>
+          <p:nvPr/>
+        </p:nvSpPr>
+        <p:spPr>
+          <a:xfrm flipV="1">
+            <a:off x="1586143" y="6174982"/>
+            <a:ext cx="9268287" cy="45719"/>
+          </a:xfrm>
+          <a:prstGeom prst="rect">
+            <a:avLst/>
+          </a:prstGeom>
+        </p:spPr>
+        <p:style>
+          <a:lnRef idx="2">
+            <a:schemeClr val="accent1">
+              <a:shade val="50000"/>
+            </a:schemeClr>
+          </a:lnRef>
+          <a:fillRef idx="1">
+            <a:schemeClr val="accent1"/>
+          </a:fillRef>
+          <a:effectRef idx="0">
+            <a:schemeClr val="accent1"/>
+          </a:effectRef>
+          <a:fontRef idx="minor">
+            <a:schemeClr val="lt1"/>
+          </a:fontRef>
+        </p:style>
+        <p:txBody>
+          <a:bodyPr rtlCol="0" anchor="ctr"/>
+          <a:lstStyle/>
+          <a:p>
+            <a:pPr algn="ctr"/>
+            <a:endParaRPr lang="ko-KR" altLang="en-US"/>
+          </a:p>
+        </p:txBody>
+      </p:sp>
+      <p:sp>
+        <p:nvSpPr>
+          <p:cNvPr id="9" name="TextBox 8">
+            <a:extLst>
+              <a:ext uri="{FF2B5EF4-FFF2-40B4-BE49-F238E27FC236}">
+                <a16:creationId xmlns:a16="http://schemas.microsoft.com/office/drawing/2014/main" id="{892C5DDA-40EE-4B50-9C05-6AFC7089F348}"/>
+              </a:ext>
+            </a:extLst>
+          </p:cNvPr>
+          <p:cNvSpPr txBox="1"/>
+          <p:nvPr/>
+        </p:nvSpPr>
+        <p:spPr>
+          <a:xfrm>
+            <a:off x="1704513" y="620822"/>
+            <a:ext cx="704039" cy="400110"/>
+          </a:xfrm>
+          <a:prstGeom prst="rect">
+            <a:avLst/>
+          </a:prstGeom>
+          <a:noFill/>
+        </p:spPr>
+        <p:txBody>
+          <a:bodyPr wrap="none" rtlCol="0">
+            <a:spAutoFit/>
+          </a:bodyPr>
+          <a:lstStyle/>
+          <a:p>
+            <a:r>
+              <a:rPr lang="en-US" altLang="ko-KR" sz="2000" dirty="0"/>
+              <a:t>Hash</a:t>
+            </a:r>
+          </a:p>
+        </p:txBody>
+      </p:sp>
+      <p:pic>
+        <p:nvPicPr>
+          <p:cNvPr id="4" name="그림 3">
+            <a:extLst>
+              <a:ext uri="{FF2B5EF4-FFF2-40B4-BE49-F238E27FC236}">
+                <a16:creationId xmlns:a16="http://schemas.microsoft.com/office/drawing/2014/main" id="{D551A6EA-9703-4943-98FD-9DACDD60903C}"/>
+              </a:ext>
+            </a:extLst>
+          </p:cNvPr>
+          <p:cNvPicPr>
+            <a:picLocks noChangeAspect="1"/>
+          </p:cNvPicPr>
+          <p:nvPr/>
+        </p:nvPicPr>
+        <p:blipFill>
+          <a:blip r:embed="rId3">
+            <a:extLst>
+              <a:ext uri="{28A0092B-C50C-407E-A947-70E740481C1C}">
+                <a14:useLocalDpi xmlns:a14="http://schemas.microsoft.com/office/drawing/2010/main" val="0"/>
+              </a:ext>
+            </a:extLst>
+          </a:blip>
+          <a:stretch>
+            <a:fillRect/>
+          </a:stretch>
+        </p:blipFill>
+        <p:spPr>
+          <a:xfrm>
+            <a:off x="3838575" y="2351015"/>
+            <a:ext cx="4514850" cy="2539603"/>
+          </a:xfrm>
+          <a:prstGeom prst="rect">
+            <a:avLst/>
+          </a:prstGeom>
+        </p:spPr>
+      </p:pic>
+    </p:spTree>
+    <p:extLst>
+      <p:ext uri="{BB962C8B-B14F-4D97-AF65-F5344CB8AC3E}">
+        <p14:creationId xmlns:p14="http://schemas.microsoft.com/office/powerpoint/2010/main" val="2561582972"/>
+      </p:ext>
+    </p:extLst>
+  </p:cSld>
+  <p:clrMapOvr>
+    <a:masterClrMapping/>
+  </p:clrMapOvr>
+</p:sld>
+</file>
+
+<file path=ppt/slides/slide8.xml><?xml version="1.0" encoding="utf-8"?>
+<p:sld xmlns:a="http://schemas.openxmlformats.org/drawingml/2006/main" xmlns:r="http://schemas.openxmlformats.org/officeDocument/2006/relationships" xmlns:p="http://schemas.openxmlformats.org/presentationml/2006/main">
+  <p:cSld>
+    <p:spTree>
+      <p:nvGrpSpPr>
+        <p:cNvPr id="1" name=""/>
+        <p:cNvGrpSpPr/>
+        <p:nvPr/>
+      </p:nvGrpSpPr>
+      <p:grpSpPr>
+        <a:xfrm>
+          <a:off x="0" y="0"/>
+          <a:ext cx="0" cy="0"/>
+          <a:chOff x="0" y="0"/>
+          <a:chExt cx="0" cy="0"/>
+        </a:xfrm>
+      </p:grpSpPr>
+      <p:sp>
+        <p:nvSpPr>
+          <p:cNvPr id="4" name="직사각형 3">
+            <a:extLst>
+              <a:ext uri="{FF2B5EF4-FFF2-40B4-BE49-F238E27FC236}">
+                <a16:creationId xmlns:a16="http://schemas.microsoft.com/office/drawing/2014/main" id="{3AA721D8-A463-4DF0-99AE-79EA37BB636E}"/>
+              </a:ext>
+            </a:extLst>
+          </p:cNvPr>
+          <p:cNvSpPr/>
+          <p:nvPr/>
+        </p:nvSpPr>
+        <p:spPr>
+          <a:xfrm>
+            <a:off x="2021305" y="2165684"/>
+            <a:ext cx="8643487" cy="2791327"/>
+          </a:xfrm>
+          <a:prstGeom prst="rect">
+            <a:avLst/>
+          </a:prstGeom>
+          <a:noFill/>
+          <a:ln w="28575"/>
+        </p:spPr>
+        <p:style>
+          <a:lnRef idx="2">
+            <a:schemeClr val="accent1">
+              <a:shade val="50000"/>
+            </a:schemeClr>
+          </a:lnRef>
+          <a:fillRef idx="1">
+            <a:schemeClr val="accent1"/>
+          </a:fillRef>
+          <a:effectRef idx="0">
+            <a:schemeClr val="accent1"/>
+          </a:effectRef>
+          <a:fontRef idx="minor">
+            <a:schemeClr val="lt1"/>
+          </a:fontRef>
+        </p:style>
+        <p:txBody>
+          <a:bodyPr rtlCol="0" anchor="ctr"/>
+          <a:lstStyle/>
+          <a:p>
+            <a:pPr algn="ctr"/>
+            <a:endParaRPr lang="ko-KR" altLang="en-US"/>
+          </a:p>
+        </p:txBody>
+      </p:sp>
+      <p:sp>
+        <p:nvSpPr>
+          <p:cNvPr id="10" name="직사각형 9">
+            <a:extLst>
+              <a:ext uri="{FF2B5EF4-FFF2-40B4-BE49-F238E27FC236}">
+                <a16:creationId xmlns:a16="http://schemas.microsoft.com/office/drawing/2014/main" id="{72422AE4-B2BC-47F4-A55A-7923EBDB55ED}"/>
+              </a:ext>
+            </a:extLst>
+          </p:cNvPr>
+          <p:cNvSpPr/>
+          <p:nvPr/>
+        </p:nvSpPr>
+        <p:spPr>
+          <a:xfrm>
+            <a:off x="1586143" y="1020932"/>
+            <a:ext cx="9268287" cy="45719"/>
+          </a:xfrm>
+          <a:prstGeom prst="rect">
+            <a:avLst/>
+          </a:prstGeom>
+        </p:spPr>
+        <p:style>
+          <a:lnRef idx="2">
+            <a:schemeClr val="accent1">
+              <a:shade val="50000"/>
+            </a:schemeClr>
+          </a:lnRef>
+          <a:fillRef idx="1">
+            <a:schemeClr val="accent1"/>
+          </a:fillRef>
+          <a:effectRef idx="0">
+            <a:schemeClr val="accent1"/>
+          </a:effectRef>
+          <a:fontRef idx="minor">
+            <a:schemeClr val="lt1"/>
+          </a:fontRef>
+        </p:style>
+        <p:txBody>
+          <a:bodyPr rtlCol="0" anchor="ctr"/>
+          <a:lstStyle/>
+          <a:p>
+            <a:pPr algn="ctr"/>
+            <a:endParaRPr lang="ko-KR" altLang="en-US"/>
+          </a:p>
+        </p:txBody>
+      </p:sp>
+      <p:sp>
+        <p:nvSpPr>
+          <p:cNvPr id="11" name="직사각형 10">
+            <a:extLst>
+              <a:ext uri="{FF2B5EF4-FFF2-40B4-BE49-F238E27FC236}">
+                <a16:creationId xmlns:a16="http://schemas.microsoft.com/office/drawing/2014/main" id="{88C624B5-9431-4451-97AF-3F26F9D86089}"/>
+              </a:ext>
+            </a:extLst>
+          </p:cNvPr>
+          <p:cNvSpPr/>
+          <p:nvPr/>
+        </p:nvSpPr>
+        <p:spPr>
+          <a:xfrm flipV="1">
+            <a:off x="1586143" y="6174982"/>
+            <a:ext cx="9268287" cy="45719"/>
+          </a:xfrm>
+          <a:prstGeom prst="rect">
+            <a:avLst/>
+          </a:prstGeom>
+        </p:spPr>
+        <p:style>
+          <a:lnRef idx="2">
+            <a:schemeClr val="accent1">
+              <a:shade val="50000"/>
+            </a:schemeClr>
+          </a:lnRef>
+          <a:fillRef idx="1">
+            <a:schemeClr val="accent1"/>
+          </a:fillRef>
+          <a:effectRef idx="0">
+            <a:schemeClr val="accent1"/>
+          </a:effectRef>
+          <a:fontRef idx="minor">
+            <a:schemeClr val="lt1"/>
+          </a:fontRef>
+        </p:style>
+        <p:txBody>
+          <a:bodyPr rtlCol="0" anchor="ctr"/>
+          <a:lstStyle/>
+          <a:p>
+            <a:pPr algn="ctr"/>
+            <a:endParaRPr lang="ko-KR" altLang="en-US"/>
+          </a:p>
+        </p:txBody>
+      </p:sp>
+      <p:sp>
+        <p:nvSpPr>
+          <p:cNvPr id="9" name="TextBox 8">
+            <a:extLst>
+              <a:ext uri="{FF2B5EF4-FFF2-40B4-BE49-F238E27FC236}">
+                <a16:creationId xmlns:a16="http://schemas.microsoft.com/office/drawing/2014/main" id="{892C5DDA-40EE-4B50-9C05-6AFC7089F348}"/>
+              </a:ext>
+            </a:extLst>
+          </p:cNvPr>
+          <p:cNvSpPr txBox="1"/>
+          <p:nvPr/>
+        </p:nvSpPr>
+        <p:spPr>
+          <a:xfrm>
+            <a:off x="1704513" y="620822"/>
+            <a:ext cx="1080745" cy="400110"/>
+          </a:xfrm>
+          <a:prstGeom prst="rect">
+            <a:avLst/>
+          </a:prstGeom>
+          <a:noFill/>
+        </p:spPr>
+        <p:txBody>
+          <a:bodyPr wrap="none" rtlCol="0">
+            <a:spAutoFit/>
+          </a:bodyPr>
+          <a:lstStyle/>
+          <a:p>
+            <a:r>
+              <a:rPr lang="en-US" altLang="ko-KR" sz="2000" dirty="0"/>
+              <a:t>SHA-256</a:t>
+            </a:r>
+          </a:p>
+        </p:txBody>
+      </p:sp>
+      <p:sp>
+        <p:nvSpPr>
+          <p:cNvPr id="14" name="직사각형 13">
+            <a:extLst>
+              <a:ext uri="{FF2B5EF4-FFF2-40B4-BE49-F238E27FC236}">
+                <a16:creationId xmlns:a16="http://schemas.microsoft.com/office/drawing/2014/main" id="{D69E1E93-CEB0-48A9-8D6F-B4D8593D4264}"/>
+              </a:ext>
+            </a:extLst>
+          </p:cNvPr>
+          <p:cNvSpPr/>
+          <p:nvPr/>
+        </p:nvSpPr>
+        <p:spPr>
+          <a:xfrm>
+            <a:off x="2714325" y="1306304"/>
+            <a:ext cx="7045692" cy="369332"/>
+          </a:xfrm>
+          <a:prstGeom prst="rect">
+            <a:avLst/>
+          </a:prstGeom>
+        </p:spPr>
+        <p:txBody>
+          <a:bodyPr wrap="square">
+            <a:spAutoFit/>
+          </a:bodyPr>
+          <a:lstStyle/>
+          <a:p>
+            <a:pPr algn="ctr"/>
+            <a:r>
+              <a:rPr lang="en-US" altLang="ko-KR" dirty="0">
+                <a:solidFill>
+                  <a:srgbClr val="333333"/>
+                </a:solidFill>
+                <a:latin typeface="Source Serif Pro"/>
+              </a:rPr>
+              <a:t>SHA-256</a:t>
+            </a:r>
+            <a:r>
+              <a:rPr lang="ko-KR" altLang="en-US" dirty="0">
+                <a:solidFill>
+                  <a:srgbClr val="333333"/>
+                </a:solidFill>
+                <a:latin typeface="Source Serif Pro"/>
+              </a:rPr>
+              <a:t>에서는 </a:t>
+            </a:r>
+            <a:r>
+              <a:rPr lang="en-US" altLang="ko-KR" dirty="0">
+                <a:solidFill>
+                  <a:srgbClr val="333333"/>
+                </a:solidFill>
+                <a:latin typeface="Source Serif Pro"/>
+              </a:rPr>
+              <a:t>512bit </a:t>
+            </a:r>
+            <a:r>
+              <a:rPr lang="ko-KR" altLang="en-US" dirty="0">
+                <a:solidFill>
+                  <a:srgbClr val="333333"/>
+                </a:solidFill>
+                <a:latin typeface="Source Serif Pro"/>
+              </a:rPr>
+              <a:t>가 </a:t>
+            </a:r>
+            <a:r>
+              <a:rPr lang="en-US" altLang="ko-KR" dirty="0">
+                <a:solidFill>
+                  <a:srgbClr val="333333"/>
+                </a:solidFill>
+                <a:latin typeface="Source Serif Pro"/>
+              </a:rPr>
+              <a:t>1</a:t>
+            </a:r>
+            <a:r>
+              <a:rPr lang="ko-KR" altLang="en-US" dirty="0">
+                <a:solidFill>
+                  <a:srgbClr val="333333"/>
+                </a:solidFill>
+                <a:latin typeface="Source Serif Pro"/>
+              </a:rPr>
+              <a:t>개의 패딩 메시지</a:t>
+            </a:r>
+            <a:r>
+              <a:rPr lang="en-US" altLang="ko-KR" dirty="0">
+                <a:solidFill>
+                  <a:srgbClr val="333333"/>
+                </a:solidFill>
+                <a:latin typeface="Source Serif Pro"/>
+              </a:rPr>
+              <a:t>(</a:t>
+            </a:r>
+            <a:r>
+              <a:rPr lang="ko-KR" altLang="en-US" dirty="0">
+                <a:solidFill>
+                  <a:srgbClr val="333333"/>
+                </a:solidFill>
+                <a:latin typeface="Source Serif Pro"/>
+              </a:rPr>
+              <a:t>블록</a:t>
+            </a:r>
+            <a:r>
+              <a:rPr lang="en-US" altLang="ko-KR" dirty="0">
+                <a:solidFill>
+                  <a:srgbClr val="333333"/>
+                </a:solidFill>
+                <a:latin typeface="Source Serif Pro"/>
+              </a:rPr>
+              <a:t>)</a:t>
+            </a:r>
+          </a:p>
+        </p:txBody>
+      </p:sp>
+      <p:sp>
+        <p:nvSpPr>
+          <p:cNvPr id="2" name="직사각형 1">
+            <a:extLst>
+              <a:ext uri="{FF2B5EF4-FFF2-40B4-BE49-F238E27FC236}">
+                <a16:creationId xmlns:a16="http://schemas.microsoft.com/office/drawing/2014/main" id="{5FB7C4F5-7C3D-4482-B3ED-41D6D954CE9A}"/>
+              </a:ext>
+            </a:extLst>
+          </p:cNvPr>
+          <p:cNvSpPr/>
+          <p:nvPr/>
+        </p:nvSpPr>
+        <p:spPr>
+          <a:xfrm>
+            <a:off x="3154975" y="2306392"/>
+            <a:ext cx="1120820" cy="369332"/>
+          </a:xfrm>
+          <a:prstGeom prst="rect">
+            <a:avLst/>
+          </a:prstGeom>
+        </p:spPr>
+        <p:txBody>
+          <a:bodyPr wrap="square">
+            <a:spAutoFit/>
+          </a:bodyPr>
+          <a:lstStyle/>
+          <a:p>
+            <a:r>
+              <a:rPr lang="en-US" altLang="ko-KR" dirty="0"/>
+              <a:t>01101101</a:t>
+            </a:r>
+            <a:endParaRPr lang="ko-KR" altLang="en-US" dirty="0"/>
+          </a:p>
+        </p:txBody>
+      </p:sp>
+      <p:sp>
+        <p:nvSpPr>
+          <p:cNvPr id="12" name="직사각형 11">
+            <a:extLst>
+              <a:ext uri="{FF2B5EF4-FFF2-40B4-BE49-F238E27FC236}">
+                <a16:creationId xmlns:a16="http://schemas.microsoft.com/office/drawing/2014/main" id="{B345227A-8628-46D2-ACE1-237B2F812EE8}"/>
+              </a:ext>
+            </a:extLst>
+          </p:cNvPr>
+          <p:cNvSpPr/>
+          <p:nvPr/>
+        </p:nvSpPr>
+        <p:spPr>
+          <a:xfrm>
+            <a:off x="3395198" y="2707724"/>
+            <a:ext cx="640373" cy="369332"/>
+          </a:xfrm>
+          <a:prstGeom prst="rect">
+            <a:avLst/>
+          </a:prstGeom>
+        </p:spPr>
+        <p:txBody>
+          <a:bodyPr wrap="square">
+            <a:spAutoFit/>
+          </a:bodyPr>
+          <a:lstStyle/>
+          <a:p>
+            <a:pPr algn="ctr"/>
+            <a:r>
+              <a:rPr lang="en-US" altLang="ko-KR" dirty="0"/>
+              <a:t>“m”</a:t>
+            </a:r>
+            <a:endParaRPr lang="ko-KR" altLang="en-US" dirty="0"/>
+          </a:p>
+        </p:txBody>
+      </p:sp>
+      <p:sp>
+        <p:nvSpPr>
+          <p:cNvPr id="7" name="왼쪽 대괄호 6">
+            <a:extLst>
+              <a:ext uri="{FF2B5EF4-FFF2-40B4-BE49-F238E27FC236}">
+                <a16:creationId xmlns:a16="http://schemas.microsoft.com/office/drawing/2014/main" id="{336B2445-9730-4C85-B509-46B785D0E3BF}"/>
+              </a:ext>
+            </a:extLst>
+          </p:cNvPr>
+          <p:cNvSpPr/>
+          <p:nvPr/>
+        </p:nvSpPr>
+        <p:spPr>
+          <a:xfrm rot="16200000">
+            <a:off x="3656200" y="2239696"/>
+            <a:ext cx="118370" cy="936058"/>
+          </a:xfrm>
+          <a:prstGeom prst="leftBracket">
+            <a:avLst/>
+          </a:prstGeom>
+        </p:spPr>
+        <p:style>
+          <a:lnRef idx="1">
+            <a:schemeClr val="accent1"/>
+          </a:lnRef>
+          <a:fillRef idx="0">
+            <a:schemeClr val="accent1"/>
+          </a:fillRef>
+          <a:effectRef idx="0">
+            <a:schemeClr val="accent1"/>
+          </a:effectRef>
+          <a:fontRef idx="minor">
+            <a:schemeClr val="tx1"/>
+          </a:fontRef>
+        </p:style>
+        <p:txBody>
+          <a:bodyPr rtlCol="0" anchor="ctr"/>
+          <a:lstStyle/>
+          <a:p>
+            <a:pPr algn="ctr"/>
+            <a:endParaRPr lang="ko-KR" altLang="en-US"/>
+          </a:p>
+        </p:txBody>
+      </p:sp>
+      <p:sp>
+        <p:nvSpPr>
+          <p:cNvPr id="13" name="직사각형 12">
+            <a:extLst>
+              <a:ext uri="{FF2B5EF4-FFF2-40B4-BE49-F238E27FC236}">
+                <a16:creationId xmlns:a16="http://schemas.microsoft.com/office/drawing/2014/main" id="{1C9A11AD-5A5E-451F-8532-87F81872422A}"/>
+              </a:ext>
+            </a:extLst>
+          </p:cNvPr>
+          <p:cNvSpPr/>
+          <p:nvPr/>
+        </p:nvSpPr>
+        <p:spPr>
+          <a:xfrm>
+            <a:off x="4549034" y="2306392"/>
+            <a:ext cx="1120820" cy="369332"/>
+          </a:xfrm>
+          <a:prstGeom prst="rect">
+            <a:avLst/>
+          </a:prstGeom>
+        </p:spPr>
+        <p:txBody>
+          <a:bodyPr wrap="square">
+            <a:spAutoFit/>
+          </a:bodyPr>
+          <a:lstStyle/>
+          <a:p>
+            <a:r>
+              <a:rPr lang="en-US" altLang="ko-KR"/>
+              <a:t>0</a:t>
+            </a:r>
+            <a:r>
+              <a:rPr lang="en-US" altLang="ko-KR" dirty="0"/>
+              <a:t>1101111</a:t>
+            </a:r>
+            <a:endParaRPr lang="ko-KR" altLang="en-US" dirty="0"/>
+          </a:p>
+        </p:txBody>
+      </p:sp>
+      <p:sp>
+        <p:nvSpPr>
+          <p:cNvPr id="15" name="직사각형 14">
+            <a:extLst>
+              <a:ext uri="{FF2B5EF4-FFF2-40B4-BE49-F238E27FC236}">
+                <a16:creationId xmlns:a16="http://schemas.microsoft.com/office/drawing/2014/main" id="{5830C122-39D9-4AEF-AA6B-E82894C1F5A0}"/>
+              </a:ext>
+            </a:extLst>
+          </p:cNvPr>
+          <p:cNvSpPr/>
+          <p:nvPr/>
+        </p:nvSpPr>
+        <p:spPr>
+          <a:xfrm>
+            <a:off x="4789257" y="2707724"/>
+            <a:ext cx="640373" cy="369332"/>
+          </a:xfrm>
+          <a:prstGeom prst="rect">
+            <a:avLst/>
+          </a:prstGeom>
+        </p:spPr>
+        <p:txBody>
+          <a:bodyPr wrap="square">
+            <a:spAutoFit/>
+          </a:bodyPr>
+          <a:lstStyle/>
+          <a:p>
+            <a:pPr algn="ctr"/>
+            <a:r>
+              <a:rPr lang="en-US" altLang="ko-KR" dirty="0"/>
+              <a:t>“o”</a:t>
+            </a:r>
+            <a:endParaRPr lang="ko-KR" altLang="en-US" dirty="0"/>
+          </a:p>
+        </p:txBody>
+      </p:sp>
+      <p:sp>
+        <p:nvSpPr>
+          <p:cNvPr id="16" name="왼쪽 대괄호 15">
+            <a:extLst>
+              <a:ext uri="{FF2B5EF4-FFF2-40B4-BE49-F238E27FC236}">
+                <a16:creationId xmlns:a16="http://schemas.microsoft.com/office/drawing/2014/main" id="{58476CC4-0502-487E-B51F-0F3FB4D6F6E8}"/>
+              </a:ext>
+            </a:extLst>
+          </p:cNvPr>
+          <p:cNvSpPr/>
+          <p:nvPr/>
+        </p:nvSpPr>
+        <p:spPr>
+          <a:xfrm rot="16200000">
+            <a:off x="5050259" y="2239696"/>
+            <a:ext cx="118370" cy="936058"/>
+          </a:xfrm>
+          <a:prstGeom prst="leftBracket">
+            <a:avLst/>
+          </a:prstGeom>
+        </p:spPr>
+        <p:style>
+          <a:lnRef idx="1">
+            <a:schemeClr val="accent1"/>
+          </a:lnRef>
+          <a:fillRef idx="0">
+            <a:schemeClr val="accent1"/>
+          </a:fillRef>
+          <a:effectRef idx="0">
+            <a:schemeClr val="accent1"/>
+          </a:effectRef>
+          <a:fontRef idx="minor">
+            <a:schemeClr val="tx1"/>
+          </a:fontRef>
+        </p:style>
+        <p:txBody>
+          <a:bodyPr rtlCol="0" anchor="ctr"/>
+          <a:lstStyle/>
+          <a:p>
+            <a:pPr algn="ctr"/>
+            <a:endParaRPr lang="ko-KR" altLang="en-US"/>
+          </a:p>
+        </p:txBody>
+      </p:sp>
+      <p:sp>
+        <p:nvSpPr>
+          <p:cNvPr id="17" name="직사각형 16">
+            <a:extLst>
+              <a:ext uri="{FF2B5EF4-FFF2-40B4-BE49-F238E27FC236}">
+                <a16:creationId xmlns:a16="http://schemas.microsoft.com/office/drawing/2014/main" id="{AD7EE87C-C606-444E-AECD-3DC095390909}"/>
+              </a:ext>
+            </a:extLst>
+          </p:cNvPr>
+          <p:cNvSpPr/>
+          <p:nvPr/>
+        </p:nvSpPr>
+        <p:spPr>
+          <a:xfrm>
+            <a:off x="5851079" y="2306392"/>
+            <a:ext cx="1120820" cy="369332"/>
+          </a:xfrm>
+          <a:prstGeom prst="rect">
+            <a:avLst/>
+          </a:prstGeom>
+        </p:spPr>
+        <p:txBody>
+          <a:bodyPr wrap="square">
+            <a:spAutoFit/>
+          </a:bodyPr>
+          <a:lstStyle/>
+          <a:p>
+            <a:r>
+              <a:rPr lang="en-US" altLang="ko-KR"/>
+              <a:t>0</a:t>
+            </a:r>
+            <a:r>
+              <a:rPr lang="en-US" altLang="ko-KR" dirty="0"/>
+              <a:t>1100110</a:t>
+            </a:r>
+            <a:endParaRPr lang="ko-KR" altLang="en-US" dirty="0"/>
+          </a:p>
+        </p:txBody>
+      </p:sp>
+      <p:sp>
+        <p:nvSpPr>
+          <p:cNvPr id="18" name="직사각형 17">
+            <a:extLst>
+              <a:ext uri="{FF2B5EF4-FFF2-40B4-BE49-F238E27FC236}">
+                <a16:creationId xmlns:a16="http://schemas.microsoft.com/office/drawing/2014/main" id="{742C0EB6-DD96-4F00-BAA1-0C1E098A73D4}"/>
+              </a:ext>
+            </a:extLst>
+          </p:cNvPr>
+          <p:cNvSpPr/>
+          <p:nvPr/>
+        </p:nvSpPr>
+        <p:spPr>
+          <a:xfrm>
+            <a:off x="6091302" y="2707724"/>
+            <a:ext cx="640373" cy="369332"/>
+          </a:xfrm>
+          <a:prstGeom prst="rect">
+            <a:avLst/>
+          </a:prstGeom>
+        </p:spPr>
+        <p:txBody>
+          <a:bodyPr wrap="square">
+            <a:spAutoFit/>
+          </a:bodyPr>
+          <a:lstStyle/>
+          <a:p>
+            <a:pPr algn="ctr"/>
+            <a:r>
+              <a:rPr lang="en-US" altLang="ko-KR" dirty="0"/>
+              <a:t>“f”</a:t>
+            </a:r>
+            <a:endParaRPr lang="ko-KR" altLang="en-US" dirty="0"/>
+          </a:p>
+        </p:txBody>
+      </p:sp>
+      <p:sp>
+        <p:nvSpPr>
+          <p:cNvPr id="19" name="왼쪽 대괄호 18">
+            <a:extLst>
+              <a:ext uri="{FF2B5EF4-FFF2-40B4-BE49-F238E27FC236}">
+                <a16:creationId xmlns:a16="http://schemas.microsoft.com/office/drawing/2014/main" id="{0D8398CB-9AB7-4C70-83F6-1617B558DAB8}"/>
+              </a:ext>
+            </a:extLst>
+          </p:cNvPr>
+          <p:cNvSpPr/>
+          <p:nvPr/>
+        </p:nvSpPr>
+        <p:spPr>
+          <a:xfrm rot="16200000">
+            <a:off x="6352304" y="2239696"/>
+            <a:ext cx="118370" cy="936058"/>
+          </a:xfrm>
+          <a:prstGeom prst="leftBracket">
+            <a:avLst/>
+          </a:prstGeom>
+        </p:spPr>
+        <p:style>
+          <a:lnRef idx="1">
+            <a:schemeClr val="accent1"/>
+          </a:lnRef>
+          <a:fillRef idx="0">
+            <a:schemeClr val="accent1"/>
+          </a:fillRef>
+          <a:effectRef idx="0">
+            <a:schemeClr val="accent1"/>
+          </a:effectRef>
+          <a:fontRef idx="minor">
+            <a:schemeClr val="tx1"/>
+          </a:fontRef>
+        </p:style>
+        <p:txBody>
+          <a:bodyPr rtlCol="0" anchor="ctr"/>
+          <a:lstStyle/>
+          <a:p>
+            <a:pPr algn="ctr"/>
+            <a:endParaRPr lang="ko-KR" altLang="en-US"/>
+          </a:p>
+        </p:txBody>
+      </p:sp>
+      <p:sp>
+        <p:nvSpPr>
+          <p:cNvPr id="20" name="직사각형 19">
+            <a:extLst>
+              <a:ext uri="{FF2B5EF4-FFF2-40B4-BE49-F238E27FC236}">
+                <a16:creationId xmlns:a16="http://schemas.microsoft.com/office/drawing/2014/main" id="{CFE7214B-B541-4417-A3C5-5855E3C529B6}"/>
+              </a:ext>
+            </a:extLst>
+          </p:cNvPr>
+          <p:cNvSpPr/>
+          <p:nvPr/>
+        </p:nvSpPr>
+        <p:spPr>
+          <a:xfrm>
+            <a:off x="7245138" y="2306392"/>
+            <a:ext cx="1120820" cy="369332"/>
+          </a:xfrm>
+          <a:prstGeom prst="rect">
+            <a:avLst/>
+          </a:prstGeom>
+        </p:spPr>
+        <p:txBody>
+          <a:bodyPr wrap="square">
+            <a:spAutoFit/>
+          </a:bodyPr>
+          <a:lstStyle/>
+          <a:p>
+            <a:r>
+              <a:rPr lang="en-US" altLang="ko-KR"/>
+              <a:t>0</a:t>
+            </a:r>
+            <a:r>
+              <a:rPr lang="en-US" altLang="ko-KR" dirty="0"/>
+              <a:t>1100001</a:t>
+            </a:r>
+            <a:endParaRPr lang="ko-KR" altLang="en-US" dirty="0"/>
+          </a:p>
+        </p:txBody>
+      </p:sp>
+      <p:sp>
+        <p:nvSpPr>
+          <p:cNvPr id="21" name="직사각형 20">
+            <a:extLst>
+              <a:ext uri="{FF2B5EF4-FFF2-40B4-BE49-F238E27FC236}">
+                <a16:creationId xmlns:a16="http://schemas.microsoft.com/office/drawing/2014/main" id="{D9F22596-06E2-447D-B4F3-B6E1CB8F81B9}"/>
+              </a:ext>
+            </a:extLst>
+          </p:cNvPr>
+          <p:cNvSpPr/>
+          <p:nvPr/>
+        </p:nvSpPr>
+        <p:spPr>
+          <a:xfrm>
+            <a:off x="7485361" y="2707724"/>
+            <a:ext cx="640373" cy="369332"/>
+          </a:xfrm>
+          <a:prstGeom prst="rect">
+            <a:avLst/>
+          </a:prstGeom>
+        </p:spPr>
+        <p:txBody>
+          <a:bodyPr wrap="square">
+            <a:spAutoFit/>
+          </a:bodyPr>
+          <a:lstStyle/>
+          <a:p>
+            <a:pPr algn="ctr"/>
+            <a:r>
+              <a:rPr lang="en-US" altLang="ko-KR" dirty="0"/>
+              <a:t>“a”</a:t>
+            </a:r>
+            <a:endParaRPr lang="ko-KR" altLang="en-US" dirty="0"/>
+          </a:p>
+        </p:txBody>
+      </p:sp>
+      <p:sp>
+        <p:nvSpPr>
+          <p:cNvPr id="22" name="왼쪽 대괄호 21">
+            <a:extLst>
+              <a:ext uri="{FF2B5EF4-FFF2-40B4-BE49-F238E27FC236}">
+                <a16:creationId xmlns:a16="http://schemas.microsoft.com/office/drawing/2014/main" id="{BEFE4DF0-68E2-4633-8976-59B4D9387458}"/>
+              </a:ext>
+            </a:extLst>
+          </p:cNvPr>
+          <p:cNvSpPr/>
+          <p:nvPr/>
+        </p:nvSpPr>
+        <p:spPr>
+          <a:xfrm rot="16200000">
+            <a:off x="7746363" y="2239696"/>
+            <a:ext cx="118370" cy="936058"/>
+          </a:xfrm>
+          <a:prstGeom prst="leftBracket">
+            <a:avLst/>
+          </a:prstGeom>
+        </p:spPr>
+        <p:style>
+          <a:lnRef idx="1">
+            <a:schemeClr val="accent1"/>
+          </a:lnRef>
+          <a:fillRef idx="0">
+            <a:schemeClr val="accent1"/>
+          </a:fillRef>
+          <a:effectRef idx="0">
+            <a:schemeClr val="accent1"/>
+          </a:effectRef>
+          <a:fontRef idx="minor">
+            <a:schemeClr val="tx1"/>
+          </a:fontRef>
+        </p:style>
+        <p:txBody>
+          <a:bodyPr rtlCol="0" anchor="ctr"/>
+          <a:lstStyle/>
+          <a:p>
+            <a:pPr algn="ctr"/>
+            <a:endParaRPr lang="ko-KR" altLang="en-US"/>
+          </a:p>
+        </p:txBody>
+      </p:sp>
+      <p:sp>
+        <p:nvSpPr>
+          <p:cNvPr id="23" name="직사각형 22">
+            <a:extLst>
+              <a:ext uri="{FF2B5EF4-FFF2-40B4-BE49-F238E27FC236}">
+                <a16:creationId xmlns:a16="http://schemas.microsoft.com/office/drawing/2014/main" id="{07C9A3D0-D4E1-49F4-83A2-63041352D6B6}"/>
+              </a:ext>
+            </a:extLst>
+          </p:cNvPr>
+          <p:cNvSpPr/>
+          <p:nvPr/>
+        </p:nvSpPr>
+        <p:spPr>
+          <a:xfrm>
+            <a:off x="8639197" y="2306392"/>
+            <a:ext cx="1120820" cy="369332"/>
+          </a:xfrm>
+          <a:prstGeom prst="rect">
+            <a:avLst/>
+          </a:prstGeom>
+        </p:spPr>
+        <p:txBody>
+          <a:bodyPr wrap="square">
+            <a:spAutoFit/>
+          </a:bodyPr>
+          <a:lstStyle/>
+          <a:p>
+            <a:r>
+              <a:rPr lang="en-US" altLang="ko-KR" dirty="0"/>
+              <a:t>01110011</a:t>
+            </a:r>
+            <a:endParaRPr lang="ko-KR" altLang="en-US" dirty="0"/>
+          </a:p>
+        </p:txBody>
+      </p:sp>
+      <p:sp>
+        <p:nvSpPr>
+          <p:cNvPr id="24" name="직사각형 23">
+            <a:extLst>
+              <a:ext uri="{FF2B5EF4-FFF2-40B4-BE49-F238E27FC236}">
+                <a16:creationId xmlns:a16="http://schemas.microsoft.com/office/drawing/2014/main" id="{305F9F1C-9601-4E6C-AD78-D577CFA52639}"/>
+              </a:ext>
+            </a:extLst>
+          </p:cNvPr>
+          <p:cNvSpPr/>
+          <p:nvPr/>
+        </p:nvSpPr>
+        <p:spPr>
+          <a:xfrm>
+            <a:off x="8879420" y="2707724"/>
+            <a:ext cx="640373" cy="369332"/>
+          </a:xfrm>
+          <a:prstGeom prst="rect">
+            <a:avLst/>
+          </a:prstGeom>
+        </p:spPr>
+        <p:txBody>
+          <a:bodyPr wrap="square">
+            <a:spAutoFit/>
+          </a:bodyPr>
+          <a:lstStyle/>
+          <a:p>
+            <a:pPr algn="ctr"/>
+            <a:r>
+              <a:rPr lang="en-US" altLang="ko-KR" dirty="0"/>
+              <a:t>“s”</a:t>
+            </a:r>
+            <a:endParaRPr lang="ko-KR" altLang="en-US" dirty="0"/>
+          </a:p>
+        </p:txBody>
+      </p:sp>
+      <p:sp>
+        <p:nvSpPr>
+          <p:cNvPr id="25" name="왼쪽 대괄호 24">
+            <a:extLst>
+              <a:ext uri="{FF2B5EF4-FFF2-40B4-BE49-F238E27FC236}">
+                <a16:creationId xmlns:a16="http://schemas.microsoft.com/office/drawing/2014/main" id="{C50A89D2-3A11-4CD6-BF00-EA67AC08F5E9}"/>
+              </a:ext>
+            </a:extLst>
+          </p:cNvPr>
+          <p:cNvSpPr/>
+          <p:nvPr/>
+        </p:nvSpPr>
+        <p:spPr>
+          <a:xfrm rot="16200000">
+            <a:off x="9140422" y="2239696"/>
+            <a:ext cx="118370" cy="936058"/>
+          </a:xfrm>
+          <a:prstGeom prst="leftBracket">
+            <a:avLst/>
+          </a:prstGeom>
+        </p:spPr>
+        <p:style>
+          <a:lnRef idx="1">
+            <a:schemeClr val="accent1"/>
+          </a:lnRef>
+          <a:fillRef idx="0">
+            <a:schemeClr val="accent1"/>
+          </a:fillRef>
+          <a:effectRef idx="0">
+            <a:schemeClr val="accent1"/>
+          </a:effectRef>
+          <a:fontRef idx="minor">
+            <a:schemeClr val="tx1"/>
+          </a:fontRef>
+        </p:style>
+        <p:txBody>
+          <a:bodyPr rtlCol="0" anchor="ctr"/>
+          <a:lstStyle/>
+          <a:p>
+            <a:pPr algn="ctr"/>
+            <a:endParaRPr lang="ko-KR" altLang="en-US"/>
+          </a:p>
+        </p:txBody>
+      </p:sp>
+      <p:cxnSp>
+        <p:nvCxnSpPr>
+          <p:cNvPr id="35" name="연결선: 꺾임 34">
+            <a:extLst>
+              <a:ext uri="{FF2B5EF4-FFF2-40B4-BE49-F238E27FC236}">
+                <a16:creationId xmlns:a16="http://schemas.microsoft.com/office/drawing/2014/main" id="{1E2F57BE-7192-4629-8E15-FF59D3B10ACB}"/>
+              </a:ext>
+            </a:extLst>
+          </p:cNvPr>
+          <p:cNvCxnSpPr>
+            <a:cxnSpLocks/>
+            <a:stCxn id="23" idx="3"/>
+          </p:cNvCxnSpPr>
+          <p:nvPr/>
+        </p:nvCxnSpPr>
+        <p:spPr>
+          <a:xfrm flipH="1">
+            <a:off x="2528869" y="2491058"/>
+            <a:ext cx="7231148" cy="892897"/>
+          </a:xfrm>
+          <a:prstGeom prst="bentConnector3">
+            <a:avLst>
+              <a:gd name="adj1" fmla="val -3161"/>
+            </a:avLst>
+          </a:prstGeom>
+        </p:spPr>
+        <p:style>
+          <a:lnRef idx="1">
+            <a:schemeClr val="accent1"/>
+          </a:lnRef>
+          <a:fillRef idx="0">
+            <a:schemeClr val="accent1"/>
+          </a:fillRef>
+          <a:effectRef idx="0">
+            <a:schemeClr val="accent1"/>
+          </a:effectRef>
+          <a:fontRef idx="minor">
+            <a:schemeClr val="tx1"/>
+          </a:fontRef>
+        </p:style>
+      </p:cxnSp>
+      <p:cxnSp>
+        <p:nvCxnSpPr>
+          <p:cNvPr id="37" name="직선 연결선 36">
+            <a:extLst>
+              <a:ext uri="{FF2B5EF4-FFF2-40B4-BE49-F238E27FC236}">
+                <a16:creationId xmlns:a16="http://schemas.microsoft.com/office/drawing/2014/main" id="{AE12377A-F396-4A34-ADFC-BD55F4212446}"/>
+              </a:ext>
+            </a:extLst>
+          </p:cNvPr>
+          <p:cNvCxnSpPr/>
+          <p:nvPr/>
+        </p:nvCxnSpPr>
+        <p:spPr>
+          <a:xfrm>
+            <a:off x="2528869" y="3383955"/>
+            <a:ext cx="0" cy="800940"/>
+          </a:xfrm>
+          <a:prstGeom prst="line">
+            <a:avLst/>
+          </a:prstGeom>
+        </p:spPr>
+        <p:style>
+          <a:lnRef idx="1">
+            <a:schemeClr val="accent1"/>
+          </a:lnRef>
+          <a:fillRef idx="0">
+            <a:schemeClr val="accent1"/>
+          </a:fillRef>
+          <a:effectRef idx="0">
+            <a:schemeClr val="accent1"/>
+          </a:effectRef>
+          <a:fontRef idx="minor">
+            <a:schemeClr val="tx1"/>
+          </a:fontRef>
+        </p:style>
+      </p:cxnSp>
+      <p:cxnSp>
+        <p:nvCxnSpPr>
+          <p:cNvPr id="39" name="직선 화살표 연결선 38">
+            <a:extLst>
+              <a:ext uri="{FF2B5EF4-FFF2-40B4-BE49-F238E27FC236}">
+                <a16:creationId xmlns:a16="http://schemas.microsoft.com/office/drawing/2014/main" id="{49175ABC-1144-48F1-A7A8-7197D9E10241}"/>
+              </a:ext>
+            </a:extLst>
+          </p:cNvPr>
+          <p:cNvCxnSpPr>
+            <a:cxnSpLocks/>
+          </p:cNvCxnSpPr>
+          <p:nvPr/>
+        </p:nvCxnSpPr>
+        <p:spPr>
+          <a:xfrm>
+            <a:off x="2528869" y="4184895"/>
+            <a:ext cx="2471756" cy="0"/>
+          </a:xfrm>
+          <a:prstGeom prst="straightConnector1">
+            <a:avLst/>
+          </a:prstGeom>
+          <a:ln>
+            <a:tailEnd type="triangle"/>
+          </a:ln>
+        </p:spPr>
+        <p:style>
+          <a:lnRef idx="1">
+            <a:schemeClr val="accent1"/>
+          </a:lnRef>
+          <a:fillRef idx="0">
+            <a:schemeClr val="accent1"/>
+          </a:fillRef>
+          <a:effectRef idx="0">
+            <a:schemeClr val="accent1"/>
+          </a:effectRef>
+          <a:fontRef idx="minor">
+            <a:schemeClr val="tx1"/>
+          </a:fontRef>
+        </p:style>
+      </p:cxnSp>
+      <p:sp>
+        <p:nvSpPr>
+          <p:cNvPr id="42" name="직사각형 41">
+            <a:extLst>
+              <a:ext uri="{FF2B5EF4-FFF2-40B4-BE49-F238E27FC236}">
+                <a16:creationId xmlns:a16="http://schemas.microsoft.com/office/drawing/2014/main" id="{4C8BE542-8783-4590-836B-4B18ED91F1B3}"/>
+              </a:ext>
+            </a:extLst>
+          </p:cNvPr>
+          <p:cNvSpPr/>
+          <p:nvPr/>
+        </p:nvSpPr>
+        <p:spPr>
+          <a:xfrm>
+            <a:off x="4275796" y="3216676"/>
+            <a:ext cx="4242562" cy="369332"/>
+          </a:xfrm>
+          <a:prstGeom prst="rect">
+            <a:avLst/>
+          </a:prstGeom>
+        </p:spPr>
+        <p:style>
+          <a:lnRef idx="2">
+            <a:schemeClr val="accent1">
+              <a:shade val="50000"/>
+            </a:schemeClr>
+          </a:lnRef>
+          <a:fillRef idx="1">
+            <a:schemeClr val="accent1"/>
+          </a:fillRef>
+          <a:effectRef idx="0">
+            <a:schemeClr val="accent1"/>
+          </a:effectRef>
+          <a:fontRef idx="minor">
+            <a:schemeClr val="lt1"/>
+          </a:fontRef>
+        </p:style>
+        <p:txBody>
+          <a:bodyPr rtlCol="0" anchor="ctr"/>
+          <a:lstStyle/>
+          <a:p>
+            <a:pPr algn="ctr"/>
+            <a:r>
+              <a:rPr lang="ko-KR" altLang="en-US" sz="1400" dirty="0"/>
+              <a:t>패딩 메시지에 </a:t>
+            </a:r>
+            <a:r>
+              <a:rPr lang="en-US" altLang="ko-KR" sz="1400" dirty="0"/>
+              <a:t>2</a:t>
+            </a:r>
+            <a:r>
+              <a:rPr lang="ko-KR" altLang="en-US" sz="1400" dirty="0"/>
+              <a:t>진수</a:t>
+            </a:r>
+            <a:r>
+              <a:rPr lang="en-US" altLang="ko-KR" sz="1400" dirty="0"/>
+              <a:t>[</a:t>
+            </a:r>
+            <a:r>
+              <a:rPr lang="ko-KR" altLang="en-US" sz="1400" dirty="0"/>
+              <a:t> </a:t>
+            </a:r>
+            <a:r>
+              <a:rPr lang="en-US" altLang="ko-KR" sz="1400" dirty="0"/>
+              <a:t>1 ] </a:t>
+            </a:r>
+            <a:r>
+              <a:rPr lang="ko-KR" altLang="en-US" sz="1400" dirty="0"/>
+              <a:t>을 추가</a:t>
+            </a:r>
+            <a:r>
+              <a:rPr lang="en-US" altLang="ko-KR" sz="1400" dirty="0"/>
+              <a:t> (</a:t>
+            </a:r>
+            <a:r>
+              <a:rPr lang="ko-KR" altLang="en-US" sz="1400" dirty="0"/>
+              <a:t>메시지의 끝</a:t>
+            </a:r>
+            <a:r>
+              <a:rPr lang="en-US" altLang="ko-KR" sz="1400" dirty="0"/>
+              <a:t>)</a:t>
+            </a:r>
+            <a:endParaRPr lang="ko-KR" altLang="en-US" sz="1400" dirty="0"/>
+          </a:p>
+        </p:txBody>
+      </p:sp>
+      <p:sp>
+        <p:nvSpPr>
+          <p:cNvPr id="43" name="직사각형 42">
+            <a:extLst>
+              <a:ext uri="{FF2B5EF4-FFF2-40B4-BE49-F238E27FC236}">
+                <a16:creationId xmlns:a16="http://schemas.microsoft.com/office/drawing/2014/main" id="{3CA8AE54-25EF-432B-9877-AB9E6D2A028C}"/>
+              </a:ext>
+            </a:extLst>
+          </p:cNvPr>
+          <p:cNvSpPr/>
+          <p:nvPr/>
+        </p:nvSpPr>
+        <p:spPr>
+          <a:xfrm>
+            <a:off x="5224768" y="4051074"/>
+            <a:ext cx="2367034" cy="369332"/>
+          </a:xfrm>
+          <a:prstGeom prst="rect">
+            <a:avLst/>
+          </a:prstGeom>
+        </p:spPr>
+        <p:txBody>
+          <a:bodyPr wrap="square">
+            <a:spAutoFit/>
+          </a:bodyPr>
+          <a:lstStyle/>
+          <a:p>
+            <a:r>
+              <a:rPr lang="en-US" altLang="ko-KR" dirty="0"/>
+              <a:t>0000…00101000</a:t>
+            </a:r>
+            <a:endParaRPr lang="ko-KR" altLang="en-US" dirty="0"/>
+          </a:p>
+        </p:txBody>
+      </p:sp>
+      <p:sp>
+        <p:nvSpPr>
+          <p:cNvPr id="45" name="왼쪽 대괄호 44">
+            <a:extLst>
+              <a:ext uri="{FF2B5EF4-FFF2-40B4-BE49-F238E27FC236}">
+                <a16:creationId xmlns:a16="http://schemas.microsoft.com/office/drawing/2014/main" id="{FAC1869E-F6ED-43CE-BEB0-9F096CB5B8A0}"/>
+              </a:ext>
+            </a:extLst>
+          </p:cNvPr>
+          <p:cNvSpPr/>
+          <p:nvPr/>
+        </p:nvSpPr>
+        <p:spPr>
+          <a:xfrm rot="5400000">
+            <a:off x="5513059" y="3812936"/>
+            <a:ext cx="88628" cy="540554"/>
+          </a:xfrm>
+          <a:prstGeom prst="leftBracket">
+            <a:avLst/>
+          </a:prstGeom>
+        </p:spPr>
+        <p:style>
+          <a:lnRef idx="1">
+            <a:schemeClr val="accent1"/>
+          </a:lnRef>
+          <a:fillRef idx="0">
+            <a:schemeClr val="accent1"/>
+          </a:fillRef>
+          <a:effectRef idx="0">
+            <a:schemeClr val="accent1"/>
+          </a:effectRef>
+          <a:fontRef idx="minor">
+            <a:schemeClr val="tx1"/>
+          </a:fontRef>
+        </p:style>
+        <p:txBody>
+          <a:bodyPr rtlCol="0" anchor="ctr"/>
+          <a:lstStyle/>
+          <a:p>
+            <a:pPr algn="ctr"/>
+            <a:endParaRPr lang="ko-KR" altLang="en-US"/>
+          </a:p>
+        </p:txBody>
+      </p:sp>
+      <p:sp>
+        <p:nvSpPr>
+          <p:cNvPr id="48" name="왼쪽 대괄호 47">
+            <a:extLst>
+              <a:ext uri="{FF2B5EF4-FFF2-40B4-BE49-F238E27FC236}">
+                <a16:creationId xmlns:a16="http://schemas.microsoft.com/office/drawing/2014/main" id="{3265C43E-5FC0-4160-A1EA-938046F81322}"/>
+              </a:ext>
+            </a:extLst>
+          </p:cNvPr>
+          <p:cNvSpPr/>
+          <p:nvPr/>
+        </p:nvSpPr>
+        <p:spPr>
+          <a:xfrm rot="16200000">
+            <a:off x="6353792" y="3957962"/>
+            <a:ext cx="108987" cy="919658"/>
+          </a:xfrm>
+          <a:prstGeom prst="leftBracket">
+            <a:avLst/>
+          </a:prstGeom>
+        </p:spPr>
+        <p:style>
+          <a:lnRef idx="1">
+            <a:schemeClr val="accent1"/>
+          </a:lnRef>
+          <a:fillRef idx="0">
+            <a:schemeClr val="accent1"/>
+          </a:fillRef>
+          <a:effectRef idx="0">
+            <a:schemeClr val="accent1"/>
+          </a:effectRef>
+          <a:fontRef idx="minor">
+            <a:schemeClr val="tx1"/>
+          </a:fontRef>
+        </p:style>
+        <p:txBody>
+          <a:bodyPr rtlCol="0" anchor="ctr"/>
+          <a:lstStyle/>
+          <a:p>
+            <a:pPr algn="ctr"/>
+            <a:endParaRPr lang="ko-KR" altLang="en-US"/>
+          </a:p>
+        </p:txBody>
+      </p:sp>
+      <p:sp>
+        <p:nvSpPr>
+          <p:cNvPr id="49" name="직사각형 48">
+            <a:extLst>
+              <a:ext uri="{FF2B5EF4-FFF2-40B4-BE49-F238E27FC236}">
+                <a16:creationId xmlns:a16="http://schemas.microsoft.com/office/drawing/2014/main" id="{10D9E642-7F77-4DCA-ABB2-AB629B005292}"/>
+              </a:ext>
+            </a:extLst>
+          </p:cNvPr>
+          <p:cNvSpPr/>
+          <p:nvPr/>
+        </p:nvSpPr>
+        <p:spPr>
+          <a:xfrm>
+            <a:off x="5409531" y="4536026"/>
+            <a:ext cx="2058069" cy="307777"/>
+          </a:xfrm>
+          <a:prstGeom prst="rect">
+            <a:avLst/>
+          </a:prstGeom>
+        </p:spPr>
+        <p:txBody>
+          <a:bodyPr wrap="square">
+            <a:spAutoFit/>
+          </a:bodyPr>
+          <a:lstStyle/>
+          <a:p>
+            <a:pPr algn="ctr"/>
+            <a:r>
+              <a:rPr lang="ko-KR" altLang="en-US" sz="1400" dirty="0"/>
+              <a:t>메시지의 길이</a:t>
+            </a:r>
+            <a:r>
+              <a:rPr lang="en-US" altLang="ko-KR" sz="1400" dirty="0"/>
+              <a:t>(40bit)</a:t>
+            </a:r>
+            <a:endParaRPr lang="ko-KR" altLang="en-US" sz="1400" dirty="0"/>
+          </a:p>
+        </p:txBody>
+      </p:sp>
+      <p:sp>
+        <p:nvSpPr>
+          <p:cNvPr id="31" name="직사각형 30">
+            <a:extLst>
+              <a:ext uri="{FF2B5EF4-FFF2-40B4-BE49-F238E27FC236}">
+                <a16:creationId xmlns:a16="http://schemas.microsoft.com/office/drawing/2014/main" id="{0106E653-16B5-4B12-9865-AC946FBA7E6C}"/>
+              </a:ext>
+            </a:extLst>
+          </p:cNvPr>
+          <p:cNvSpPr/>
+          <p:nvPr/>
+        </p:nvSpPr>
+        <p:spPr>
+          <a:xfrm>
+            <a:off x="4394371" y="5388619"/>
+            <a:ext cx="3393862" cy="369332"/>
+          </a:xfrm>
+          <a:prstGeom prst="rect">
+            <a:avLst/>
+          </a:prstGeom>
+        </p:spPr>
+        <p:txBody>
+          <a:bodyPr wrap="square">
+            <a:spAutoFit/>
+          </a:bodyPr>
+          <a:lstStyle/>
+          <a:p>
+            <a:pPr algn="ctr"/>
+            <a:r>
+              <a:rPr lang="ko-KR" altLang="en-US" dirty="0">
+                <a:solidFill>
+                  <a:srgbClr val="333333"/>
+                </a:solidFill>
+                <a:latin typeface="Source Serif Pro"/>
+              </a:rPr>
+              <a:t>이 영역이 </a:t>
+            </a:r>
+            <a:r>
+              <a:rPr lang="en-US" altLang="ko-KR" dirty="0">
+                <a:solidFill>
+                  <a:srgbClr val="333333"/>
+                </a:solidFill>
+                <a:latin typeface="Source Serif Pro"/>
+              </a:rPr>
+              <a:t>1</a:t>
+            </a:r>
+            <a:r>
+              <a:rPr lang="ko-KR" altLang="en-US" dirty="0">
+                <a:solidFill>
+                  <a:srgbClr val="333333"/>
+                </a:solidFill>
+                <a:latin typeface="Source Serif Pro"/>
+              </a:rPr>
+              <a:t>개의 블록이다</a:t>
+            </a:r>
+            <a:r>
+              <a:rPr lang="en-US" altLang="ko-KR" dirty="0">
+                <a:solidFill>
+                  <a:srgbClr val="333333"/>
+                </a:solidFill>
+                <a:latin typeface="Source Serif Pro"/>
+              </a:rPr>
+              <a:t>.</a:t>
+            </a:r>
+          </a:p>
+        </p:txBody>
+      </p:sp>
+      <p:sp>
+        <p:nvSpPr>
+          <p:cNvPr id="5" name="직사각형 4">
+            <a:extLst>
+              <a:ext uri="{FF2B5EF4-FFF2-40B4-BE49-F238E27FC236}">
+                <a16:creationId xmlns:a16="http://schemas.microsoft.com/office/drawing/2014/main" id="{0076C989-30BB-44B4-87E5-2ED57A60354C}"/>
+              </a:ext>
+            </a:extLst>
+          </p:cNvPr>
+          <p:cNvSpPr/>
+          <p:nvPr/>
+        </p:nvSpPr>
+        <p:spPr>
+          <a:xfrm>
+            <a:off x="3801889" y="1599605"/>
+            <a:ext cx="4870564" cy="462627"/>
+          </a:xfrm>
+          <a:prstGeom prst="rect">
+            <a:avLst/>
+          </a:prstGeom>
+        </p:spPr>
+        <p:txBody>
+          <a:bodyPr wrap="none">
+            <a:spAutoFit/>
+          </a:bodyPr>
+          <a:lstStyle/>
+          <a:p>
+            <a:pPr algn="ctr">
+              <a:lnSpc>
+                <a:spcPct val="150000"/>
+              </a:lnSpc>
+            </a:pPr>
+            <a:r>
+              <a:rPr lang="en-US" altLang="ko-KR" dirty="0">
+                <a:solidFill>
+                  <a:srgbClr val="333333"/>
+                </a:solidFill>
+                <a:latin typeface="Source Serif Pro"/>
+              </a:rPr>
+              <a:t>=&gt; </a:t>
+            </a:r>
+            <a:r>
+              <a:rPr lang="ko-KR" altLang="en-US" dirty="0">
+                <a:solidFill>
+                  <a:srgbClr val="333333"/>
+                </a:solidFill>
+                <a:latin typeface="Source Serif Pro"/>
+              </a:rPr>
+              <a:t>만약 </a:t>
+            </a:r>
+            <a:r>
+              <a:rPr lang="en-US" altLang="ko-KR" dirty="0">
+                <a:solidFill>
+                  <a:srgbClr val="333333"/>
+                </a:solidFill>
+                <a:latin typeface="Source Serif Pro"/>
+              </a:rPr>
+              <a:t>“</a:t>
+            </a:r>
+            <a:r>
+              <a:rPr lang="en-US" altLang="ko-KR" dirty="0" err="1">
+                <a:solidFill>
+                  <a:srgbClr val="333333"/>
+                </a:solidFill>
+                <a:latin typeface="Source Serif Pro"/>
+              </a:rPr>
+              <a:t>mofas</a:t>
+            </a:r>
+            <a:r>
+              <a:rPr lang="en-US" altLang="ko-KR" dirty="0">
+                <a:solidFill>
+                  <a:srgbClr val="333333"/>
+                </a:solidFill>
+                <a:latin typeface="Source Serif Pro"/>
+              </a:rPr>
+              <a:t>” </a:t>
+            </a:r>
+            <a:r>
+              <a:rPr lang="ko-KR" altLang="en-US" dirty="0">
+                <a:solidFill>
+                  <a:srgbClr val="333333"/>
+                </a:solidFill>
+                <a:latin typeface="Source Serif Pro"/>
+              </a:rPr>
+              <a:t>라는 문자열이 </a:t>
+            </a:r>
+            <a:r>
+              <a:rPr lang="en-US" altLang="ko-KR" dirty="0">
+                <a:solidFill>
+                  <a:srgbClr val="333333"/>
+                </a:solidFill>
+                <a:latin typeface="Source Serif Pro"/>
+              </a:rPr>
+              <a:t>input </a:t>
+            </a:r>
+            <a:r>
+              <a:rPr lang="ko-KR" altLang="en-US" dirty="0">
+                <a:solidFill>
+                  <a:srgbClr val="333333"/>
+                </a:solidFill>
+                <a:latin typeface="Source Serif Pro"/>
+              </a:rPr>
+              <a:t>되었다면</a:t>
+            </a:r>
+            <a:r>
+              <a:rPr lang="en-US" altLang="ko-KR" dirty="0">
+                <a:solidFill>
+                  <a:srgbClr val="333333"/>
+                </a:solidFill>
+                <a:latin typeface="Source Serif Pro"/>
+              </a:rPr>
+              <a:t>?</a:t>
+            </a:r>
+          </a:p>
+        </p:txBody>
+      </p:sp>
+    </p:spTree>
+    <p:extLst>
+      <p:ext uri="{BB962C8B-B14F-4D97-AF65-F5344CB8AC3E}">
+        <p14:creationId xmlns:p14="http://schemas.microsoft.com/office/powerpoint/2010/main" val="308562695"/>
+      </p:ext>
+    </p:extLst>
+  </p:cSld>
+  <p:clrMapOvr>
+    <a:masterClrMapping/>
+  </p:clrMapOvr>
+  <p:timing>
+    <p:tnLst>
+      <p:par>
+        <p:cTn id="1" dur="indefinite" restart="never" nodeType="tmRoot">
+          <p:childTnLst>
+            <p:seq concurrent="1" nextAc="seek">
+              <p:cTn id="2" dur="indefinite" nodeType="mainSeq">
+                <p:childTnLst>
+                  <p:par>
+                    <p:cTn id="3" fill="hold">
+                      <p:stCondLst>
+                        <p:cond delay="indefinite"/>
+                      </p:stCondLst>
+                      <p:childTnLst>
+                        <p:par>
+                          <p:cTn id="4" fill="hold">
+                            <p:stCondLst>
+                              <p:cond delay="0"/>
+                            </p:stCondLst>
+                            <p:childTnLst>
+                              <p:par>
+                                <p:cTn id="5" presetID="10" presetClass="entr" presetSubtype="0" fill="hold" grpId="0" nodeType="clickEffect">
+                                  <p:stCondLst>
+                                    <p:cond delay="0"/>
+                                  </p:stCondLst>
+                                  <p:childTnLst>
+                                    <p:set>
+                                      <p:cBhvr>
+                                        <p:cTn id="6" dur="1" fill="hold">
+                                          <p:stCondLst>
+                                            <p:cond delay="0"/>
+                                          </p:stCondLst>
+                                        </p:cTn>
+                                        <p:tgtEl>
+                                          <p:spTgt spid="14"/>
+                                        </p:tgtEl>
+                                        <p:attrNameLst>
+                                          <p:attrName>style.visibility</p:attrName>
+                                        </p:attrNameLst>
+                                      </p:cBhvr>
+                                      <p:to>
+                                        <p:strVal val="visible"/>
+                                      </p:to>
+                                    </p:set>
+                                    <p:animEffect transition="in" filter="fade">
+                                      <p:cBhvr>
+                                        <p:cTn id="7" dur="500"/>
+                                        <p:tgtEl>
+                                          <p:spTgt spid="14"/>
+                                        </p:tgtEl>
+                                      </p:cBhvr>
+                                    </p:animEffect>
+                                  </p:childTnLst>
+                                </p:cTn>
+                              </p:par>
+                            </p:childTnLst>
+                          </p:cTn>
+                        </p:par>
+                      </p:childTnLst>
+                    </p:cTn>
+                  </p:par>
+                  <p:par>
+                    <p:cTn id="8" fill="hold">
+                      <p:stCondLst>
+                        <p:cond delay="indefinite"/>
+                      </p:stCondLst>
+                      <p:childTnLst>
+                        <p:par>
+                          <p:cTn id="9" fill="hold">
+                            <p:stCondLst>
+                              <p:cond delay="0"/>
+                            </p:stCondLst>
+                            <p:childTnLst>
+                              <p:par>
+                                <p:cTn id="10" presetID="10" presetClass="entr" presetSubtype="0" fill="hold" grpId="0" nodeType="clickEffect">
+                                  <p:stCondLst>
+                                    <p:cond delay="0"/>
+                                  </p:stCondLst>
+                                  <p:childTnLst>
+                                    <p:set>
+                                      <p:cBhvr>
+                                        <p:cTn id="11" dur="1" fill="hold">
+                                          <p:stCondLst>
+                                            <p:cond delay="0"/>
+                                          </p:stCondLst>
+                                        </p:cTn>
+                                        <p:tgtEl>
+                                          <p:spTgt spid="5"/>
+                                        </p:tgtEl>
+                                        <p:attrNameLst>
+                                          <p:attrName>style.visibility</p:attrName>
+                                        </p:attrNameLst>
+                                      </p:cBhvr>
+                                      <p:to>
+                                        <p:strVal val="visible"/>
+                                      </p:to>
+                                    </p:set>
+                                    <p:animEffect transition="in" filter="fade">
+                                      <p:cBhvr>
+                                        <p:cTn id="12" dur="500"/>
+                                        <p:tgtEl>
+                                          <p:spTgt spid="5"/>
+                                        </p:tgtEl>
+                                      </p:cBhvr>
+                                    </p:animEffect>
+                                  </p:childTnLst>
+                                </p:cTn>
+                              </p:par>
+                            </p:childTnLst>
+                          </p:cTn>
+                        </p:par>
+                      </p:childTnLst>
+                    </p:cTn>
+                  </p:par>
+                  <p:par>
+                    <p:cTn id="13" fill="hold">
+                      <p:stCondLst>
+                        <p:cond delay="indefinite"/>
+                      </p:stCondLst>
+                      <p:childTnLst>
+                        <p:par>
+                          <p:cTn id="14" fill="hold">
+                            <p:stCondLst>
+                              <p:cond delay="0"/>
+                            </p:stCondLst>
+                            <p:childTnLst>
+                              <p:par>
+                                <p:cTn id="15" presetID="10" presetClass="entr" presetSubtype="0" fill="hold" grpId="0" nodeType="clickEffect">
+                                  <p:stCondLst>
+                                    <p:cond delay="0"/>
+                                  </p:stCondLst>
+                                  <p:childTnLst>
+                                    <p:set>
+                                      <p:cBhvr>
+                                        <p:cTn id="16" dur="1" fill="hold">
+                                          <p:stCondLst>
+                                            <p:cond delay="0"/>
+                                          </p:stCondLst>
+                                        </p:cTn>
+                                        <p:tgtEl>
+                                          <p:spTgt spid="2"/>
+                                        </p:tgtEl>
+                                        <p:attrNameLst>
+                                          <p:attrName>style.visibility</p:attrName>
+                                        </p:attrNameLst>
+                                      </p:cBhvr>
+                                      <p:to>
+                                        <p:strVal val="visible"/>
+                                      </p:to>
+                                    </p:set>
+                                    <p:animEffect transition="in" filter="fade">
+                                      <p:cBhvr>
+                                        <p:cTn id="17" dur="500"/>
+                                        <p:tgtEl>
+                                          <p:spTgt spid="2"/>
+                                        </p:tgtEl>
+                                      </p:cBhvr>
+                                    </p:animEffect>
+                                  </p:childTnLst>
+                                </p:cTn>
+                              </p:par>
+                              <p:par>
+                                <p:cTn id="18" presetID="10" presetClass="entr" presetSubtype="0" fill="hold" grpId="0" nodeType="withEffect">
+                                  <p:stCondLst>
+                                    <p:cond delay="0"/>
+                                  </p:stCondLst>
+                                  <p:childTnLst>
+                                    <p:set>
+                                      <p:cBhvr>
+                                        <p:cTn id="19" dur="1" fill="hold">
+                                          <p:stCondLst>
+                                            <p:cond delay="0"/>
+                                          </p:stCondLst>
+                                        </p:cTn>
+                                        <p:tgtEl>
+                                          <p:spTgt spid="12"/>
+                                        </p:tgtEl>
+                                        <p:attrNameLst>
+                                          <p:attrName>style.visibility</p:attrName>
+                                        </p:attrNameLst>
+                                      </p:cBhvr>
+                                      <p:to>
+                                        <p:strVal val="visible"/>
+                                      </p:to>
+                                    </p:set>
+                                    <p:animEffect transition="in" filter="fade">
+                                      <p:cBhvr>
+                                        <p:cTn id="20" dur="500"/>
+                                        <p:tgtEl>
+                                          <p:spTgt spid="12"/>
+                                        </p:tgtEl>
+                                      </p:cBhvr>
+                                    </p:animEffect>
+                                  </p:childTnLst>
+                                </p:cTn>
+                              </p:par>
+                              <p:par>
+                                <p:cTn id="21" presetID="10" presetClass="entr" presetSubtype="0" fill="hold" grpId="0" nodeType="withEffect">
+                                  <p:stCondLst>
+                                    <p:cond delay="0"/>
+                                  </p:stCondLst>
+                                  <p:childTnLst>
+                                    <p:set>
+                                      <p:cBhvr>
+                                        <p:cTn id="22" dur="1" fill="hold">
+                                          <p:stCondLst>
+                                            <p:cond delay="0"/>
+                                          </p:stCondLst>
+                                        </p:cTn>
+                                        <p:tgtEl>
+                                          <p:spTgt spid="7"/>
+                                        </p:tgtEl>
+                                        <p:attrNameLst>
+                                          <p:attrName>style.visibility</p:attrName>
+                                        </p:attrNameLst>
+                                      </p:cBhvr>
+                                      <p:to>
+                                        <p:strVal val="visible"/>
+                                      </p:to>
+                                    </p:set>
+                                    <p:animEffect transition="in" filter="fade">
+                                      <p:cBhvr>
+                                        <p:cTn id="23" dur="500"/>
+                                        <p:tgtEl>
+                                          <p:spTgt spid="7"/>
+                                        </p:tgtEl>
+                                      </p:cBhvr>
+                                    </p:animEffect>
+                                  </p:childTnLst>
+                                </p:cTn>
+                              </p:par>
+                            </p:childTnLst>
+                          </p:cTn>
+                        </p:par>
+                      </p:childTnLst>
+                    </p:cTn>
+                  </p:par>
+                  <p:par>
+                    <p:cTn id="24" fill="hold">
+                      <p:stCondLst>
+                        <p:cond delay="indefinite"/>
+                      </p:stCondLst>
+                      <p:childTnLst>
+                        <p:par>
+                          <p:cTn id="25" fill="hold">
+                            <p:stCondLst>
+                              <p:cond delay="0"/>
+                            </p:stCondLst>
+                            <p:childTnLst>
+                              <p:par>
+                                <p:cTn id="26" presetID="10" presetClass="entr" presetSubtype="0" fill="hold" grpId="0" nodeType="clickEffect">
+                                  <p:stCondLst>
+                                    <p:cond delay="0"/>
+                                  </p:stCondLst>
+                                  <p:childTnLst>
+                                    <p:set>
+                                      <p:cBhvr>
+                                        <p:cTn id="27" dur="1" fill="hold">
+                                          <p:stCondLst>
+                                            <p:cond delay="0"/>
+                                          </p:stCondLst>
+                                        </p:cTn>
+                                        <p:tgtEl>
+                                          <p:spTgt spid="13"/>
+                                        </p:tgtEl>
+                                        <p:attrNameLst>
+                                          <p:attrName>style.visibility</p:attrName>
+                                        </p:attrNameLst>
+                                      </p:cBhvr>
+                                      <p:to>
+                                        <p:strVal val="visible"/>
+                                      </p:to>
+                                    </p:set>
+                                    <p:animEffect transition="in" filter="fade">
+                                      <p:cBhvr>
+                                        <p:cTn id="28" dur="500"/>
+                                        <p:tgtEl>
+                                          <p:spTgt spid="13"/>
+                                        </p:tgtEl>
+                                      </p:cBhvr>
+                                    </p:animEffect>
+                                  </p:childTnLst>
+                                </p:cTn>
+                              </p:par>
+                              <p:par>
+                                <p:cTn id="29" presetID="10" presetClass="entr" presetSubtype="0" fill="hold" grpId="0" nodeType="withEffect">
+                                  <p:stCondLst>
+                                    <p:cond delay="0"/>
+                                  </p:stCondLst>
+                                  <p:childTnLst>
+                                    <p:set>
+                                      <p:cBhvr>
+                                        <p:cTn id="30" dur="1" fill="hold">
+                                          <p:stCondLst>
+                                            <p:cond delay="0"/>
+                                          </p:stCondLst>
+                                        </p:cTn>
+                                        <p:tgtEl>
+                                          <p:spTgt spid="15"/>
+                                        </p:tgtEl>
+                                        <p:attrNameLst>
+                                          <p:attrName>style.visibility</p:attrName>
+                                        </p:attrNameLst>
+                                      </p:cBhvr>
+                                      <p:to>
+                                        <p:strVal val="visible"/>
+                                      </p:to>
+                                    </p:set>
+                                    <p:animEffect transition="in" filter="fade">
+                                      <p:cBhvr>
+                                        <p:cTn id="31" dur="500"/>
+                                        <p:tgtEl>
+                                          <p:spTgt spid="15"/>
+                                        </p:tgtEl>
+                                      </p:cBhvr>
+                                    </p:animEffect>
+                                  </p:childTnLst>
+                                </p:cTn>
+                              </p:par>
+                              <p:par>
+                                <p:cTn id="32" presetID="10" presetClass="entr" presetSubtype="0" fill="hold" grpId="0" nodeType="withEffect">
+                                  <p:stCondLst>
+                                    <p:cond delay="0"/>
+                                  </p:stCondLst>
+                                  <p:childTnLst>
+                                    <p:set>
+                                      <p:cBhvr>
+                                        <p:cTn id="33" dur="1" fill="hold">
+                                          <p:stCondLst>
+                                            <p:cond delay="0"/>
+                                          </p:stCondLst>
+                                        </p:cTn>
+                                        <p:tgtEl>
+                                          <p:spTgt spid="16"/>
+                                        </p:tgtEl>
+                                        <p:attrNameLst>
+                                          <p:attrName>style.visibility</p:attrName>
+                                        </p:attrNameLst>
+                                      </p:cBhvr>
+                                      <p:to>
+                                        <p:strVal val="visible"/>
+                                      </p:to>
+                                    </p:set>
+                                    <p:animEffect transition="in" filter="fade">
+                                      <p:cBhvr>
+                                        <p:cTn id="34" dur="500"/>
+                                        <p:tgtEl>
+                                          <p:spTgt spid="16"/>
+                                        </p:tgtEl>
+                                      </p:cBhvr>
+                                    </p:animEffect>
+                                  </p:childTnLst>
+                                </p:cTn>
+                              </p:par>
+                            </p:childTnLst>
+                          </p:cTn>
+                        </p:par>
+                      </p:childTnLst>
+                    </p:cTn>
+                  </p:par>
+                  <p:par>
+                    <p:cTn id="35" fill="hold">
+                      <p:stCondLst>
+                        <p:cond delay="indefinite"/>
+                      </p:stCondLst>
+                      <p:childTnLst>
+                        <p:par>
+                          <p:cTn id="36" fill="hold">
+                            <p:stCondLst>
+                              <p:cond delay="0"/>
+                            </p:stCondLst>
+                            <p:childTnLst>
+                              <p:par>
+                                <p:cTn id="37" presetID="10" presetClass="entr" presetSubtype="0" fill="hold" grpId="0" nodeType="clickEffect">
+                                  <p:stCondLst>
+                                    <p:cond delay="0"/>
+                                  </p:stCondLst>
+                                  <p:childTnLst>
+                                    <p:set>
+                                      <p:cBhvr>
+                                        <p:cTn id="38" dur="1" fill="hold">
+                                          <p:stCondLst>
+                                            <p:cond delay="0"/>
+                                          </p:stCondLst>
+                                        </p:cTn>
+                                        <p:tgtEl>
+                                          <p:spTgt spid="17"/>
+                                        </p:tgtEl>
+                                        <p:attrNameLst>
+                                          <p:attrName>style.visibility</p:attrName>
+                                        </p:attrNameLst>
+                                      </p:cBhvr>
+                                      <p:to>
+                                        <p:strVal val="visible"/>
+                                      </p:to>
+                                    </p:set>
+                                    <p:animEffect transition="in" filter="fade">
+                                      <p:cBhvr>
+                                        <p:cTn id="39" dur="500"/>
+                                        <p:tgtEl>
+                                          <p:spTgt spid="17"/>
+                                        </p:tgtEl>
+                                      </p:cBhvr>
+                                    </p:animEffect>
+                                  </p:childTnLst>
+                                </p:cTn>
+                              </p:par>
+                              <p:par>
+                                <p:cTn id="40" presetID="10" presetClass="entr" presetSubtype="0" fill="hold" grpId="0" nodeType="withEffect">
+                                  <p:stCondLst>
+                                    <p:cond delay="0"/>
+                                  </p:stCondLst>
+                                  <p:childTnLst>
+                                    <p:set>
+                                      <p:cBhvr>
+                                        <p:cTn id="41" dur="1" fill="hold">
+                                          <p:stCondLst>
+                                            <p:cond delay="0"/>
+                                          </p:stCondLst>
+                                        </p:cTn>
+                                        <p:tgtEl>
+                                          <p:spTgt spid="19"/>
+                                        </p:tgtEl>
+                                        <p:attrNameLst>
+                                          <p:attrName>style.visibility</p:attrName>
+                                        </p:attrNameLst>
+                                      </p:cBhvr>
+                                      <p:to>
+                                        <p:strVal val="visible"/>
+                                      </p:to>
+                                    </p:set>
+                                    <p:animEffect transition="in" filter="fade">
+                                      <p:cBhvr>
+                                        <p:cTn id="42" dur="500"/>
+                                        <p:tgtEl>
+                                          <p:spTgt spid="19"/>
+                                        </p:tgtEl>
+                                      </p:cBhvr>
+                                    </p:animEffect>
+                                  </p:childTnLst>
+                                </p:cTn>
+                              </p:par>
+                              <p:par>
+                                <p:cTn id="43" presetID="10" presetClass="entr" presetSubtype="0" fill="hold" grpId="0" nodeType="withEffect">
+                                  <p:stCondLst>
+                                    <p:cond delay="0"/>
+                                  </p:stCondLst>
+                                  <p:childTnLst>
+                                    <p:set>
+                                      <p:cBhvr>
+                                        <p:cTn id="44" dur="1" fill="hold">
+                                          <p:stCondLst>
+                                            <p:cond delay="0"/>
+                                          </p:stCondLst>
+                                        </p:cTn>
+                                        <p:tgtEl>
+                                          <p:spTgt spid="18"/>
+                                        </p:tgtEl>
+                                        <p:attrNameLst>
+                                          <p:attrName>style.visibility</p:attrName>
+                                        </p:attrNameLst>
+                                      </p:cBhvr>
+                                      <p:to>
+                                        <p:strVal val="visible"/>
+                                      </p:to>
+                                    </p:set>
+                                    <p:animEffect transition="in" filter="fade">
+                                      <p:cBhvr>
+                                        <p:cTn id="45" dur="500"/>
+                                        <p:tgtEl>
+                                          <p:spTgt spid="18"/>
+                                        </p:tgtEl>
+                                      </p:cBhvr>
+                                    </p:animEffect>
+                                  </p:childTnLst>
+                                </p:cTn>
+                              </p:par>
+                            </p:childTnLst>
+                          </p:cTn>
+                        </p:par>
+                      </p:childTnLst>
+                    </p:cTn>
+                  </p:par>
+                  <p:par>
+                    <p:cTn id="46" fill="hold">
+                      <p:stCondLst>
+                        <p:cond delay="indefinite"/>
+                      </p:stCondLst>
+                      <p:childTnLst>
+                        <p:par>
+                          <p:cTn id="47" fill="hold">
+                            <p:stCondLst>
+                              <p:cond delay="0"/>
+                            </p:stCondLst>
+                            <p:childTnLst>
+                              <p:par>
+                                <p:cTn id="48" presetID="10" presetClass="entr" presetSubtype="0" fill="hold" grpId="0" nodeType="clickEffect">
+                                  <p:stCondLst>
+                                    <p:cond delay="0"/>
+                                  </p:stCondLst>
+                                  <p:childTnLst>
+                                    <p:set>
+                                      <p:cBhvr>
+                                        <p:cTn id="49" dur="1" fill="hold">
+                                          <p:stCondLst>
+                                            <p:cond delay="0"/>
+                                          </p:stCondLst>
+                                        </p:cTn>
+                                        <p:tgtEl>
+                                          <p:spTgt spid="22"/>
+                                        </p:tgtEl>
+                                        <p:attrNameLst>
+                                          <p:attrName>style.visibility</p:attrName>
+                                        </p:attrNameLst>
+                                      </p:cBhvr>
+                                      <p:to>
+                                        <p:strVal val="visible"/>
+                                      </p:to>
+                                    </p:set>
+                                    <p:animEffect transition="in" filter="fade">
+                                      <p:cBhvr>
+                                        <p:cTn id="50" dur="500"/>
+                                        <p:tgtEl>
+                                          <p:spTgt spid="22"/>
+                                        </p:tgtEl>
+                                      </p:cBhvr>
+                                    </p:animEffect>
+                                  </p:childTnLst>
+                                </p:cTn>
+                              </p:par>
+                              <p:par>
+                                <p:cTn id="51" presetID="10" presetClass="entr" presetSubtype="0" fill="hold" grpId="0" nodeType="withEffect">
+                                  <p:stCondLst>
+                                    <p:cond delay="0"/>
+                                  </p:stCondLst>
+                                  <p:childTnLst>
+                                    <p:set>
+                                      <p:cBhvr>
+                                        <p:cTn id="52" dur="1" fill="hold">
+                                          <p:stCondLst>
+                                            <p:cond delay="0"/>
+                                          </p:stCondLst>
+                                        </p:cTn>
+                                        <p:tgtEl>
+                                          <p:spTgt spid="21"/>
+                                        </p:tgtEl>
+                                        <p:attrNameLst>
+                                          <p:attrName>style.visibility</p:attrName>
+                                        </p:attrNameLst>
+                                      </p:cBhvr>
+                                      <p:to>
+                                        <p:strVal val="visible"/>
+                                      </p:to>
+                                    </p:set>
+                                    <p:animEffect transition="in" filter="fade">
+                                      <p:cBhvr>
+                                        <p:cTn id="53" dur="500"/>
+                                        <p:tgtEl>
+                                          <p:spTgt spid="21"/>
+                                        </p:tgtEl>
+                                      </p:cBhvr>
+                                    </p:animEffect>
+                                  </p:childTnLst>
+                                </p:cTn>
+                              </p:par>
+                              <p:par>
+                                <p:cTn id="54" presetID="10" presetClass="entr" presetSubtype="0" fill="hold" grpId="0" nodeType="withEffect">
+                                  <p:stCondLst>
+                                    <p:cond delay="0"/>
+                                  </p:stCondLst>
+                                  <p:childTnLst>
+                                    <p:set>
+                                      <p:cBhvr>
+                                        <p:cTn id="55" dur="1" fill="hold">
+                                          <p:stCondLst>
+                                            <p:cond delay="0"/>
+                                          </p:stCondLst>
+                                        </p:cTn>
+                                        <p:tgtEl>
+                                          <p:spTgt spid="20"/>
+                                        </p:tgtEl>
+                                        <p:attrNameLst>
+                                          <p:attrName>style.visibility</p:attrName>
+                                        </p:attrNameLst>
+                                      </p:cBhvr>
+                                      <p:to>
+                                        <p:strVal val="visible"/>
+                                      </p:to>
+                                    </p:set>
+                                    <p:animEffect transition="in" filter="fade">
+                                      <p:cBhvr>
+                                        <p:cTn id="56" dur="500"/>
+                                        <p:tgtEl>
+                                          <p:spTgt spid="20"/>
+                                        </p:tgtEl>
+                                      </p:cBhvr>
+                                    </p:animEffect>
+                                  </p:childTnLst>
+                                </p:cTn>
+                              </p:par>
+                            </p:childTnLst>
+                          </p:cTn>
+                        </p:par>
+                      </p:childTnLst>
+                    </p:cTn>
+                  </p:par>
+                  <p:par>
+                    <p:cTn id="57" fill="hold">
+                      <p:stCondLst>
+                        <p:cond delay="indefinite"/>
+                      </p:stCondLst>
+                      <p:childTnLst>
+                        <p:par>
+                          <p:cTn id="58" fill="hold">
+                            <p:stCondLst>
+                              <p:cond delay="0"/>
+                            </p:stCondLst>
+                            <p:childTnLst>
+                              <p:par>
+                                <p:cTn id="59" presetID="10" presetClass="entr" presetSubtype="0" fill="hold" grpId="0" nodeType="clickEffect">
+                                  <p:stCondLst>
+                                    <p:cond delay="0"/>
+                                  </p:stCondLst>
+                                  <p:childTnLst>
+                                    <p:set>
+                                      <p:cBhvr>
+                                        <p:cTn id="60" dur="1" fill="hold">
+                                          <p:stCondLst>
+                                            <p:cond delay="0"/>
+                                          </p:stCondLst>
+                                        </p:cTn>
+                                        <p:tgtEl>
+                                          <p:spTgt spid="23"/>
+                                        </p:tgtEl>
+                                        <p:attrNameLst>
+                                          <p:attrName>style.visibility</p:attrName>
+                                        </p:attrNameLst>
+                                      </p:cBhvr>
+                                      <p:to>
+                                        <p:strVal val="visible"/>
+                                      </p:to>
+                                    </p:set>
+                                    <p:animEffect transition="in" filter="fade">
+                                      <p:cBhvr>
+                                        <p:cTn id="61" dur="500"/>
+                                        <p:tgtEl>
+                                          <p:spTgt spid="23"/>
+                                        </p:tgtEl>
+                                      </p:cBhvr>
+                                    </p:animEffect>
+                                  </p:childTnLst>
+                                </p:cTn>
+                              </p:par>
+                              <p:par>
+                                <p:cTn id="62" presetID="10" presetClass="entr" presetSubtype="0" fill="hold" grpId="0" nodeType="withEffect">
+                                  <p:stCondLst>
+                                    <p:cond delay="0"/>
+                                  </p:stCondLst>
+                                  <p:childTnLst>
+                                    <p:set>
+                                      <p:cBhvr>
+                                        <p:cTn id="63" dur="1" fill="hold">
+                                          <p:stCondLst>
+                                            <p:cond delay="0"/>
+                                          </p:stCondLst>
+                                        </p:cTn>
+                                        <p:tgtEl>
+                                          <p:spTgt spid="24"/>
+                                        </p:tgtEl>
+                                        <p:attrNameLst>
+                                          <p:attrName>style.visibility</p:attrName>
+                                        </p:attrNameLst>
+                                      </p:cBhvr>
+                                      <p:to>
+                                        <p:strVal val="visible"/>
+                                      </p:to>
+                                    </p:set>
+                                    <p:animEffect transition="in" filter="fade">
+                                      <p:cBhvr>
+                                        <p:cTn id="64" dur="500"/>
+                                        <p:tgtEl>
+                                          <p:spTgt spid="24"/>
+                                        </p:tgtEl>
+                                      </p:cBhvr>
+                                    </p:animEffect>
+                                  </p:childTnLst>
+                                </p:cTn>
+                              </p:par>
+                              <p:par>
+                                <p:cTn id="65" presetID="10" presetClass="entr" presetSubtype="0" fill="hold" grpId="0" nodeType="withEffect">
+                                  <p:stCondLst>
+                                    <p:cond delay="0"/>
+                                  </p:stCondLst>
+                                  <p:childTnLst>
+                                    <p:set>
+                                      <p:cBhvr>
+                                        <p:cTn id="66" dur="1" fill="hold">
+                                          <p:stCondLst>
+                                            <p:cond delay="0"/>
+                                          </p:stCondLst>
+                                        </p:cTn>
+                                        <p:tgtEl>
+                                          <p:spTgt spid="25"/>
+                                        </p:tgtEl>
+                                        <p:attrNameLst>
+                                          <p:attrName>style.visibility</p:attrName>
+                                        </p:attrNameLst>
+                                      </p:cBhvr>
+                                      <p:to>
+                                        <p:strVal val="visible"/>
+                                      </p:to>
+                                    </p:set>
+                                    <p:animEffect transition="in" filter="fade">
+                                      <p:cBhvr>
+                                        <p:cTn id="67" dur="500"/>
+                                        <p:tgtEl>
+                                          <p:spTgt spid="25"/>
+                                        </p:tgtEl>
+                                      </p:cBhvr>
+                                    </p:animEffect>
+                                  </p:childTnLst>
+                                </p:cTn>
+                              </p:par>
+                            </p:childTnLst>
+                          </p:cTn>
+                        </p:par>
+                      </p:childTnLst>
+                    </p:cTn>
+                  </p:par>
+                  <p:par>
+                    <p:cTn id="68" fill="hold">
+                      <p:stCondLst>
+                        <p:cond delay="indefinite"/>
+                      </p:stCondLst>
+                      <p:childTnLst>
+                        <p:par>
+                          <p:cTn id="69" fill="hold">
+                            <p:stCondLst>
+                              <p:cond delay="0"/>
+                            </p:stCondLst>
+                            <p:childTnLst>
+                              <p:par>
+                                <p:cTn id="70" presetID="10" presetClass="entr" presetSubtype="0" fill="hold" nodeType="clickEffect">
+                                  <p:stCondLst>
+                                    <p:cond delay="0"/>
+                                  </p:stCondLst>
+                                  <p:childTnLst>
+                                    <p:set>
+                                      <p:cBhvr>
+                                        <p:cTn id="71" dur="1" fill="hold">
+                                          <p:stCondLst>
+                                            <p:cond delay="0"/>
+                                          </p:stCondLst>
+                                        </p:cTn>
+                                        <p:tgtEl>
+                                          <p:spTgt spid="35"/>
+                                        </p:tgtEl>
+                                        <p:attrNameLst>
+                                          <p:attrName>style.visibility</p:attrName>
+                                        </p:attrNameLst>
+                                      </p:cBhvr>
+                                      <p:to>
+                                        <p:strVal val="visible"/>
+                                      </p:to>
+                                    </p:set>
+                                    <p:animEffect transition="in" filter="fade">
+                                      <p:cBhvr>
+                                        <p:cTn id="72" dur="500"/>
+                                        <p:tgtEl>
+                                          <p:spTgt spid="35"/>
+                                        </p:tgtEl>
+                                      </p:cBhvr>
+                                    </p:animEffect>
+                                  </p:childTnLst>
+                                </p:cTn>
+                              </p:par>
+                              <p:par>
+                                <p:cTn id="73" presetID="10" presetClass="entr" presetSubtype="0" fill="hold" nodeType="withEffect">
+                                  <p:stCondLst>
+                                    <p:cond delay="0"/>
+                                  </p:stCondLst>
+                                  <p:childTnLst>
+                                    <p:set>
+                                      <p:cBhvr>
+                                        <p:cTn id="74" dur="1" fill="hold">
+                                          <p:stCondLst>
+                                            <p:cond delay="0"/>
+                                          </p:stCondLst>
+                                        </p:cTn>
+                                        <p:tgtEl>
+                                          <p:spTgt spid="37"/>
+                                        </p:tgtEl>
+                                        <p:attrNameLst>
+                                          <p:attrName>style.visibility</p:attrName>
+                                        </p:attrNameLst>
+                                      </p:cBhvr>
+                                      <p:to>
+                                        <p:strVal val="visible"/>
+                                      </p:to>
+                                    </p:set>
+                                    <p:animEffect transition="in" filter="fade">
+                                      <p:cBhvr>
+                                        <p:cTn id="75" dur="500"/>
+                                        <p:tgtEl>
+                                          <p:spTgt spid="37"/>
+                                        </p:tgtEl>
+                                      </p:cBhvr>
+                                    </p:animEffect>
+                                  </p:childTnLst>
+                                </p:cTn>
+                              </p:par>
+                              <p:par>
+                                <p:cTn id="76" presetID="10" presetClass="entr" presetSubtype="0" fill="hold" nodeType="withEffect">
+                                  <p:stCondLst>
+                                    <p:cond delay="0"/>
+                                  </p:stCondLst>
+                                  <p:childTnLst>
+                                    <p:set>
+                                      <p:cBhvr>
+                                        <p:cTn id="77" dur="1" fill="hold">
+                                          <p:stCondLst>
+                                            <p:cond delay="0"/>
+                                          </p:stCondLst>
+                                        </p:cTn>
+                                        <p:tgtEl>
+                                          <p:spTgt spid="39"/>
+                                        </p:tgtEl>
+                                        <p:attrNameLst>
+                                          <p:attrName>style.visibility</p:attrName>
+                                        </p:attrNameLst>
+                                      </p:cBhvr>
+                                      <p:to>
+                                        <p:strVal val="visible"/>
+                                      </p:to>
+                                    </p:set>
+                                    <p:animEffect transition="in" filter="fade">
+                                      <p:cBhvr>
+                                        <p:cTn id="78" dur="500"/>
+                                        <p:tgtEl>
+                                          <p:spTgt spid="39"/>
+                                        </p:tgtEl>
+                                      </p:cBhvr>
+                                    </p:animEffect>
+                                  </p:childTnLst>
+                                </p:cTn>
+                              </p:par>
+                            </p:childTnLst>
+                          </p:cTn>
+                        </p:par>
+                      </p:childTnLst>
+                    </p:cTn>
+                  </p:par>
+                  <p:par>
+                    <p:cTn id="79" fill="hold">
+                      <p:stCondLst>
+                        <p:cond delay="indefinite"/>
+                      </p:stCondLst>
+                      <p:childTnLst>
+                        <p:par>
+                          <p:cTn id="80" fill="hold">
+                            <p:stCondLst>
+                              <p:cond delay="0"/>
+                            </p:stCondLst>
+                            <p:childTnLst>
+                              <p:par>
+                                <p:cTn id="81" presetID="10" presetClass="entr" presetSubtype="0" fill="hold" grpId="0" nodeType="clickEffect">
+                                  <p:stCondLst>
+                                    <p:cond delay="0"/>
+                                  </p:stCondLst>
+                                  <p:childTnLst>
+                                    <p:set>
+                                      <p:cBhvr>
+                                        <p:cTn id="82" dur="1" fill="hold">
+                                          <p:stCondLst>
+                                            <p:cond delay="0"/>
+                                          </p:stCondLst>
+                                        </p:cTn>
+                                        <p:tgtEl>
+                                          <p:spTgt spid="42"/>
+                                        </p:tgtEl>
+                                        <p:attrNameLst>
+                                          <p:attrName>style.visibility</p:attrName>
+                                        </p:attrNameLst>
+                                      </p:cBhvr>
+                                      <p:to>
+                                        <p:strVal val="visible"/>
+                                      </p:to>
+                                    </p:set>
+                                    <p:animEffect transition="in" filter="fade">
+                                      <p:cBhvr>
+                                        <p:cTn id="83" dur="500"/>
+                                        <p:tgtEl>
+                                          <p:spTgt spid="42"/>
+                                        </p:tgtEl>
+                                      </p:cBhvr>
+                                    </p:animEffect>
+                                  </p:childTnLst>
+                                </p:cTn>
+                              </p:par>
+                            </p:childTnLst>
+                          </p:cTn>
+                        </p:par>
+                      </p:childTnLst>
+                    </p:cTn>
+                  </p:par>
+                  <p:par>
+                    <p:cTn id="84" fill="hold">
+                      <p:stCondLst>
+                        <p:cond delay="indefinite"/>
+                      </p:stCondLst>
+                      <p:childTnLst>
+                        <p:par>
+                          <p:cTn id="85" fill="hold">
+                            <p:stCondLst>
+                              <p:cond delay="0"/>
+                            </p:stCondLst>
+                            <p:childTnLst>
+                              <p:par>
+                                <p:cTn id="86" presetID="10" presetClass="entr" presetSubtype="0" fill="hold" grpId="0" nodeType="clickEffect">
+                                  <p:stCondLst>
+                                    <p:cond delay="0"/>
+                                  </p:stCondLst>
+                                  <p:childTnLst>
+                                    <p:set>
+                                      <p:cBhvr>
+                                        <p:cTn id="87" dur="1" fill="hold">
+                                          <p:stCondLst>
+                                            <p:cond delay="0"/>
+                                          </p:stCondLst>
+                                        </p:cTn>
+                                        <p:tgtEl>
+                                          <p:spTgt spid="43"/>
+                                        </p:tgtEl>
+                                        <p:attrNameLst>
+                                          <p:attrName>style.visibility</p:attrName>
+                                        </p:attrNameLst>
+                                      </p:cBhvr>
+                                      <p:to>
+                                        <p:strVal val="visible"/>
+                                      </p:to>
+                                    </p:set>
+                                    <p:animEffect transition="in" filter="fade">
+                                      <p:cBhvr>
+                                        <p:cTn id="88" dur="500"/>
+                                        <p:tgtEl>
+                                          <p:spTgt spid="43"/>
+                                        </p:tgtEl>
+                                      </p:cBhvr>
+                                    </p:animEffect>
+                                  </p:childTnLst>
+                                </p:cTn>
+                              </p:par>
+                              <p:par>
+                                <p:cTn id="89" presetID="10" presetClass="entr" presetSubtype="0" fill="hold" grpId="0" nodeType="withEffect">
+                                  <p:stCondLst>
+                                    <p:cond delay="0"/>
+                                  </p:stCondLst>
+                                  <p:childTnLst>
+                                    <p:set>
+                                      <p:cBhvr>
+                                        <p:cTn id="90" dur="1" fill="hold">
+                                          <p:stCondLst>
+                                            <p:cond delay="0"/>
+                                          </p:stCondLst>
+                                        </p:cTn>
+                                        <p:tgtEl>
+                                          <p:spTgt spid="45"/>
+                                        </p:tgtEl>
+                                        <p:attrNameLst>
+                                          <p:attrName>style.visibility</p:attrName>
+                                        </p:attrNameLst>
+                                      </p:cBhvr>
+                                      <p:to>
+                                        <p:strVal val="visible"/>
+                                      </p:to>
+                                    </p:set>
+                                    <p:animEffect transition="in" filter="fade">
+                                      <p:cBhvr>
+                                        <p:cTn id="91" dur="500"/>
+                                        <p:tgtEl>
+                                          <p:spTgt spid="45"/>
+                                        </p:tgtEl>
+                                      </p:cBhvr>
+                                    </p:animEffect>
+                                  </p:childTnLst>
+                                </p:cTn>
+                              </p:par>
+                              <p:par>
+                                <p:cTn id="92" presetID="10" presetClass="entr" presetSubtype="0" fill="hold" grpId="0" nodeType="withEffect">
+                                  <p:stCondLst>
+                                    <p:cond delay="0"/>
+                                  </p:stCondLst>
+                                  <p:childTnLst>
+                                    <p:set>
+                                      <p:cBhvr>
+                                        <p:cTn id="93" dur="1" fill="hold">
+                                          <p:stCondLst>
+                                            <p:cond delay="0"/>
+                                          </p:stCondLst>
+                                        </p:cTn>
+                                        <p:tgtEl>
+                                          <p:spTgt spid="48"/>
+                                        </p:tgtEl>
+                                        <p:attrNameLst>
+                                          <p:attrName>style.visibility</p:attrName>
+                                        </p:attrNameLst>
+                                      </p:cBhvr>
+                                      <p:to>
+                                        <p:strVal val="visible"/>
+                                      </p:to>
+                                    </p:set>
+                                    <p:animEffect transition="in" filter="fade">
+                                      <p:cBhvr>
+                                        <p:cTn id="94" dur="500"/>
+                                        <p:tgtEl>
+                                          <p:spTgt spid="48"/>
+                                        </p:tgtEl>
+                                      </p:cBhvr>
+                                    </p:animEffect>
+                                  </p:childTnLst>
+                                </p:cTn>
+                              </p:par>
+                              <p:par>
+                                <p:cTn id="95" presetID="10" presetClass="entr" presetSubtype="0" fill="hold" grpId="0" nodeType="withEffect">
+                                  <p:stCondLst>
+                                    <p:cond delay="0"/>
+                                  </p:stCondLst>
+                                  <p:childTnLst>
+                                    <p:set>
+                                      <p:cBhvr>
+                                        <p:cTn id="96" dur="1" fill="hold">
+                                          <p:stCondLst>
+                                            <p:cond delay="0"/>
+                                          </p:stCondLst>
+                                        </p:cTn>
+                                        <p:tgtEl>
+                                          <p:spTgt spid="49"/>
+                                        </p:tgtEl>
+                                        <p:attrNameLst>
+                                          <p:attrName>style.visibility</p:attrName>
+                                        </p:attrNameLst>
+                                      </p:cBhvr>
+                                      <p:to>
+                                        <p:strVal val="visible"/>
+                                      </p:to>
+                                    </p:set>
+                                    <p:animEffect transition="in" filter="fade">
+                                      <p:cBhvr>
+                                        <p:cTn id="97" dur="500"/>
+                                        <p:tgtEl>
+                                          <p:spTgt spid="49"/>
+                                        </p:tgtEl>
+                                      </p:cBhvr>
+                                    </p:animEffect>
+                                  </p:childTnLst>
+                                </p:cTn>
+                              </p:par>
+                            </p:childTnLst>
+                          </p:cTn>
+                        </p:par>
+                      </p:childTnLst>
+                    </p:cTn>
+                  </p:par>
+                  <p:par>
+                    <p:cTn id="98" fill="hold">
+                      <p:stCondLst>
+                        <p:cond delay="indefinite"/>
+                      </p:stCondLst>
+                      <p:childTnLst>
+                        <p:par>
+                          <p:cTn id="99" fill="hold">
+                            <p:stCondLst>
+                              <p:cond delay="0"/>
+                            </p:stCondLst>
+                            <p:childTnLst>
+                              <p:par>
+                                <p:cTn id="100" presetID="10" presetClass="entr" presetSubtype="0" fill="hold" grpId="0" nodeType="clickEffect">
+                                  <p:stCondLst>
+                                    <p:cond delay="0"/>
+                                  </p:stCondLst>
+                                  <p:childTnLst>
+                                    <p:set>
+                                      <p:cBhvr>
+                                        <p:cTn id="101" dur="1" fill="hold">
+                                          <p:stCondLst>
+                                            <p:cond delay="0"/>
+                                          </p:stCondLst>
+                                        </p:cTn>
+                                        <p:tgtEl>
+                                          <p:spTgt spid="31"/>
+                                        </p:tgtEl>
+                                        <p:attrNameLst>
+                                          <p:attrName>style.visibility</p:attrName>
+                                        </p:attrNameLst>
+                                      </p:cBhvr>
+                                      <p:to>
+                                        <p:strVal val="visible"/>
+                                      </p:to>
+                                    </p:set>
+                                    <p:animEffect transition="in" filter="fade">
+                                      <p:cBhvr>
+                                        <p:cTn id="102" dur="500"/>
+                                        <p:tgtEl>
+                                          <p:spTgt spid="31"/>
+                                        </p:tgtEl>
+                                      </p:cBhvr>
+                                    </p:animEffect>
+                                  </p:childTnLst>
+                                </p:cTn>
+                              </p:par>
+                              <p:par>
+                                <p:cTn id="103" presetID="10" presetClass="entr" presetSubtype="0" fill="hold" grpId="0" nodeType="withEffect">
+                                  <p:stCondLst>
+                                    <p:cond delay="0"/>
+                                  </p:stCondLst>
+                                  <p:childTnLst>
+                                    <p:set>
+                                      <p:cBhvr>
+                                        <p:cTn id="104" dur="1" fill="hold">
+                                          <p:stCondLst>
+                                            <p:cond delay="0"/>
+                                          </p:stCondLst>
+                                        </p:cTn>
+                                        <p:tgtEl>
+                                          <p:spTgt spid="4"/>
+                                        </p:tgtEl>
+                                        <p:attrNameLst>
+                                          <p:attrName>style.visibility</p:attrName>
+                                        </p:attrNameLst>
+                                      </p:cBhvr>
+                                      <p:to>
+                                        <p:strVal val="visible"/>
+                                      </p:to>
+                                    </p:set>
+                                    <p:animEffect transition="in" filter="fade">
+                                      <p:cBhvr>
+                                        <p:cTn id="105" dur="500"/>
+                                        <p:tgtEl>
+                                          <p:spTgt spid="4"/>
+                                        </p:tgtEl>
+                                      </p:cBhvr>
+                                    </p:animEffect>
+                                  </p:childTnLst>
+                                </p:cTn>
+                              </p:par>
+                            </p:childTnLst>
+                          </p:cTn>
+                        </p:par>
+                      </p:childTnLst>
+                    </p:cTn>
+                  </p:par>
+                </p:childTnLst>
+              </p:cTn>
+              <p:prevCondLst>
+                <p:cond evt="onPrev" delay="0">
+                  <p:tgtEl>
+                    <p:sldTgt/>
+                  </p:tgtEl>
+                </p:cond>
+              </p:prevCondLst>
+              <p:nextCondLst>
+                <p:cond evt="onNext" delay="0">
+                  <p:tgtEl>
+                    <p:sldTgt/>
+                  </p:tgtEl>
+                </p:cond>
+              </p:nextCondLst>
+            </p:seq>
+          </p:childTnLst>
+        </p:cTn>
+      </p:par>
+    </p:tnLst>
+    <p:bldLst>
+      <p:bldP spid="4" grpId="0" animBg="1"/>
+      <p:bldP spid="14" grpId="0"/>
+      <p:bldP spid="2" grpId="0"/>
+      <p:bldP spid="12" grpId="0"/>
+      <p:bldP spid="7" grpId="0" animBg="1"/>
+      <p:bldP spid="13" grpId="0"/>
+      <p:bldP spid="15" grpId="0"/>
+      <p:bldP spid="16" grpId="0" animBg="1"/>
+      <p:bldP spid="17" grpId="0"/>
+      <p:bldP spid="18" grpId="0"/>
+      <p:bldP spid="19" grpId="0" animBg="1"/>
+      <p:bldP spid="20" grpId="0"/>
+      <p:bldP spid="21" grpId="0"/>
+      <p:bldP spid="22" grpId="0" animBg="1"/>
+      <p:bldP spid="23" grpId="0"/>
+      <p:bldP spid="24" grpId="0"/>
+      <p:bldP spid="25" grpId="0" animBg="1"/>
+      <p:bldP spid="42" grpId="0" animBg="1"/>
+      <p:bldP spid="43" grpId="0"/>
+      <p:bldP spid="45" grpId="0" animBg="1"/>
+      <p:bldP spid="48" grpId="0" animBg="1"/>
+      <p:bldP spid="49" grpId="0"/>
+      <p:bldP spid="31" grpId="0"/>
+      <p:bldP spid="5" grpId="0"/>
+    </p:bldLst>
+  </p:timing>
+</p:sld>
+</file>
+
+<file path=ppt/slides/slide9.xml><?xml version="1.0" encoding="utf-8"?>
+<p:sld xmlns:a="http://schemas.openxmlformats.org/drawingml/2006/main" xmlns:r="http://schemas.openxmlformats.org/officeDocument/2006/relationships" xmlns:p="http://schemas.openxmlformats.org/presentationml/2006/main">
+  <p:cSld>
+    <p:spTree>
+      <p:nvGrpSpPr>
+        <p:cNvPr id="1" name=""/>
+        <p:cNvGrpSpPr/>
+        <p:nvPr/>
+      </p:nvGrpSpPr>
+      <p:grpSpPr>
+        <a:xfrm>
+          <a:off x="0" y="0"/>
+          <a:ext cx="0" cy="0"/>
+          <a:chOff x="0" y="0"/>
+          <a:chExt cx="0" cy="0"/>
+        </a:xfrm>
+      </p:grpSpPr>
+      <p:sp>
+        <p:nvSpPr>
+          <p:cNvPr id="10" name="직사각형 9">
+            <a:extLst>
+              <a:ext uri="{FF2B5EF4-FFF2-40B4-BE49-F238E27FC236}">
+                <a16:creationId xmlns:a16="http://schemas.microsoft.com/office/drawing/2014/main" id="{72422AE4-B2BC-47F4-A55A-7923EBDB55ED}"/>
+              </a:ext>
+            </a:extLst>
+          </p:cNvPr>
+          <p:cNvSpPr/>
+          <p:nvPr/>
+        </p:nvSpPr>
+        <p:spPr>
+          <a:xfrm>
+            <a:off x="1586143" y="1020932"/>
+            <a:ext cx="9268287" cy="45719"/>
+          </a:xfrm>
+          <a:prstGeom prst="rect">
+            <a:avLst/>
+          </a:prstGeom>
+        </p:spPr>
+        <p:style>
+          <a:lnRef idx="2">
+            <a:schemeClr val="accent1">
+              <a:shade val="50000"/>
+            </a:schemeClr>
+          </a:lnRef>
+          <a:fillRef idx="1">
+            <a:schemeClr val="accent1"/>
+          </a:fillRef>
+          <a:effectRef idx="0">
+            <a:schemeClr val="accent1"/>
+          </a:effectRef>
+          <a:fontRef idx="minor">
+            <a:schemeClr val="lt1"/>
+          </a:fontRef>
+        </p:style>
+        <p:txBody>
+          <a:bodyPr rtlCol="0" anchor="ctr"/>
+          <a:lstStyle/>
+          <a:p>
+            <a:pPr algn="ctr"/>
+            <a:endParaRPr lang="ko-KR" altLang="en-US"/>
+          </a:p>
+        </p:txBody>
+      </p:sp>
+      <p:sp>
+        <p:nvSpPr>
+          <p:cNvPr id="11" name="직사각형 10">
+            <a:extLst>
+              <a:ext uri="{FF2B5EF4-FFF2-40B4-BE49-F238E27FC236}">
+                <a16:creationId xmlns:a16="http://schemas.microsoft.com/office/drawing/2014/main" id="{88C624B5-9431-4451-97AF-3F26F9D86089}"/>
+              </a:ext>
+            </a:extLst>
+          </p:cNvPr>
+          <p:cNvSpPr/>
+          <p:nvPr/>
+        </p:nvSpPr>
+        <p:spPr>
+          <a:xfrm flipV="1">
+            <a:off x="1586143" y="6174982"/>
+            <a:ext cx="9268287" cy="45719"/>
+          </a:xfrm>
+          <a:prstGeom prst="rect">
+            <a:avLst/>
+          </a:prstGeom>
+        </p:spPr>
+        <p:style>
+          <a:lnRef idx="2">
+            <a:schemeClr val="accent1">
+              <a:shade val="50000"/>
+            </a:schemeClr>
+          </a:lnRef>
+          <a:fillRef idx="1">
+            <a:schemeClr val="accent1"/>
+          </a:fillRef>
+          <a:effectRef idx="0">
+            <a:schemeClr val="accent1"/>
+          </a:effectRef>
+          <a:fontRef idx="minor">
+            <a:schemeClr val="lt1"/>
+          </a:fontRef>
+        </p:style>
+        <p:txBody>
+          <a:bodyPr rtlCol="0" anchor="ctr"/>
+          <a:lstStyle/>
+          <a:p>
+            <a:pPr algn="ctr"/>
+            <a:endParaRPr lang="ko-KR" altLang="en-US"/>
+          </a:p>
+        </p:txBody>
+      </p:sp>
+      <p:sp>
+        <p:nvSpPr>
+          <p:cNvPr id="9" name="TextBox 8">
+            <a:extLst>
+              <a:ext uri="{FF2B5EF4-FFF2-40B4-BE49-F238E27FC236}">
+                <a16:creationId xmlns:a16="http://schemas.microsoft.com/office/drawing/2014/main" id="{892C5DDA-40EE-4B50-9C05-6AFC7089F348}"/>
+              </a:ext>
+            </a:extLst>
+          </p:cNvPr>
+          <p:cNvSpPr txBox="1"/>
+          <p:nvPr/>
+        </p:nvSpPr>
+        <p:spPr>
+          <a:xfrm>
+            <a:off x="1704513" y="620822"/>
+            <a:ext cx="1080745" cy="400110"/>
+          </a:xfrm>
+          <a:prstGeom prst="rect">
+            <a:avLst/>
+          </a:prstGeom>
+          <a:noFill/>
+        </p:spPr>
+        <p:txBody>
+          <a:bodyPr wrap="none" rtlCol="0">
+            <a:spAutoFit/>
+          </a:bodyPr>
+          <a:lstStyle/>
+          <a:p>
+            <a:r>
+              <a:rPr lang="en-US" altLang="ko-KR" sz="2000" dirty="0"/>
+              <a:t>SHA-256</a:t>
+            </a:r>
+          </a:p>
+        </p:txBody>
+      </p:sp>
+      <p:sp>
+        <p:nvSpPr>
+          <p:cNvPr id="31" name="직사각형 30">
+            <a:extLst>
+              <a:ext uri="{FF2B5EF4-FFF2-40B4-BE49-F238E27FC236}">
+                <a16:creationId xmlns:a16="http://schemas.microsoft.com/office/drawing/2014/main" id="{0106E653-16B5-4B12-9865-AC946FBA7E6C}"/>
+              </a:ext>
+            </a:extLst>
+          </p:cNvPr>
+          <p:cNvSpPr/>
+          <p:nvPr/>
+        </p:nvSpPr>
+        <p:spPr>
+          <a:xfrm>
+            <a:off x="2008507" y="5422017"/>
+            <a:ext cx="8749365" cy="369332"/>
+          </a:xfrm>
+          <a:prstGeom prst="rect">
+            <a:avLst/>
+          </a:prstGeom>
+        </p:spPr>
+        <p:txBody>
+          <a:bodyPr wrap="square">
+            <a:spAutoFit/>
+          </a:bodyPr>
+          <a:lstStyle/>
+          <a:p>
+            <a:pPr algn="ctr"/>
+            <a:r>
+              <a:rPr lang="ko-KR" altLang="en-US" dirty="0">
+                <a:solidFill>
+                  <a:srgbClr val="333333"/>
+                </a:solidFill>
+                <a:latin typeface="Source Serif Pro"/>
+              </a:rPr>
+              <a:t>각각의 블록들에 압축 함수가 적용되어 최종적으로 </a:t>
+            </a:r>
+            <a:r>
+              <a:rPr lang="en-US" altLang="ko-KR" dirty="0">
+                <a:solidFill>
+                  <a:srgbClr val="333333"/>
+                </a:solidFill>
+                <a:latin typeface="Source Serif Pro"/>
+              </a:rPr>
+              <a:t>64</a:t>
+            </a:r>
+            <a:r>
+              <a:rPr lang="ko-KR" altLang="en-US" dirty="0">
+                <a:solidFill>
+                  <a:srgbClr val="333333"/>
+                </a:solidFill>
+                <a:latin typeface="Source Serif Pro"/>
+              </a:rPr>
+              <a:t>비트의 해시 값</a:t>
+            </a:r>
+            <a:r>
+              <a:rPr lang="en-US" altLang="ko-KR" dirty="0">
+                <a:solidFill>
+                  <a:srgbClr val="333333"/>
+                </a:solidFill>
+                <a:latin typeface="Source Serif Pro"/>
+              </a:rPr>
+              <a:t>(Digest)</a:t>
+            </a:r>
+            <a:r>
+              <a:rPr lang="ko-KR" altLang="en-US" dirty="0">
+                <a:solidFill>
+                  <a:srgbClr val="333333"/>
+                </a:solidFill>
+                <a:latin typeface="Source Serif Pro"/>
+              </a:rPr>
+              <a:t>가 </a:t>
+            </a:r>
+            <a:r>
+              <a:rPr lang="en-US" altLang="ko-KR" dirty="0">
+                <a:solidFill>
+                  <a:srgbClr val="333333"/>
+                </a:solidFill>
+                <a:latin typeface="Source Serif Pro"/>
+              </a:rPr>
+              <a:t>Output.</a:t>
+            </a:r>
+          </a:p>
+        </p:txBody>
+      </p:sp>
+      <p:pic>
+        <p:nvPicPr>
+          <p:cNvPr id="2050" name="Picture 2" descr="https://postfiles.pstatic.net/20111019_54/tpinlab_1319019453404asaHE_PNG/SHA-512.png?type=w3">
+            <a:extLst>
+              <a:ext uri="{FF2B5EF4-FFF2-40B4-BE49-F238E27FC236}">
+                <a16:creationId xmlns:a16="http://schemas.microsoft.com/office/drawing/2014/main" id="{2C6C30B1-DA28-42A9-97BA-04F82A3F8B32}"/>
+              </a:ext>
+            </a:extLst>
+          </p:cNvPr>
+          <p:cNvPicPr>
+            <a:picLocks noChangeAspect="1" noChangeArrowheads="1"/>
+          </p:cNvPicPr>
+          <p:nvPr/>
+        </p:nvPicPr>
+        <p:blipFill>
+          <a:blip r:embed="rId3">
+            <a:extLst>
+              <a:ext uri="{28A0092B-C50C-407E-A947-70E740481C1C}">
+                <a14:useLocalDpi xmlns:a14="http://schemas.microsoft.com/office/drawing/2010/main" val="0"/>
+              </a:ext>
+            </a:extLst>
+          </a:blip>
+          <a:srcRect/>
+          <a:stretch>
+            <a:fillRect/>
+          </a:stretch>
+        </p:blipFill>
+        <p:spPr bwMode="auto">
+          <a:xfrm>
+            <a:off x="2008507" y="1781036"/>
+            <a:ext cx="8165589" cy="3295928"/>
+          </a:xfrm>
+          <a:prstGeom prst="rect">
+            <a:avLst/>
+          </a:prstGeom>
+          <a:noFill/>
+          <a:extLst>
+            <a:ext uri="{909E8E84-426E-40DD-AFC4-6F175D3DCCD1}">
+              <a14:hiddenFill xmlns:a14="http://schemas.microsoft.com/office/drawing/2010/main">
+                <a:solidFill>
+                  <a:srgbClr val="FFFFFF"/>
+                </a:solidFill>
+              </a14:hiddenFill>
+            </a:ext>
+          </a:extLst>
+        </p:spPr>
+      </p:pic>
+      <p:sp>
+        <p:nvSpPr>
+          <p:cNvPr id="6" name="직사각형 5">
+            <a:extLst>
+              <a:ext uri="{FF2B5EF4-FFF2-40B4-BE49-F238E27FC236}">
+                <a16:creationId xmlns:a16="http://schemas.microsoft.com/office/drawing/2014/main" id="{811EE048-E03E-431B-91EB-26466B95CED8}"/>
+              </a:ext>
+            </a:extLst>
+          </p:cNvPr>
+          <p:cNvSpPr/>
+          <p:nvPr/>
+        </p:nvSpPr>
+        <p:spPr>
+          <a:xfrm>
+            <a:off x="2004479" y="4197850"/>
+            <a:ext cx="794048" cy="433138"/>
+          </a:xfrm>
+          <a:prstGeom prst="rect">
+            <a:avLst/>
+          </a:prstGeom>
+        </p:spPr>
+        <p:style>
+          <a:lnRef idx="2">
+            <a:schemeClr val="accent1">
+              <a:shade val="50000"/>
+            </a:schemeClr>
+          </a:lnRef>
+          <a:fillRef idx="1">
+            <a:schemeClr val="accent1"/>
+          </a:fillRef>
+          <a:effectRef idx="0">
+            <a:schemeClr val="accent1"/>
+          </a:effectRef>
+          <a:fontRef idx="minor">
+            <a:schemeClr val="lt1"/>
+          </a:fontRef>
+        </p:style>
+        <p:txBody>
+          <a:bodyPr rtlCol="0" anchor="ctr"/>
+          <a:lstStyle/>
+          <a:p>
+            <a:pPr algn="ctr"/>
+            <a:r>
+              <a:rPr lang="en-US" altLang="ko-KR" sz="1200" dirty="0"/>
+              <a:t>256 bits</a:t>
+            </a:r>
+            <a:endParaRPr lang="ko-KR" altLang="en-US" sz="1200" dirty="0"/>
+          </a:p>
+        </p:txBody>
+      </p:sp>
+      <p:sp>
+        <p:nvSpPr>
+          <p:cNvPr id="36" name="직사각형 35">
+            <a:extLst>
+              <a:ext uri="{FF2B5EF4-FFF2-40B4-BE49-F238E27FC236}">
+                <a16:creationId xmlns:a16="http://schemas.microsoft.com/office/drawing/2014/main" id="{A4A9EFA6-91CD-4A9D-A14D-95E4687ECB33}"/>
+              </a:ext>
+            </a:extLst>
+          </p:cNvPr>
+          <p:cNvSpPr/>
+          <p:nvPr/>
+        </p:nvSpPr>
+        <p:spPr>
+          <a:xfrm>
+            <a:off x="3588546" y="4197850"/>
+            <a:ext cx="794048" cy="433138"/>
+          </a:xfrm>
+          <a:prstGeom prst="rect">
+            <a:avLst/>
+          </a:prstGeom>
+        </p:spPr>
+        <p:style>
+          <a:lnRef idx="2">
+            <a:schemeClr val="accent1">
+              <a:shade val="50000"/>
+            </a:schemeClr>
+          </a:lnRef>
+          <a:fillRef idx="1">
+            <a:schemeClr val="accent1"/>
+          </a:fillRef>
+          <a:effectRef idx="0">
+            <a:schemeClr val="accent1"/>
+          </a:effectRef>
+          <a:fontRef idx="minor">
+            <a:schemeClr val="lt1"/>
+          </a:fontRef>
+        </p:style>
+        <p:txBody>
+          <a:bodyPr rtlCol="0" anchor="ctr"/>
+          <a:lstStyle/>
+          <a:p>
+            <a:pPr algn="ctr"/>
+            <a:r>
+              <a:rPr lang="en-US" altLang="ko-KR" sz="1200" dirty="0"/>
+              <a:t>256 bits</a:t>
+            </a:r>
+            <a:endParaRPr lang="ko-KR" altLang="en-US" sz="1200" dirty="0"/>
+          </a:p>
+        </p:txBody>
+      </p:sp>
+      <p:sp>
+        <p:nvSpPr>
+          <p:cNvPr id="38" name="직사각형 37">
+            <a:extLst>
+              <a:ext uri="{FF2B5EF4-FFF2-40B4-BE49-F238E27FC236}">
+                <a16:creationId xmlns:a16="http://schemas.microsoft.com/office/drawing/2014/main" id="{0C46FF20-22B7-4441-A9E6-B8858335B5A4}"/>
+              </a:ext>
+            </a:extLst>
+          </p:cNvPr>
+          <p:cNvSpPr/>
+          <p:nvPr/>
+        </p:nvSpPr>
+        <p:spPr>
+          <a:xfrm>
+            <a:off x="5374922" y="4201827"/>
+            <a:ext cx="794048" cy="433138"/>
+          </a:xfrm>
+          <a:prstGeom prst="rect">
+            <a:avLst/>
+          </a:prstGeom>
+        </p:spPr>
+        <p:style>
+          <a:lnRef idx="2">
+            <a:schemeClr val="accent1">
+              <a:shade val="50000"/>
+            </a:schemeClr>
+          </a:lnRef>
+          <a:fillRef idx="1">
+            <a:schemeClr val="accent1"/>
+          </a:fillRef>
+          <a:effectRef idx="0">
+            <a:schemeClr val="accent1"/>
+          </a:effectRef>
+          <a:fontRef idx="minor">
+            <a:schemeClr val="lt1"/>
+          </a:fontRef>
+        </p:style>
+        <p:txBody>
+          <a:bodyPr rtlCol="0" anchor="ctr"/>
+          <a:lstStyle/>
+          <a:p>
+            <a:pPr algn="ctr"/>
+            <a:r>
+              <a:rPr lang="en-US" altLang="ko-KR" sz="1200" dirty="0"/>
+              <a:t>256 bits</a:t>
+            </a:r>
+            <a:endParaRPr lang="ko-KR" altLang="en-US" sz="1200" dirty="0"/>
+          </a:p>
+        </p:txBody>
+      </p:sp>
+      <p:sp>
+        <p:nvSpPr>
+          <p:cNvPr id="40" name="직사각형 39">
+            <a:extLst>
+              <a:ext uri="{FF2B5EF4-FFF2-40B4-BE49-F238E27FC236}">
+                <a16:creationId xmlns:a16="http://schemas.microsoft.com/office/drawing/2014/main" id="{20E2656C-3453-4F73-93B7-DFC1925F884D}"/>
+              </a:ext>
+            </a:extLst>
+          </p:cNvPr>
+          <p:cNvSpPr/>
+          <p:nvPr/>
+        </p:nvSpPr>
+        <p:spPr>
+          <a:xfrm>
+            <a:off x="8153626" y="4165549"/>
+            <a:ext cx="794048" cy="433138"/>
+          </a:xfrm>
+          <a:prstGeom prst="rect">
+            <a:avLst/>
+          </a:prstGeom>
+        </p:spPr>
+        <p:style>
+          <a:lnRef idx="2">
+            <a:schemeClr val="accent1">
+              <a:shade val="50000"/>
+            </a:schemeClr>
+          </a:lnRef>
+          <a:fillRef idx="1">
+            <a:schemeClr val="accent1"/>
+          </a:fillRef>
+          <a:effectRef idx="0">
+            <a:schemeClr val="accent1"/>
+          </a:effectRef>
+          <a:fontRef idx="minor">
+            <a:schemeClr val="lt1"/>
+          </a:fontRef>
+        </p:style>
+        <p:txBody>
+          <a:bodyPr rtlCol="0" anchor="ctr"/>
+          <a:lstStyle/>
+          <a:p>
+            <a:pPr algn="ctr"/>
+            <a:r>
+              <a:rPr lang="en-US" altLang="ko-KR" sz="1200" dirty="0"/>
+              <a:t>256 bits</a:t>
+            </a:r>
+            <a:endParaRPr lang="ko-KR" altLang="en-US" sz="1200" dirty="0"/>
+          </a:p>
+        </p:txBody>
+      </p:sp>
+      <p:sp>
+        <p:nvSpPr>
+          <p:cNvPr id="41" name="직사각형 40">
+            <a:extLst>
+              <a:ext uri="{FF2B5EF4-FFF2-40B4-BE49-F238E27FC236}">
+                <a16:creationId xmlns:a16="http://schemas.microsoft.com/office/drawing/2014/main" id="{0628FA05-EB8E-43E9-8690-F4A51608A5D2}"/>
+              </a:ext>
+            </a:extLst>
+          </p:cNvPr>
+          <p:cNvSpPr/>
+          <p:nvPr/>
+        </p:nvSpPr>
+        <p:spPr>
+          <a:xfrm>
+            <a:off x="9440605" y="4165549"/>
+            <a:ext cx="794048" cy="433138"/>
+          </a:xfrm>
+          <a:prstGeom prst="rect">
+            <a:avLst/>
+          </a:prstGeom>
+        </p:spPr>
+        <p:style>
+          <a:lnRef idx="2">
+            <a:schemeClr val="accent1">
+              <a:shade val="50000"/>
+            </a:schemeClr>
+          </a:lnRef>
+          <a:fillRef idx="1">
+            <a:schemeClr val="accent1"/>
+          </a:fillRef>
+          <a:effectRef idx="0">
+            <a:schemeClr val="accent1"/>
+          </a:effectRef>
+          <a:fontRef idx="minor">
+            <a:schemeClr val="lt1"/>
+          </a:fontRef>
+        </p:style>
+        <p:txBody>
+          <a:bodyPr rtlCol="0" anchor="ctr"/>
+          <a:lstStyle/>
+          <a:p>
+            <a:pPr algn="ctr"/>
+            <a:r>
+              <a:rPr lang="en-US" altLang="ko-KR" sz="1200" dirty="0"/>
+              <a:t>256 bits</a:t>
+            </a:r>
+            <a:endParaRPr lang="ko-KR" altLang="en-US" sz="1200" dirty="0"/>
+          </a:p>
+        </p:txBody>
+      </p:sp>
+      <p:sp>
+        <p:nvSpPr>
+          <p:cNvPr id="44" name="직사각형 43">
+            <a:extLst>
+              <a:ext uri="{FF2B5EF4-FFF2-40B4-BE49-F238E27FC236}">
+                <a16:creationId xmlns:a16="http://schemas.microsoft.com/office/drawing/2014/main" id="{96178F9F-C4FF-46D5-BF46-B950845A9BBB}"/>
+              </a:ext>
+            </a:extLst>
+          </p:cNvPr>
+          <p:cNvSpPr/>
+          <p:nvPr/>
+        </p:nvSpPr>
+        <p:spPr>
+          <a:xfrm>
+            <a:off x="3020865" y="2393950"/>
+            <a:ext cx="1830535" cy="378923"/>
+          </a:xfrm>
+          <a:prstGeom prst="rect">
+            <a:avLst/>
+          </a:prstGeom>
+          <a:solidFill>
+            <a:schemeClr val="accent1">
+              <a:lumMod val="50000"/>
+            </a:schemeClr>
+          </a:solidFill>
+          <a:ln>
+            <a:solidFill>
+              <a:schemeClr val="bg1"/>
+            </a:solidFill>
+          </a:ln>
+        </p:spPr>
+        <p:style>
+          <a:lnRef idx="2">
+            <a:schemeClr val="accent1">
+              <a:shade val="50000"/>
+            </a:schemeClr>
+          </a:lnRef>
+          <a:fillRef idx="1">
+            <a:schemeClr val="accent1"/>
+          </a:fillRef>
+          <a:effectRef idx="0">
+            <a:schemeClr val="accent1"/>
+          </a:effectRef>
+          <a:fontRef idx="minor">
+            <a:schemeClr val="lt1"/>
+          </a:fontRef>
+        </p:style>
+        <p:txBody>
+          <a:bodyPr rtlCol="0" anchor="ctr"/>
+          <a:lstStyle/>
+          <a:p>
+            <a:pPr algn="ctr"/>
+            <a:r>
+              <a:rPr lang="en-US" altLang="ko-KR" sz="1200" dirty="0"/>
+              <a:t>512 bits</a:t>
+            </a:r>
+            <a:endParaRPr lang="ko-KR" altLang="en-US" sz="1200" dirty="0"/>
+          </a:p>
+        </p:txBody>
+      </p:sp>
+      <p:sp>
+        <p:nvSpPr>
+          <p:cNvPr id="50" name="직사각형 49">
+            <a:extLst>
+              <a:ext uri="{FF2B5EF4-FFF2-40B4-BE49-F238E27FC236}">
+                <a16:creationId xmlns:a16="http://schemas.microsoft.com/office/drawing/2014/main" id="{A7E239CC-F465-4428-BE95-1174FC4A10F3}"/>
+              </a:ext>
+            </a:extLst>
+          </p:cNvPr>
+          <p:cNvSpPr/>
+          <p:nvPr/>
+        </p:nvSpPr>
+        <p:spPr>
+          <a:xfrm>
+            <a:off x="4856678" y="2393949"/>
+            <a:ext cx="1830535" cy="378923"/>
+          </a:xfrm>
+          <a:prstGeom prst="rect">
+            <a:avLst/>
+          </a:prstGeom>
+          <a:solidFill>
+            <a:schemeClr val="accent1">
+              <a:lumMod val="50000"/>
+            </a:schemeClr>
+          </a:solidFill>
+          <a:ln>
+            <a:solidFill>
+              <a:schemeClr val="bg1"/>
+            </a:solidFill>
+          </a:ln>
+        </p:spPr>
+        <p:style>
+          <a:lnRef idx="2">
+            <a:schemeClr val="accent1">
+              <a:shade val="50000"/>
+            </a:schemeClr>
+          </a:lnRef>
+          <a:fillRef idx="1">
+            <a:schemeClr val="accent1"/>
+          </a:fillRef>
+          <a:effectRef idx="0">
+            <a:schemeClr val="accent1"/>
+          </a:effectRef>
+          <a:fontRef idx="minor">
+            <a:schemeClr val="lt1"/>
+          </a:fontRef>
+        </p:style>
+        <p:txBody>
+          <a:bodyPr rtlCol="0" anchor="ctr"/>
+          <a:lstStyle/>
+          <a:p>
+            <a:pPr algn="ctr"/>
+            <a:r>
+              <a:rPr lang="en-US" altLang="ko-KR" sz="1200" dirty="0"/>
+              <a:t>512 bits</a:t>
+            </a:r>
+            <a:endParaRPr lang="ko-KR" altLang="en-US" sz="1200" dirty="0"/>
+          </a:p>
+        </p:txBody>
+      </p:sp>
+      <p:sp>
+        <p:nvSpPr>
+          <p:cNvPr id="51" name="직사각형 50">
+            <a:extLst>
+              <a:ext uri="{FF2B5EF4-FFF2-40B4-BE49-F238E27FC236}">
+                <a16:creationId xmlns:a16="http://schemas.microsoft.com/office/drawing/2014/main" id="{2829CFF5-FD87-4753-8CF4-239C0EB7E356}"/>
+              </a:ext>
+            </a:extLst>
+          </p:cNvPr>
+          <p:cNvSpPr/>
+          <p:nvPr/>
+        </p:nvSpPr>
+        <p:spPr>
+          <a:xfrm>
+            <a:off x="7610070" y="2393949"/>
+            <a:ext cx="1830535" cy="378923"/>
+          </a:xfrm>
+          <a:prstGeom prst="rect">
+            <a:avLst/>
+          </a:prstGeom>
+          <a:solidFill>
+            <a:schemeClr val="accent1">
+              <a:lumMod val="50000"/>
+            </a:schemeClr>
+          </a:solidFill>
+          <a:ln>
+            <a:solidFill>
+              <a:schemeClr val="bg1"/>
+            </a:solidFill>
+          </a:ln>
+        </p:spPr>
+        <p:style>
+          <a:lnRef idx="2">
+            <a:schemeClr val="accent1">
+              <a:shade val="50000"/>
+            </a:schemeClr>
+          </a:lnRef>
+          <a:fillRef idx="1">
+            <a:schemeClr val="accent1"/>
+          </a:fillRef>
+          <a:effectRef idx="0">
+            <a:schemeClr val="accent1"/>
+          </a:effectRef>
+          <a:fontRef idx="minor">
+            <a:schemeClr val="lt1"/>
+          </a:fontRef>
+        </p:style>
+        <p:txBody>
+          <a:bodyPr rtlCol="0" anchor="ctr"/>
+          <a:lstStyle/>
+          <a:p>
+            <a:pPr algn="ctr"/>
+            <a:r>
+              <a:rPr lang="en-US" altLang="ko-KR" sz="1200" dirty="0"/>
+              <a:t>512 bits</a:t>
+            </a:r>
+            <a:endParaRPr lang="ko-KR" altLang="en-US" sz="1200" dirty="0"/>
+          </a:p>
+        </p:txBody>
+      </p:sp>
+    </p:spTree>
+    <p:extLst>
+      <p:ext uri="{BB962C8B-B14F-4D97-AF65-F5344CB8AC3E}">
+        <p14:creationId xmlns:p14="http://schemas.microsoft.com/office/powerpoint/2010/main" val="135738738"/>
+      </p:ext>
+    </p:extLst>
+  </p:cSld>
+  <p:clrMapOvr>
+    <a:masterClrMapping/>
+  </p:clrMapOvr>
+  <p:timing>
+    <p:tnLst>
+      <p:par>
+        <p:cTn id="1" dur="indefinite" restart="never" nodeType="tmRoot">
+          <p:childTnLst>
+            <p:seq concurrent="1" nextAc="seek">
+              <p:cTn id="2" dur="indefinite" nodeType="mainSeq">
+                <p:childTnLst>
+                  <p:par>
+                    <p:cTn id="3" fill="hold">
+                      <p:stCondLst>
+                        <p:cond delay="indefinite"/>
+                      </p:stCondLst>
+                      <p:childTnLst>
+                        <p:par>
+                          <p:cTn id="4" fill="hold">
+                            <p:stCondLst>
+                              <p:cond delay="0"/>
+                            </p:stCondLst>
+                            <p:childTnLst>
+                              <p:par>
+                                <p:cTn id="5" presetID="10" presetClass="entr" presetSubtype="0" fill="hold" grpId="0" nodeType="clickEffect">
+                                  <p:stCondLst>
+                                    <p:cond delay="0"/>
+                                  </p:stCondLst>
+                                  <p:childTnLst>
+                                    <p:set>
+                                      <p:cBhvr>
+                                        <p:cTn id="6" dur="1" fill="hold">
+                                          <p:stCondLst>
+                                            <p:cond delay="0"/>
+                                          </p:stCondLst>
+                                        </p:cTn>
+                                        <p:tgtEl>
+                                          <p:spTgt spid="31"/>
+                                        </p:tgtEl>
+                                        <p:attrNameLst>
+                                          <p:attrName>style.visibility</p:attrName>
+                                        </p:attrNameLst>
+                                      </p:cBhvr>
+                                      <p:to>
+                                        <p:strVal val="visible"/>
+                                      </p:to>
+                                    </p:set>
+                                    <p:animEffect transition="in" filter="fade">
+                                      <p:cBhvr>
+                                        <p:cTn id="7" dur="500"/>
+                                        <p:tgtEl>
+                                          <p:spTgt spid="31"/>
+                                        </p:tgtEl>
+                                      </p:cBhvr>
+                                    </p:animEffect>
+                                  </p:childTnLst>
+                                </p:cTn>
+                              </p:par>
+                            </p:childTnLst>
+                          </p:cTn>
+                        </p:par>
+                      </p:childTnLst>
+                    </p:cTn>
+                  </p:par>
+                </p:childTnLst>
+              </p:cTn>
+              <p:prevCondLst>
+                <p:cond evt="onPrev" delay="0">
+                  <p:tgtEl>
+                    <p:sldTgt/>
+                  </p:tgtEl>
+                </p:cond>
+              </p:prevCondLst>
+              <p:nextCondLst>
+                <p:cond evt="onNext" delay="0">
+                  <p:tgtEl>
+                    <p:sldTgt/>
+                  </p:tgtEl>
+                </p:cond>
+              </p:nextCondLst>
+            </p:seq>
+          </p:childTnLst>
+        </p:cTn>
+      </p:par>
+    </p:tnLst>
+    <p:bldLst>
+      <p:bldP spid="31" grpId="0"/>
+    </p:bldLst>
+  </p:timing>
 </p:sld>
 </file>
 

--- a/Study/13. SHA256.pptx
+++ b/Study/13. SHA256.pptx
@@ -206,7 +206,7 @@
           <a:p>
             <a:fld id="{8DD9E706-E0BA-4FBD-AF15-9E3682821587}" type="datetimeFigureOut">
               <a:rPr lang="ko-KR" altLang="en-US" smtClean="0"/>
-              <a:t>2019-01-02</a:t>
+              <a:t>2019-01-03</a:t>
             </a:fld>
             <a:endParaRPr lang="ko-KR" altLang="en-US"/>
           </a:p>
@@ -1738,6 +1738,36 @@
               <a:buNone/>
             </a:pPr>
             <a:r>
+              <a:rPr lang="ko-KR" altLang="en-US" dirty="0">
+                <a:effectLst/>
+              </a:rPr>
+              <a:t>압축함수</a:t>
+            </a:r>
+            <a:r>
+              <a:rPr lang="en-US" altLang="ko-KR" dirty="0">
+                <a:effectLst/>
+              </a:rPr>
+              <a:t>(Compression </a:t>
+            </a:r>
+            <a:r>
+              <a:rPr lang="en-US" altLang="ko-KR" dirty="0" err="1">
+                <a:effectLst/>
+              </a:rPr>
+              <a:t>func</a:t>
+            </a:r>
+            <a:r>
+              <a:rPr lang="en-US" altLang="ko-KR" dirty="0">
+                <a:effectLst/>
+              </a:rPr>
+              <a:t>)</a:t>
+            </a:r>
+            <a:r>
+              <a:rPr lang="ko-KR" altLang="en-US" dirty="0">
+                <a:effectLst/>
+              </a:rPr>
+              <a:t>에서 수차례 </a:t>
+            </a:r>
+            <a:r>
               <a:rPr lang="en-US" altLang="ko-KR" dirty="0">
                 <a:effectLst/>
               </a:rPr>
@@ -1747,11 +1777,80 @@
               <a:rPr lang="en-US" altLang="ko-KR" dirty="0" err="1">
                 <a:effectLst/>
               </a:rPr>
-              <a:t>and,or,xor,shr,rotr</a:t>
-            </a:r>
-            <a:br>
-              <a:rPr lang="en-US" altLang="ko-KR" dirty="0"/>
-            </a:br>
+              <a:t>and,or</a:t>
+            </a:r>
+            <a:r>
+              <a:rPr lang="en-US" altLang="ko-KR" dirty="0">
+                <a:effectLst/>
+              </a:rPr>
+              <a:t>,</a:t>
+            </a:r>
+            <a:r>
+              <a:rPr lang="ko-KR" altLang="en-US" dirty="0" err="1">
+                <a:effectLst/>
+              </a:rPr>
+              <a:t>택</a:t>
+            </a:r>
+            <a:r>
+              <a:rPr lang="en-US" altLang="ko-KR" dirty="0">
+                <a:effectLst/>
+              </a:rPr>
+              <a:t>,</a:t>
+            </a:r>
+            <a:r>
+              <a:rPr lang="en-US" altLang="ko-KR" dirty="0" err="1">
+                <a:effectLst/>
+              </a:rPr>
+              <a:t>shr,rotr</a:t>
+            </a:r>
+            <a:r>
+              <a:rPr lang="en-US" altLang="ko-KR" dirty="0">
+                <a:effectLst/>
+              </a:rPr>
+              <a:t> </a:t>
+            </a:r>
+            <a:r>
+              <a:rPr lang="ko-KR" altLang="en-US" dirty="0">
+                <a:effectLst/>
+              </a:rPr>
+              <a:t>연산이 이뤄지면서 눈사태</a:t>
+            </a:r>
+            <a:r>
+              <a:rPr lang="en-US" altLang="ko-KR" dirty="0">
+                <a:effectLst/>
+              </a:rPr>
+              <a:t>(</a:t>
+            </a:r>
+            <a:r>
+              <a:rPr lang="ko-KR" altLang="en-US" dirty="0">
+                <a:effectLst/>
+              </a:rPr>
+              <a:t>쇄도</a:t>
+            </a:r>
+            <a:r>
+              <a:rPr lang="en-US" altLang="ko-KR" dirty="0">
+                <a:effectLst/>
+              </a:rPr>
+              <a:t>)</a:t>
+            </a:r>
+            <a:r>
+              <a:rPr lang="ko-KR" altLang="en-US" dirty="0">
+                <a:effectLst/>
+              </a:rPr>
+              <a:t>효과를 </a:t>
+            </a:r>
+            <a:r>
+              <a:rPr lang="ko-KR" altLang="en-US" dirty="0" err="1">
+                <a:effectLst/>
+              </a:rPr>
+              <a:t>만들어냄</a:t>
+            </a:r>
+            <a:r>
+              <a:rPr lang="en-US" altLang="ko-KR" dirty="0">
+                <a:effectLst/>
+              </a:rPr>
+              <a:t>.</a:t>
+            </a:r>
             <a:endParaRPr lang="en-US" altLang="ko-KR" sz="1200" b="0" i="0" kern="1200" dirty="0">
               <a:solidFill>
                 <a:schemeClr val="tx1"/>
@@ -1931,7 +2030,7 @@
           <a:p>
             <a:fld id="{46A2558D-9475-4DD4-8F32-96381613298F}" type="datetimeFigureOut">
               <a:rPr lang="ko-KR" altLang="en-US" smtClean="0"/>
-              <a:t>2019-01-02</a:t>
+              <a:t>2019-01-03</a:t>
             </a:fld>
             <a:endParaRPr lang="ko-KR" altLang="en-US"/>
           </a:p>
@@ -2101,7 +2200,7 @@
           <a:p>
             <a:fld id="{46A2558D-9475-4DD4-8F32-96381613298F}" type="datetimeFigureOut">
               <a:rPr lang="ko-KR" altLang="en-US" smtClean="0"/>
-              <a:t>2019-01-02</a:t>
+              <a:t>2019-01-03</a:t>
             </a:fld>
             <a:endParaRPr lang="ko-KR" altLang="en-US"/>
           </a:p>
@@ -2281,7 +2380,7 @@
           <a:p>
             <a:fld id="{46A2558D-9475-4DD4-8F32-96381613298F}" type="datetimeFigureOut">
               <a:rPr lang="ko-KR" altLang="en-US" smtClean="0"/>
-              <a:t>2019-01-02</a:t>
+              <a:t>2019-01-03</a:t>
             </a:fld>
             <a:endParaRPr lang="ko-KR" altLang="en-US"/>
           </a:p>
@@ -2451,7 +2550,7 @@
           <a:p>
             <a:fld id="{46A2558D-9475-4DD4-8F32-96381613298F}" type="datetimeFigureOut">
               <a:rPr lang="ko-KR" altLang="en-US" smtClean="0"/>
-              <a:t>2019-01-02</a:t>
+              <a:t>2019-01-03</a:t>
             </a:fld>
             <a:endParaRPr lang="ko-KR" altLang="en-US"/>
           </a:p>
@@ -2697,7 +2796,7 @@
           <a:p>
             <a:fld id="{46A2558D-9475-4DD4-8F32-96381613298F}" type="datetimeFigureOut">
               <a:rPr lang="ko-KR" altLang="en-US" smtClean="0"/>
-              <a:t>2019-01-02</a:t>
+              <a:t>2019-01-03</a:t>
             </a:fld>
             <a:endParaRPr lang="ko-KR" altLang="en-US"/>
           </a:p>
@@ -2929,7 +3028,7 @@
           <a:p>
             <a:fld id="{46A2558D-9475-4DD4-8F32-96381613298F}" type="datetimeFigureOut">
               <a:rPr lang="ko-KR" altLang="en-US" smtClean="0"/>
-              <a:t>2019-01-02</a:t>
+              <a:t>2019-01-03</a:t>
             </a:fld>
             <a:endParaRPr lang="ko-KR" altLang="en-US"/>
           </a:p>
@@ -3296,7 +3395,7 @@
           <a:p>
             <a:fld id="{46A2558D-9475-4DD4-8F32-96381613298F}" type="datetimeFigureOut">
               <a:rPr lang="ko-KR" altLang="en-US" smtClean="0"/>
-              <a:t>2019-01-02</a:t>
+              <a:t>2019-01-03</a:t>
             </a:fld>
             <a:endParaRPr lang="ko-KR" altLang="en-US"/>
           </a:p>
@@ -3414,7 +3513,7 @@
           <a:p>
             <a:fld id="{46A2558D-9475-4DD4-8F32-96381613298F}" type="datetimeFigureOut">
               <a:rPr lang="ko-KR" altLang="en-US" smtClean="0"/>
-              <a:t>2019-01-02</a:t>
+              <a:t>2019-01-03</a:t>
             </a:fld>
             <a:endParaRPr lang="ko-KR" altLang="en-US"/>
           </a:p>
@@ -3509,7 +3608,7 @@
           <a:p>
             <a:fld id="{46A2558D-9475-4DD4-8F32-96381613298F}" type="datetimeFigureOut">
               <a:rPr lang="ko-KR" altLang="en-US" smtClean="0"/>
-              <a:t>2019-01-02</a:t>
+              <a:t>2019-01-03</a:t>
             </a:fld>
             <a:endParaRPr lang="ko-KR" altLang="en-US"/>
           </a:p>
@@ -3786,7 +3885,7 @@
           <a:p>
             <a:fld id="{46A2558D-9475-4DD4-8F32-96381613298F}" type="datetimeFigureOut">
               <a:rPr lang="ko-KR" altLang="en-US" smtClean="0"/>
-              <a:t>2019-01-02</a:t>
+              <a:t>2019-01-03</a:t>
             </a:fld>
             <a:endParaRPr lang="ko-KR" altLang="en-US"/>
           </a:p>
@@ -4043,7 +4142,7 @@
           <a:p>
             <a:fld id="{46A2558D-9475-4DD4-8F32-96381613298F}" type="datetimeFigureOut">
               <a:rPr lang="ko-KR" altLang="en-US" smtClean="0"/>
-              <a:t>2019-01-02</a:t>
+              <a:t>2019-01-03</a:t>
             </a:fld>
             <a:endParaRPr lang="ko-KR" altLang="en-US"/>
           </a:p>
@@ -4256,7 +4355,7 @@
           <a:p>
             <a:fld id="{46A2558D-9475-4DD4-8F32-96381613298F}" type="datetimeFigureOut">
               <a:rPr lang="ko-KR" altLang="en-US" smtClean="0"/>
-              <a:t>2019-01-02</a:t>
+              <a:t>2019-01-03</a:t>
             </a:fld>
             <a:endParaRPr lang="ko-KR" altLang="en-US"/>
           </a:p>
@@ -6704,33 +6803,15 @@
                                   </p:childTnLst>
                                 </p:cTn>
                               </p:par>
-                            </p:childTnLst>
-                          </p:cTn>
-                        </p:par>
-                      </p:childTnLst>
-                    </p:cTn>
-                  </p:par>
-                  <p:par>
-                    <p:cTn id="8" fill="hold">
-                      <p:stCondLst>
-                        <p:cond delay="indefinite"/>
-                      </p:stCondLst>
-                      <p:childTnLst>
-                        <p:par>
-                          <p:cTn id="9" fill="hold">
-                            <p:stCondLst>
-                              <p:cond delay="0"/>
-                            </p:stCondLst>
-                            <p:childTnLst>
                               <p:par>
-                                <p:cTn id="10" presetID="10" presetClass="entr" presetSubtype="0" fill="hold" nodeType="clickEffect">
+                                <p:cTn id="8" presetID="10" presetClass="entr" presetSubtype="0" fill="hold" nodeType="withEffect">
                                   <p:stCondLst>
                                     <p:cond delay="0"/>
                                   </p:stCondLst>
                                   <p:childTnLst>
                                     <p:set>
                                       <p:cBhvr>
-                                        <p:cTn id="11" dur="1" fill="hold">
+                                        <p:cTn id="9" dur="1" fill="hold">
                                           <p:stCondLst>
                                             <p:cond delay="0"/>
                                           </p:stCondLst>
@@ -6748,9 +6829,62 @@
                                     </p:set>
                                     <p:animEffect transition="in" filter="fade">
                                       <p:cBhvr>
-                                        <p:cTn id="12" dur="500"/>
+                                        <p:cTn id="10" dur="500"/>
                                         <p:tgtEl>
                                           <p:spTgt spid="5"/>
+                                        </p:tgtEl>
+                                      </p:cBhvr>
+                                    </p:animEffect>
+                                  </p:childTnLst>
+                                </p:cTn>
+                              </p:par>
+                            </p:childTnLst>
+                          </p:cTn>
+                        </p:par>
+                      </p:childTnLst>
+                    </p:cTn>
+                  </p:par>
+                  <p:par>
+                    <p:cTn id="11" fill="hold">
+                      <p:stCondLst>
+                        <p:cond delay="indefinite"/>
+                      </p:stCondLst>
+                      <p:childTnLst>
+                        <p:par>
+                          <p:cTn id="12" fill="hold">
+                            <p:stCondLst>
+                              <p:cond delay="0"/>
+                            </p:stCondLst>
+                            <p:childTnLst>
+                              <p:par>
+                                <p:cTn id="13" presetID="10" presetClass="entr" presetSubtype="0" fill="hold" grpId="0" nodeType="clickEffect">
+                                  <p:stCondLst>
+                                    <p:cond delay="0"/>
+                                  </p:stCondLst>
+                                  <p:childTnLst>
+                                    <p:set>
+                                      <p:cBhvr>
+                                        <p:cTn id="14" dur="1" fill="hold">
+                                          <p:stCondLst>
+                                            <p:cond delay="0"/>
+                                          </p:stCondLst>
+                                        </p:cTn>
+                                        <p:tgtEl>
+                                          <p:spTgt spid="21"/>
+                                        </p:tgtEl>
+                                        <p:attrNameLst>
+                                          <p:attrName>style.visibility</p:attrName>
+                                        </p:attrNameLst>
+                                      </p:cBhvr>
+                                      <p:to>
+                                        <p:strVal val="visible"/>
+                                      </p:to>
+                                    </p:set>
+                                    <p:animEffect transition="in" filter="fade">
+                                      <p:cBhvr>
+                                        <p:cTn id="15" dur="500"/>
+                                        <p:tgtEl>
+                                          <p:spTgt spid="21"/>
                                         </p:tgtEl>
                                       </p:cBhvr>
                                     </p:animEffect>
@@ -6784,6 +6918,9 @@
         </p:cTn>
       </p:par>
     </p:tnLst>
+    <p:bldLst>
+      <p:bldP spid="21" grpId="0"/>
+    </p:bldLst>
   </p:timing>
 </p:sld>
 </file>
@@ -8743,7 +8880,7 @@
                 </a:solidFill>
                 <a:latin typeface="Source Serif Pro"/>
               </a:rPr>
-              <a:t>이 영역이 </a:t>
+              <a:t>해당 영역이 </a:t>
             </a:r>
             <a:r>
               <a:rPr lang="en-US" altLang="ko-KR" dirty="0">
@@ -8761,7 +8898,7 @@
                 </a:solidFill>
                 <a:latin typeface="Source Serif Pro"/>
               </a:rPr>
-              <a:t>개의 블록이다</a:t>
+              <a:t>개의 블록</a:t>
             </a:r>
             <a:r>
               <a:rPr lang="en-US" altLang="ko-KR" dirty="0">

--- a/Study/13. SHA256.pptx
+++ b/Study/13. SHA256.pptx
@@ -206,7 +206,7 @@
           <a:p>
             <a:fld id="{8DD9E706-E0BA-4FBD-AF15-9E3682821587}" type="datetimeFigureOut">
               <a:rPr lang="ko-KR" altLang="en-US" smtClean="0"/>
-              <a:t>2019-01-03</a:t>
+              <a:t>2019-01-04</a:t>
             </a:fld>
             <a:endParaRPr lang="ko-KR" altLang="en-US"/>
           </a:p>
@@ -794,6 +794,114 @@
             <a:pPr marL="0" indent="0">
               <a:buNone/>
             </a:pPr>
+            <a:r>
+              <a:rPr lang="ko-KR" altLang="en-US" sz="1200" b="0" i="0" kern="1200" dirty="0">
+                <a:solidFill>
+                  <a:schemeClr val="tx1"/>
+                </a:solidFill>
+                <a:effectLst/>
+                <a:latin typeface="+mn-lt"/>
+                <a:ea typeface="+mn-ea"/>
+                <a:cs typeface="+mn-cs"/>
+              </a:rPr>
+              <a:t>만약 </a:t>
+            </a:r>
+            <a:r>
+              <a:rPr lang="ko-KR" altLang="en-US" sz="1200" b="0" i="0" kern="1200" dirty="0" err="1">
+                <a:solidFill>
+                  <a:schemeClr val="tx1"/>
+                </a:solidFill>
+                <a:effectLst/>
+                <a:latin typeface="+mn-lt"/>
+                <a:ea typeface="+mn-ea"/>
+                <a:cs typeface="+mn-cs"/>
+              </a:rPr>
+              <a:t>해시값</a:t>
+            </a:r>
+            <a:r>
+              <a:rPr lang="en-US" altLang="ko-KR" sz="1200" b="0" i="0" kern="1200" dirty="0">
+                <a:solidFill>
+                  <a:schemeClr val="tx1"/>
+                </a:solidFill>
+                <a:effectLst/>
+                <a:latin typeface="+mn-lt"/>
+                <a:ea typeface="+mn-ea"/>
+                <a:cs typeface="+mn-cs"/>
+              </a:rPr>
+              <a:t>(</a:t>
+            </a:r>
+            <a:r>
+              <a:rPr lang="ko-KR" altLang="en-US" sz="1200" b="0" i="0" kern="1200" dirty="0">
+                <a:solidFill>
+                  <a:schemeClr val="tx1"/>
+                </a:solidFill>
+                <a:effectLst/>
+                <a:latin typeface="+mn-lt"/>
+                <a:ea typeface="+mn-ea"/>
+                <a:cs typeface="+mn-cs"/>
+              </a:rPr>
+              <a:t>다이제스트</a:t>
+            </a:r>
+            <a:r>
+              <a:rPr lang="en-US" altLang="ko-KR" sz="1200" b="0" i="0" kern="1200" dirty="0">
+                <a:solidFill>
+                  <a:schemeClr val="tx1"/>
+                </a:solidFill>
+                <a:effectLst/>
+                <a:latin typeface="+mn-lt"/>
+                <a:ea typeface="+mn-ea"/>
+                <a:cs typeface="+mn-cs"/>
+              </a:rPr>
+              <a:t>)</a:t>
+            </a:r>
+            <a:r>
+              <a:rPr lang="ko-KR" altLang="en-US" sz="1200" b="0" i="0" kern="1200" dirty="0">
+                <a:solidFill>
+                  <a:schemeClr val="tx1"/>
+                </a:solidFill>
+                <a:effectLst/>
+                <a:latin typeface="+mn-lt"/>
+                <a:ea typeface="+mn-ea"/>
+                <a:cs typeface="+mn-cs"/>
+              </a:rPr>
+              <a:t>의 원래 값을 </a:t>
+            </a:r>
+            <a:r>
+              <a:rPr lang="ko-KR" altLang="en-US" sz="1200" b="0" i="0" kern="1200" dirty="0" err="1">
+                <a:solidFill>
+                  <a:schemeClr val="tx1"/>
+                </a:solidFill>
+                <a:effectLst/>
+                <a:latin typeface="+mn-lt"/>
+                <a:ea typeface="+mn-ea"/>
+                <a:cs typeface="+mn-cs"/>
+              </a:rPr>
+              <a:t>알고싶으면</a:t>
+            </a:r>
+            <a:r>
+              <a:rPr lang="ko-KR" altLang="en-US" sz="1200" b="0" i="0" kern="1200" dirty="0">
+                <a:solidFill>
+                  <a:schemeClr val="tx1"/>
+                </a:solidFill>
+                <a:effectLst/>
+                <a:latin typeface="+mn-lt"/>
+                <a:ea typeface="+mn-ea"/>
+                <a:cs typeface="+mn-cs"/>
+              </a:rPr>
+              <a:t> </a:t>
+            </a:r>
+            <a:r>
+              <a:rPr lang="ko-KR" altLang="en-US" sz="1200" b="0" i="0" kern="1200" dirty="0" err="1">
+                <a:solidFill>
+                  <a:schemeClr val="tx1"/>
+                </a:solidFill>
+                <a:effectLst/>
+                <a:latin typeface="+mn-lt"/>
+                <a:ea typeface="+mn-ea"/>
+                <a:cs typeface="+mn-cs"/>
+              </a:rPr>
+              <a:t>브루트포스뿐임</a:t>
+            </a:r>
             <a:endParaRPr lang="en-US" altLang="ko-KR" sz="1200" b="0" i="0" kern="1200" dirty="0">
               <a:solidFill>
                 <a:schemeClr val="tx1"/>
@@ -1556,6 +1664,34 @@
               </a:rPr>
               <a:t>.</a:t>
             </a:r>
+          </a:p>
+          <a:p>
+            <a:pPr marL="0" indent="0">
+              <a:buNone/>
+            </a:pPr>
+            <a:endParaRPr lang="en-US" altLang="ko-KR" sz="1200" b="0" i="0" kern="1200" dirty="0">
+              <a:solidFill>
+                <a:schemeClr val="tx1"/>
+              </a:solidFill>
+              <a:effectLst/>
+              <a:latin typeface="+mn-lt"/>
+              <a:ea typeface="+mn-ea"/>
+              <a:cs typeface="+mn-cs"/>
+            </a:endParaRPr>
+          </a:p>
+          <a:p>
+            <a:pPr marL="0" indent="0">
+              <a:buNone/>
+            </a:pPr>
+            <a:endParaRPr lang="en-US" altLang="ko-KR" sz="1200" b="0" i="0" kern="1200" dirty="0">
+              <a:solidFill>
+                <a:schemeClr val="tx1"/>
+              </a:solidFill>
+              <a:effectLst/>
+              <a:latin typeface="+mn-lt"/>
+              <a:ea typeface="+mn-ea"/>
+              <a:cs typeface="+mn-cs"/>
+            </a:endParaRPr>
           </a:p>
         </p:txBody>
       </p:sp>
@@ -2030,7 +2166,7 @@
           <a:p>
             <a:fld id="{46A2558D-9475-4DD4-8F32-96381613298F}" type="datetimeFigureOut">
               <a:rPr lang="ko-KR" altLang="en-US" smtClean="0"/>
-              <a:t>2019-01-03</a:t>
+              <a:t>2019-01-04</a:t>
             </a:fld>
             <a:endParaRPr lang="ko-KR" altLang="en-US"/>
           </a:p>
@@ -2200,7 +2336,7 @@
           <a:p>
             <a:fld id="{46A2558D-9475-4DD4-8F32-96381613298F}" type="datetimeFigureOut">
               <a:rPr lang="ko-KR" altLang="en-US" smtClean="0"/>
-              <a:t>2019-01-03</a:t>
+              <a:t>2019-01-04</a:t>
             </a:fld>
             <a:endParaRPr lang="ko-KR" altLang="en-US"/>
           </a:p>
@@ -2380,7 +2516,7 @@
           <a:p>
             <a:fld id="{46A2558D-9475-4DD4-8F32-96381613298F}" type="datetimeFigureOut">
               <a:rPr lang="ko-KR" altLang="en-US" smtClean="0"/>
-              <a:t>2019-01-03</a:t>
+              <a:t>2019-01-04</a:t>
             </a:fld>
             <a:endParaRPr lang="ko-KR" altLang="en-US"/>
           </a:p>
@@ -2550,7 +2686,7 @@
           <a:p>
             <a:fld id="{46A2558D-9475-4DD4-8F32-96381613298F}" type="datetimeFigureOut">
               <a:rPr lang="ko-KR" altLang="en-US" smtClean="0"/>
-              <a:t>2019-01-03</a:t>
+              <a:t>2019-01-04</a:t>
             </a:fld>
             <a:endParaRPr lang="ko-KR" altLang="en-US"/>
           </a:p>
@@ -2796,7 +2932,7 @@
           <a:p>
             <a:fld id="{46A2558D-9475-4DD4-8F32-96381613298F}" type="datetimeFigureOut">
               <a:rPr lang="ko-KR" altLang="en-US" smtClean="0"/>
-              <a:t>2019-01-03</a:t>
+              <a:t>2019-01-04</a:t>
             </a:fld>
             <a:endParaRPr lang="ko-KR" altLang="en-US"/>
           </a:p>
@@ -3028,7 +3164,7 @@
           <a:p>
             <a:fld id="{46A2558D-9475-4DD4-8F32-96381613298F}" type="datetimeFigureOut">
               <a:rPr lang="ko-KR" altLang="en-US" smtClean="0"/>
-              <a:t>2019-01-03</a:t>
+              <a:t>2019-01-04</a:t>
             </a:fld>
             <a:endParaRPr lang="ko-KR" altLang="en-US"/>
           </a:p>
@@ -3395,7 +3531,7 @@
           <a:p>
             <a:fld id="{46A2558D-9475-4DD4-8F32-96381613298F}" type="datetimeFigureOut">
               <a:rPr lang="ko-KR" altLang="en-US" smtClean="0"/>
-              <a:t>2019-01-03</a:t>
+              <a:t>2019-01-04</a:t>
             </a:fld>
             <a:endParaRPr lang="ko-KR" altLang="en-US"/>
           </a:p>
@@ -3513,7 +3649,7 @@
           <a:p>
             <a:fld id="{46A2558D-9475-4DD4-8F32-96381613298F}" type="datetimeFigureOut">
               <a:rPr lang="ko-KR" altLang="en-US" smtClean="0"/>
-              <a:t>2019-01-03</a:t>
+              <a:t>2019-01-04</a:t>
             </a:fld>
             <a:endParaRPr lang="ko-KR" altLang="en-US"/>
           </a:p>
@@ -3608,7 +3744,7 @@
           <a:p>
             <a:fld id="{46A2558D-9475-4DD4-8F32-96381613298F}" type="datetimeFigureOut">
               <a:rPr lang="ko-KR" altLang="en-US" smtClean="0"/>
-              <a:t>2019-01-03</a:t>
+              <a:t>2019-01-04</a:t>
             </a:fld>
             <a:endParaRPr lang="ko-KR" altLang="en-US"/>
           </a:p>
@@ -3885,7 +4021,7 @@
           <a:p>
             <a:fld id="{46A2558D-9475-4DD4-8F32-96381613298F}" type="datetimeFigureOut">
               <a:rPr lang="ko-KR" altLang="en-US" smtClean="0"/>
-              <a:t>2019-01-03</a:t>
+              <a:t>2019-01-04</a:t>
             </a:fld>
             <a:endParaRPr lang="ko-KR" altLang="en-US"/>
           </a:p>
@@ -4142,7 +4278,7 @@
           <a:p>
             <a:fld id="{46A2558D-9475-4DD4-8F32-96381613298F}" type="datetimeFigureOut">
               <a:rPr lang="ko-KR" altLang="en-US" smtClean="0"/>
-              <a:t>2019-01-03</a:t>
+              <a:t>2019-01-04</a:t>
             </a:fld>
             <a:endParaRPr lang="ko-KR" altLang="en-US"/>
           </a:p>
@@ -4355,7 +4491,7 @@
           <a:p>
             <a:fld id="{46A2558D-9475-4DD4-8F32-96381613298F}" type="datetimeFigureOut">
               <a:rPr lang="ko-KR" altLang="en-US" smtClean="0"/>
-              <a:t>2019-01-03</a:t>
+              <a:t>2019-01-04</a:t>
             </a:fld>
             <a:endParaRPr lang="ko-KR" altLang="en-US"/>
           </a:p>
@@ -5242,7 +5378,7 @@
         </p:nvSpPr>
         <p:spPr>
           <a:xfrm>
-            <a:off x="4467627" y="3243701"/>
+            <a:off x="4343340" y="3293063"/>
             <a:ext cx="3505319" cy="523220"/>
           </a:xfrm>
           <a:prstGeom prst="rect">
